--- a/presentations/qiskitNotes.pptx
+++ b/presentations/qiskitNotes.pptx
@@ -3625,1388 +3625,6 @@
       </p:grpSpPr>
       <p:sp>
         <p:nvSpPr>
-          <p:cNvPr id="5" name="Овал 4">
-            <a:extLst>
-              <a:ext uri="{FF2B5EF4-FFF2-40B4-BE49-F238E27FC236}">
-                <a16:creationId xmlns:a16="http://schemas.microsoft.com/office/drawing/2014/main" id="{39918DE3-1119-42AF-974D-6E536BA2F806}"/>
-              </a:ext>
-            </a:extLst>
-          </p:cNvPr>
-          <p:cNvSpPr/>
-          <p:nvPr/>
-        </p:nvSpPr>
-        <p:spPr>
-          <a:xfrm>
-            <a:off x="766755" y="1658290"/>
-            <a:ext cx="478971" cy="478971"/>
-          </a:xfrm>
-          <a:prstGeom prst="ellipse">
-            <a:avLst/>
-          </a:prstGeom>
-        </p:spPr>
-        <p:style>
-          <a:lnRef idx="2">
-            <a:schemeClr val="dk1"/>
-          </a:lnRef>
-          <a:fillRef idx="1">
-            <a:schemeClr val="lt1"/>
-          </a:fillRef>
-          <a:effectRef idx="0">
-            <a:schemeClr val="dk1"/>
-          </a:effectRef>
-          <a:fontRef idx="minor">
-            <a:schemeClr val="dk1"/>
-          </a:fontRef>
-        </p:style>
-        <p:txBody>
-          <a:bodyPr rtlCol="0" anchor="ctr"/>
-          <a:lstStyle/>
-          <a:p>
-            <a:pPr algn="ctr"/>
-            <a:r>
-              <a:rPr lang="en-CA" dirty="0"/>
-              <a:t>a</a:t>
-            </a:r>
-          </a:p>
-        </p:txBody>
-      </p:sp>
-      <p:sp>
-        <p:nvSpPr>
-          <p:cNvPr id="6" name="Овал 5">
-            <a:extLst>
-              <a:ext uri="{FF2B5EF4-FFF2-40B4-BE49-F238E27FC236}">
-                <a16:creationId xmlns:a16="http://schemas.microsoft.com/office/drawing/2014/main" id="{C1E3F64A-9E29-407C-B8E1-9DFF57CBE0B0}"/>
-              </a:ext>
-            </a:extLst>
-          </p:cNvPr>
-          <p:cNvSpPr/>
-          <p:nvPr/>
-        </p:nvSpPr>
-        <p:spPr>
-          <a:xfrm>
-            <a:off x="1668092" y="1658290"/>
-            <a:ext cx="478971" cy="478971"/>
-          </a:xfrm>
-          <a:prstGeom prst="ellipse">
-            <a:avLst/>
-          </a:prstGeom>
-        </p:spPr>
-        <p:style>
-          <a:lnRef idx="2">
-            <a:schemeClr val="dk1"/>
-          </a:lnRef>
-          <a:fillRef idx="1">
-            <a:schemeClr val="lt1"/>
-          </a:fillRef>
-          <a:effectRef idx="0">
-            <a:schemeClr val="dk1"/>
-          </a:effectRef>
-          <a:fontRef idx="minor">
-            <a:schemeClr val="dk1"/>
-          </a:fontRef>
-        </p:style>
-        <p:txBody>
-          <a:bodyPr rtlCol="0" anchor="ctr"/>
-          <a:lstStyle/>
-          <a:p>
-            <a:pPr algn="ctr"/>
-            <a:r>
-              <a:rPr lang="en-CA" dirty="0"/>
-              <a:t>c</a:t>
-            </a:r>
-          </a:p>
-        </p:txBody>
-      </p:sp>
-      <p:sp>
-        <p:nvSpPr>
-          <p:cNvPr id="7" name="Овал 6">
-            <a:extLst>
-              <a:ext uri="{FF2B5EF4-FFF2-40B4-BE49-F238E27FC236}">
-                <a16:creationId xmlns:a16="http://schemas.microsoft.com/office/drawing/2014/main" id="{B5FBEB20-5082-4E34-9937-08E1A95A8594}"/>
-              </a:ext>
-            </a:extLst>
-          </p:cNvPr>
-          <p:cNvSpPr/>
-          <p:nvPr/>
-        </p:nvSpPr>
-        <p:spPr>
-          <a:xfrm>
-            <a:off x="2569429" y="1658289"/>
-            <a:ext cx="478971" cy="478971"/>
-          </a:xfrm>
-          <a:prstGeom prst="ellipse">
-            <a:avLst/>
-          </a:prstGeom>
-        </p:spPr>
-        <p:style>
-          <a:lnRef idx="2">
-            <a:schemeClr val="dk1"/>
-          </a:lnRef>
-          <a:fillRef idx="1">
-            <a:schemeClr val="lt1"/>
-          </a:fillRef>
-          <a:effectRef idx="0">
-            <a:schemeClr val="dk1"/>
-          </a:effectRef>
-          <a:fontRef idx="minor">
-            <a:schemeClr val="dk1"/>
-          </a:fontRef>
-        </p:style>
-        <p:txBody>
-          <a:bodyPr rtlCol="0" anchor="ctr"/>
-          <a:lstStyle/>
-          <a:p>
-            <a:pPr algn="ctr"/>
-            <a:r>
-              <a:rPr lang="en-CA" dirty="0"/>
-              <a:t>e</a:t>
-            </a:r>
-          </a:p>
-        </p:txBody>
-      </p:sp>
-      <p:sp>
-        <p:nvSpPr>
-          <p:cNvPr id="8" name="Овал 7">
-            <a:extLst>
-              <a:ext uri="{FF2B5EF4-FFF2-40B4-BE49-F238E27FC236}">
-                <a16:creationId xmlns:a16="http://schemas.microsoft.com/office/drawing/2014/main" id="{309DB488-2F8F-41E8-8610-205F23897848}"/>
-              </a:ext>
-            </a:extLst>
-          </p:cNvPr>
-          <p:cNvSpPr/>
-          <p:nvPr/>
-        </p:nvSpPr>
-        <p:spPr>
-          <a:xfrm>
-            <a:off x="766755" y="2498667"/>
-            <a:ext cx="478971" cy="478971"/>
-          </a:xfrm>
-          <a:prstGeom prst="ellipse">
-            <a:avLst/>
-          </a:prstGeom>
-        </p:spPr>
-        <p:style>
-          <a:lnRef idx="2">
-            <a:schemeClr val="dk1"/>
-          </a:lnRef>
-          <a:fillRef idx="1">
-            <a:schemeClr val="lt1"/>
-          </a:fillRef>
-          <a:effectRef idx="0">
-            <a:schemeClr val="dk1"/>
-          </a:effectRef>
-          <a:fontRef idx="minor">
-            <a:schemeClr val="dk1"/>
-          </a:fontRef>
-        </p:style>
-        <p:txBody>
-          <a:bodyPr rtlCol="0" anchor="ctr"/>
-          <a:lstStyle/>
-          <a:p>
-            <a:pPr algn="ctr"/>
-            <a:r>
-              <a:rPr lang="en-CA" dirty="0"/>
-              <a:t>b</a:t>
-            </a:r>
-          </a:p>
-        </p:txBody>
-      </p:sp>
-      <p:sp>
-        <p:nvSpPr>
-          <p:cNvPr id="9" name="Овал 8">
-            <a:extLst>
-              <a:ext uri="{FF2B5EF4-FFF2-40B4-BE49-F238E27FC236}">
-                <a16:creationId xmlns:a16="http://schemas.microsoft.com/office/drawing/2014/main" id="{C79F9FC0-F2FD-44A8-8B36-23E2052E26F4}"/>
-              </a:ext>
-            </a:extLst>
-          </p:cNvPr>
-          <p:cNvSpPr/>
-          <p:nvPr/>
-        </p:nvSpPr>
-        <p:spPr>
-          <a:xfrm>
-            <a:off x="1668091" y="2498667"/>
-            <a:ext cx="478971" cy="478971"/>
-          </a:xfrm>
-          <a:prstGeom prst="ellipse">
-            <a:avLst/>
-          </a:prstGeom>
-        </p:spPr>
-        <p:style>
-          <a:lnRef idx="2">
-            <a:schemeClr val="dk1"/>
-          </a:lnRef>
-          <a:fillRef idx="1">
-            <a:schemeClr val="lt1"/>
-          </a:fillRef>
-          <a:effectRef idx="0">
-            <a:schemeClr val="dk1"/>
-          </a:effectRef>
-          <a:fontRef idx="minor">
-            <a:schemeClr val="dk1"/>
-          </a:fontRef>
-        </p:style>
-        <p:txBody>
-          <a:bodyPr rtlCol="0" anchor="ctr"/>
-          <a:lstStyle/>
-          <a:p>
-            <a:pPr algn="ctr"/>
-            <a:r>
-              <a:rPr lang="en-CA" dirty="0"/>
-              <a:t>d</a:t>
-            </a:r>
-          </a:p>
-        </p:txBody>
-      </p:sp>
-      <p:sp>
-        <p:nvSpPr>
-          <p:cNvPr id="10" name="Овал 9">
-            <a:extLst>
-              <a:ext uri="{FF2B5EF4-FFF2-40B4-BE49-F238E27FC236}">
-                <a16:creationId xmlns:a16="http://schemas.microsoft.com/office/drawing/2014/main" id="{08057EDB-19A7-4D0B-8885-EF3E3F04A9C5}"/>
-              </a:ext>
-            </a:extLst>
-          </p:cNvPr>
-          <p:cNvSpPr/>
-          <p:nvPr/>
-        </p:nvSpPr>
-        <p:spPr>
-          <a:xfrm>
-            <a:off x="2569427" y="2500845"/>
-            <a:ext cx="478971" cy="478971"/>
-          </a:xfrm>
-          <a:prstGeom prst="ellipse">
-            <a:avLst/>
-          </a:prstGeom>
-        </p:spPr>
-        <p:style>
-          <a:lnRef idx="2">
-            <a:schemeClr val="dk1"/>
-          </a:lnRef>
-          <a:fillRef idx="1">
-            <a:schemeClr val="lt1"/>
-          </a:fillRef>
-          <a:effectRef idx="0">
-            <a:schemeClr val="dk1"/>
-          </a:effectRef>
-          <a:fontRef idx="minor">
-            <a:schemeClr val="dk1"/>
-          </a:fontRef>
-        </p:style>
-        <p:txBody>
-          <a:bodyPr rtlCol="0" anchor="ctr"/>
-          <a:lstStyle/>
-          <a:p>
-            <a:pPr algn="ctr"/>
-            <a:r>
-              <a:rPr lang="en-CA" dirty="0"/>
-              <a:t>f</a:t>
-            </a:r>
-          </a:p>
-        </p:txBody>
-      </p:sp>
-      <p:sp>
-        <p:nvSpPr>
-          <p:cNvPr id="11" name="Овал 10">
-            <a:extLst>
-              <a:ext uri="{FF2B5EF4-FFF2-40B4-BE49-F238E27FC236}">
-                <a16:creationId xmlns:a16="http://schemas.microsoft.com/office/drawing/2014/main" id="{F780A1DE-FC59-43EF-9748-A6D6DE090355}"/>
-              </a:ext>
-            </a:extLst>
-          </p:cNvPr>
-          <p:cNvSpPr/>
-          <p:nvPr/>
-        </p:nvSpPr>
-        <p:spPr>
-          <a:xfrm>
-            <a:off x="3465881" y="1658289"/>
-            <a:ext cx="478971" cy="478971"/>
-          </a:xfrm>
-          <a:prstGeom prst="ellipse">
-            <a:avLst/>
-          </a:prstGeom>
-        </p:spPr>
-        <p:style>
-          <a:lnRef idx="2">
-            <a:schemeClr val="dk1"/>
-          </a:lnRef>
-          <a:fillRef idx="1">
-            <a:schemeClr val="lt1"/>
-          </a:fillRef>
-          <a:effectRef idx="0">
-            <a:schemeClr val="dk1"/>
-          </a:effectRef>
-          <a:fontRef idx="minor">
-            <a:schemeClr val="dk1"/>
-          </a:fontRef>
-        </p:style>
-        <p:txBody>
-          <a:bodyPr rtlCol="0" anchor="ctr"/>
-          <a:lstStyle/>
-          <a:p>
-            <a:pPr algn="ctr"/>
-            <a:r>
-              <a:rPr lang="en-CA" dirty="0"/>
-              <a:t>g</a:t>
-            </a:r>
-          </a:p>
-        </p:txBody>
-      </p:sp>
-      <p:sp>
-        <p:nvSpPr>
-          <p:cNvPr id="12" name="Овал 11">
-            <a:extLst>
-              <a:ext uri="{FF2B5EF4-FFF2-40B4-BE49-F238E27FC236}">
-                <a16:creationId xmlns:a16="http://schemas.microsoft.com/office/drawing/2014/main" id="{98FA0149-8B61-4EBC-A093-1BDCAC6A9F3C}"/>
-              </a:ext>
-            </a:extLst>
-          </p:cNvPr>
-          <p:cNvSpPr/>
-          <p:nvPr/>
-        </p:nvSpPr>
-        <p:spPr>
-          <a:xfrm>
-            <a:off x="4362332" y="1658288"/>
-            <a:ext cx="478971" cy="478971"/>
-          </a:xfrm>
-          <a:prstGeom prst="ellipse">
-            <a:avLst/>
-          </a:prstGeom>
-        </p:spPr>
-        <p:style>
-          <a:lnRef idx="2">
-            <a:schemeClr val="dk1"/>
-          </a:lnRef>
-          <a:fillRef idx="1">
-            <a:schemeClr val="lt1"/>
-          </a:fillRef>
-          <a:effectRef idx="0">
-            <a:schemeClr val="dk1"/>
-          </a:effectRef>
-          <a:fontRef idx="minor">
-            <a:schemeClr val="dk1"/>
-          </a:fontRef>
-        </p:style>
-        <p:txBody>
-          <a:bodyPr rtlCol="0" anchor="ctr"/>
-          <a:lstStyle/>
-          <a:p>
-            <a:pPr algn="ctr"/>
-            <a:r>
-              <a:rPr lang="en-CA" dirty="0" err="1"/>
-              <a:t>i</a:t>
-            </a:r>
-            <a:endParaRPr lang="en-CA" dirty="0"/>
-          </a:p>
-        </p:txBody>
-      </p:sp>
-      <p:sp>
-        <p:nvSpPr>
-          <p:cNvPr id="13" name="Овал 12">
-            <a:extLst>
-              <a:ext uri="{FF2B5EF4-FFF2-40B4-BE49-F238E27FC236}">
-                <a16:creationId xmlns:a16="http://schemas.microsoft.com/office/drawing/2014/main" id="{8B5E7463-3A0A-4CB9-A678-6A6FD4ACE803}"/>
-              </a:ext>
-            </a:extLst>
-          </p:cNvPr>
-          <p:cNvSpPr/>
-          <p:nvPr/>
-        </p:nvSpPr>
-        <p:spPr>
-          <a:xfrm>
-            <a:off x="5258783" y="1658287"/>
-            <a:ext cx="478971" cy="478971"/>
-          </a:xfrm>
-          <a:prstGeom prst="ellipse">
-            <a:avLst/>
-          </a:prstGeom>
-        </p:spPr>
-        <p:style>
-          <a:lnRef idx="2">
-            <a:schemeClr val="dk1"/>
-          </a:lnRef>
-          <a:fillRef idx="1">
-            <a:schemeClr val="lt1"/>
-          </a:fillRef>
-          <a:effectRef idx="0">
-            <a:schemeClr val="dk1"/>
-          </a:effectRef>
-          <a:fontRef idx="minor">
-            <a:schemeClr val="dk1"/>
-          </a:fontRef>
-        </p:style>
-        <p:txBody>
-          <a:bodyPr rtlCol="0" anchor="ctr"/>
-          <a:lstStyle/>
-          <a:p>
-            <a:pPr algn="ctr"/>
-            <a:r>
-              <a:rPr lang="en-CA" dirty="0"/>
-              <a:t>k</a:t>
-            </a:r>
-          </a:p>
-        </p:txBody>
-      </p:sp>
-      <p:sp>
-        <p:nvSpPr>
-          <p:cNvPr id="14" name="Овал 13">
-            <a:extLst>
-              <a:ext uri="{FF2B5EF4-FFF2-40B4-BE49-F238E27FC236}">
-                <a16:creationId xmlns:a16="http://schemas.microsoft.com/office/drawing/2014/main" id="{C716E0F0-6B9B-499E-A33C-7D5F7DD04FC8}"/>
-              </a:ext>
-            </a:extLst>
-          </p:cNvPr>
-          <p:cNvSpPr/>
-          <p:nvPr/>
-        </p:nvSpPr>
-        <p:spPr>
-          <a:xfrm>
-            <a:off x="3465880" y="2498666"/>
-            <a:ext cx="478971" cy="478971"/>
-          </a:xfrm>
-          <a:prstGeom prst="ellipse">
-            <a:avLst/>
-          </a:prstGeom>
-        </p:spPr>
-        <p:style>
-          <a:lnRef idx="2">
-            <a:schemeClr val="dk1"/>
-          </a:lnRef>
-          <a:fillRef idx="1">
-            <a:schemeClr val="lt1"/>
-          </a:fillRef>
-          <a:effectRef idx="0">
-            <a:schemeClr val="dk1"/>
-          </a:effectRef>
-          <a:fontRef idx="minor">
-            <a:schemeClr val="dk1"/>
-          </a:fontRef>
-        </p:style>
-        <p:txBody>
-          <a:bodyPr rtlCol="0" anchor="ctr"/>
-          <a:lstStyle/>
-          <a:p>
-            <a:pPr algn="ctr"/>
-            <a:r>
-              <a:rPr lang="en-CA" dirty="0"/>
-              <a:t>h</a:t>
-            </a:r>
-          </a:p>
-        </p:txBody>
-      </p:sp>
-      <p:sp>
-        <p:nvSpPr>
-          <p:cNvPr id="15" name="Овал 14">
-            <a:extLst>
-              <a:ext uri="{FF2B5EF4-FFF2-40B4-BE49-F238E27FC236}">
-                <a16:creationId xmlns:a16="http://schemas.microsoft.com/office/drawing/2014/main" id="{67294D15-93F4-4237-BDCE-3CB6B9FC541F}"/>
-              </a:ext>
-            </a:extLst>
-          </p:cNvPr>
-          <p:cNvSpPr/>
-          <p:nvPr/>
-        </p:nvSpPr>
-        <p:spPr>
-          <a:xfrm>
-            <a:off x="4362333" y="2498666"/>
-            <a:ext cx="478971" cy="478971"/>
-          </a:xfrm>
-          <a:prstGeom prst="ellipse">
-            <a:avLst/>
-          </a:prstGeom>
-        </p:spPr>
-        <p:style>
-          <a:lnRef idx="2">
-            <a:schemeClr val="dk1"/>
-          </a:lnRef>
-          <a:fillRef idx="1">
-            <a:schemeClr val="lt1"/>
-          </a:fillRef>
-          <a:effectRef idx="0">
-            <a:schemeClr val="dk1"/>
-          </a:effectRef>
-          <a:fontRef idx="minor">
-            <a:schemeClr val="dk1"/>
-          </a:fontRef>
-        </p:style>
-        <p:txBody>
-          <a:bodyPr rtlCol="0" anchor="ctr"/>
-          <a:lstStyle/>
-          <a:p>
-            <a:pPr algn="ctr"/>
-            <a:r>
-              <a:rPr lang="en-CA" dirty="0"/>
-              <a:t>j</a:t>
-            </a:r>
-          </a:p>
-        </p:txBody>
-      </p:sp>
-      <p:sp>
-        <p:nvSpPr>
-          <p:cNvPr id="16" name="Овал 15">
-            <a:extLst>
-              <a:ext uri="{FF2B5EF4-FFF2-40B4-BE49-F238E27FC236}">
-                <a16:creationId xmlns:a16="http://schemas.microsoft.com/office/drawing/2014/main" id="{6F6BEA30-7663-459B-8345-D8FAF1CB4E0A}"/>
-              </a:ext>
-            </a:extLst>
-          </p:cNvPr>
-          <p:cNvSpPr/>
-          <p:nvPr/>
-        </p:nvSpPr>
-        <p:spPr>
-          <a:xfrm>
-            <a:off x="5258783" y="2498665"/>
-            <a:ext cx="478971" cy="478971"/>
-          </a:xfrm>
-          <a:prstGeom prst="ellipse">
-            <a:avLst/>
-          </a:prstGeom>
-        </p:spPr>
-        <p:style>
-          <a:lnRef idx="2">
-            <a:schemeClr val="dk1"/>
-          </a:lnRef>
-          <a:fillRef idx="1">
-            <a:schemeClr val="lt1"/>
-          </a:fillRef>
-          <a:effectRef idx="0">
-            <a:schemeClr val="dk1"/>
-          </a:effectRef>
-          <a:fontRef idx="minor">
-            <a:schemeClr val="dk1"/>
-          </a:fontRef>
-        </p:style>
-        <p:txBody>
-          <a:bodyPr rtlCol="0" anchor="ctr"/>
-          <a:lstStyle/>
-          <a:p>
-            <a:pPr algn="ctr"/>
-            <a:r>
-              <a:rPr lang="en-CA" dirty="0"/>
-              <a:t>l</a:t>
-            </a:r>
-          </a:p>
-        </p:txBody>
-      </p:sp>
-      <p:sp>
-        <p:nvSpPr>
-          <p:cNvPr id="17" name="Овал 16">
-            <a:extLst>
-              <a:ext uri="{FF2B5EF4-FFF2-40B4-BE49-F238E27FC236}">
-                <a16:creationId xmlns:a16="http://schemas.microsoft.com/office/drawing/2014/main" id="{DA239E66-9A9F-4F22-87CB-39249DAA3007}"/>
-              </a:ext>
-            </a:extLst>
-          </p:cNvPr>
-          <p:cNvSpPr/>
-          <p:nvPr/>
-        </p:nvSpPr>
-        <p:spPr>
-          <a:xfrm>
-            <a:off x="6155234" y="1658286"/>
-            <a:ext cx="478971" cy="478971"/>
-          </a:xfrm>
-          <a:prstGeom prst="ellipse">
-            <a:avLst/>
-          </a:prstGeom>
-        </p:spPr>
-        <p:style>
-          <a:lnRef idx="2">
-            <a:schemeClr val="dk1"/>
-          </a:lnRef>
-          <a:fillRef idx="1">
-            <a:schemeClr val="lt1"/>
-          </a:fillRef>
-          <a:effectRef idx="0">
-            <a:schemeClr val="dk1"/>
-          </a:effectRef>
-          <a:fontRef idx="minor">
-            <a:schemeClr val="dk1"/>
-          </a:fontRef>
-        </p:style>
-        <p:txBody>
-          <a:bodyPr rtlCol="0" anchor="ctr"/>
-          <a:lstStyle/>
-          <a:p>
-            <a:pPr algn="ctr"/>
-            <a:r>
-              <a:rPr lang="en-CA" dirty="0"/>
-              <a:t>m</a:t>
-            </a:r>
-          </a:p>
-        </p:txBody>
-      </p:sp>
-      <p:sp>
-        <p:nvSpPr>
-          <p:cNvPr id="18" name="Овал 17">
-            <a:extLst>
-              <a:ext uri="{FF2B5EF4-FFF2-40B4-BE49-F238E27FC236}">
-                <a16:creationId xmlns:a16="http://schemas.microsoft.com/office/drawing/2014/main" id="{F14C41F1-A6C6-48B9-8C64-572F588BF110}"/>
-              </a:ext>
-            </a:extLst>
-          </p:cNvPr>
-          <p:cNvSpPr/>
-          <p:nvPr/>
-        </p:nvSpPr>
-        <p:spPr>
-          <a:xfrm>
-            <a:off x="6155234" y="2498664"/>
-            <a:ext cx="478971" cy="478971"/>
-          </a:xfrm>
-          <a:prstGeom prst="ellipse">
-            <a:avLst/>
-          </a:prstGeom>
-        </p:spPr>
-        <p:style>
-          <a:lnRef idx="2">
-            <a:schemeClr val="dk1"/>
-          </a:lnRef>
-          <a:fillRef idx="1">
-            <a:schemeClr val="lt1"/>
-          </a:fillRef>
-          <a:effectRef idx="0">
-            <a:schemeClr val="dk1"/>
-          </a:effectRef>
-          <a:fontRef idx="minor">
-            <a:schemeClr val="dk1"/>
-          </a:fontRef>
-        </p:style>
-        <p:txBody>
-          <a:bodyPr rtlCol="0" anchor="ctr"/>
-          <a:lstStyle/>
-          <a:p>
-            <a:pPr algn="ctr"/>
-            <a:r>
-              <a:rPr lang="en-CA" dirty="0"/>
-              <a:t>n</a:t>
-            </a:r>
-          </a:p>
-        </p:txBody>
-      </p:sp>
-      <p:cxnSp>
-        <p:nvCxnSpPr>
-          <p:cNvPr id="19" name="Прямая соединительная линия 18">
-            <a:extLst>
-              <a:ext uri="{FF2B5EF4-FFF2-40B4-BE49-F238E27FC236}">
-                <a16:creationId xmlns:a16="http://schemas.microsoft.com/office/drawing/2014/main" id="{1FC874B4-AAE5-4568-B450-1B02CC24E2AC}"/>
-              </a:ext>
-            </a:extLst>
-          </p:cNvPr>
-          <p:cNvCxnSpPr>
-            <a:stCxn id="5" idx="4"/>
-            <a:endCxn id="8" idx="0"/>
-          </p:cNvCxnSpPr>
-          <p:nvPr/>
-        </p:nvCxnSpPr>
-        <p:spPr>
-          <a:xfrm>
-            <a:off x="1006241" y="2137261"/>
-            <a:ext cx="0" cy="361406"/>
-          </a:xfrm>
-          <a:prstGeom prst="line">
-            <a:avLst/>
-          </a:prstGeom>
-          <a:ln w="76200"/>
-        </p:spPr>
-        <p:style>
-          <a:lnRef idx="3">
-            <a:schemeClr val="dk1"/>
-          </a:lnRef>
-          <a:fillRef idx="0">
-            <a:schemeClr val="dk1"/>
-          </a:fillRef>
-          <a:effectRef idx="2">
-            <a:schemeClr val="dk1"/>
-          </a:effectRef>
-          <a:fontRef idx="minor">
-            <a:schemeClr val="tx1"/>
-          </a:fontRef>
-        </p:style>
-      </p:cxnSp>
-      <p:cxnSp>
-        <p:nvCxnSpPr>
-          <p:cNvPr id="20" name="Прямая соединительная линия 19">
-            <a:extLst>
-              <a:ext uri="{FF2B5EF4-FFF2-40B4-BE49-F238E27FC236}">
-                <a16:creationId xmlns:a16="http://schemas.microsoft.com/office/drawing/2014/main" id="{DD3ECB2A-7FC0-4E1D-BE45-1542DA8CA2BA}"/>
-              </a:ext>
-            </a:extLst>
-          </p:cNvPr>
-          <p:cNvCxnSpPr>
-            <a:cxnSpLocks/>
-            <a:stCxn id="8" idx="7"/>
-            <a:endCxn id="6" idx="3"/>
-          </p:cNvCxnSpPr>
-          <p:nvPr/>
-        </p:nvCxnSpPr>
-        <p:spPr>
-          <a:xfrm flipV="1">
-            <a:off x="1175582" y="2067117"/>
-            <a:ext cx="562654" cy="501694"/>
-          </a:xfrm>
-          <a:prstGeom prst="line">
-            <a:avLst/>
-          </a:prstGeom>
-          <a:ln w="76200"/>
-        </p:spPr>
-        <p:style>
-          <a:lnRef idx="3">
-            <a:schemeClr val="dk1"/>
-          </a:lnRef>
-          <a:fillRef idx="0">
-            <a:schemeClr val="dk1"/>
-          </a:fillRef>
-          <a:effectRef idx="2">
-            <a:schemeClr val="dk1"/>
-          </a:effectRef>
-          <a:fontRef idx="minor">
-            <a:schemeClr val="tx1"/>
-          </a:fontRef>
-        </p:style>
-      </p:cxnSp>
-      <p:cxnSp>
-        <p:nvCxnSpPr>
-          <p:cNvPr id="21" name="Прямая соединительная линия 20">
-            <a:extLst>
-              <a:ext uri="{FF2B5EF4-FFF2-40B4-BE49-F238E27FC236}">
-                <a16:creationId xmlns:a16="http://schemas.microsoft.com/office/drawing/2014/main" id="{2F79110D-0D3E-4904-BC4F-CD6F12028A41}"/>
-              </a:ext>
-            </a:extLst>
-          </p:cNvPr>
-          <p:cNvCxnSpPr>
-            <a:stCxn id="6" idx="4"/>
-            <a:endCxn id="9" idx="0"/>
-          </p:cNvCxnSpPr>
-          <p:nvPr/>
-        </p:nvCxnSpPr>
-        <p:spPr>
-          <a:xfrm flipH="1">
-            <a:off x="1907577" y="2137261"/>
-            <a:ext cx="1" cy="361406"/>
-          </a:xfrm>
-          <a:prstGeom prst="line">
-            <a:avLst/>
-          </a:prstGeom>
-          <a:ln w="76200"/>
-        </p:spPr>
-        <p:style>
-          <a:lnRef idx="3">
-            <a:schemeClr val="dk1"/>
-          </a:lnRef>
-          <a:fillRef idx="0">
-            <a:schemeClr val="dk1"/>
-          </a:fillRef>
-          <a:effectRef idx="2">
-            <a:schemeClr val="dk1"/>
-          </a:effectRef>
-          <a:fontRef idx="minor">
-            <a:schemeClr val="tx1"/>
-          </a:fontRef>
-        </p:style>
-      </p:cxnSp>
-      <p:cxnSp>
-        <p:nvCxnSpPr>
-          <p:cNvPr id="22" name="Прямая соединительная линия 21">
-            <a:extLst>
-              <a:ext uri="{FF2B5EF4-FFF2-40B4-BE49-F238E27FC236}">
-                <a16:creationId xmlns:a16="http://schemas.microsoft.com/office/drawing/2014/main" id="{DE49E7DB-DFE4-4F39-8C1D-6C2F9135C513}"/>
-              </a:ext>
-            </a:extLst>
-          </p:cNvPr>
-          <p:cNvCxnSpPr>
-            <a:stCxn id="9" idx="7"/>
-            <a:endCxn id="7" idx="3"/>
-          </p:cNvCxnSpPr>
-          <p:nvPr/>
-        </p:nvCxnSpPr>
-        <p:spPr>
-          <a:xfrm flipV="1">
-            <a:off x="2076918" y="2067116"/>
-            <a:ext cx="562655" cy="501695"/>
-          </a:xfrm>
-          <a:prstGeom prst="line">
-            <a:avLst/>
-          </a:prstGeom>
-        </p:spPr>
-        <p:style>
-          <a:lnRef idx="1">
-            <a:schemeClr val="dk1"/>
-          </a:lnRef>
-          <a:fillRef idx="0">
-            <a:schemeClr val="dk1"/>
-          </a:fillRef>
-          <a:effectRef idx="0">
-            <a:schemeClr val="dk1"/>
-          </a:effectRef>
-          <a:fontRef idx="minor">
-            <a:schemeClr val="tx1"/>
-          </a:fontRef>
-        </p:style>
-      </p:cxnSp>
-      <p:cxnSp>
-        <p:nvCxnSpPr>
-          <p:cNvPr id="23" name="Прямая соединительная линия 22">
-            <a:extLst>
-              <a:ext uri="{FF2B5EF4-FFF2-40B4-BE49-F238E27FC236}">
-                <a16:creationId xmlns:a16="http://schemas.microsoft.com/office/drawing/2014/main" id="{33193832-055B-4FF5-BF1E-D9FA581F29D2}"/>
-              </a:ext>
-            </a:extLst>
-          </p:cNvPr>
-          <p:cNvCxnSpPr>
-            <a:stCxn id="7" idx="4"/>
-            <a:endCxn id="10" idx="0"/>
-          </p:cNvCxnSpPr>
-          <p:nvPr/>
-        </p:nvCxnSpPr>
-        <p:spPr>
-          <a:xfrm flipH="1">
-            <a:off x="2808913" y="2137260"/>
-            <a:ext cx="2" cy="363585"/>
-          </a:xfrm>
-          <a:prstGeom prst="line">
-            <a:avLst/>
-          </a:prstGeom>
-        </p:spPr>
-        <p:style>
-          <a:lnRef idx="1">
-            <a:schemeClr val="dk1"/>
-          </a:lnRef>
-          <a:fillRef idx="0">
-            <a:schemeClr val="dk1"/>
-          </a:fillRef>
-          <a:effectRef idx="0">
-            <a:schemeClr val="dk1"/>
-          </a:effectRef>
-          <a:fontRef idx="minor">
-            <a:schemeClr val="tx1"/>
-          </a:fontRef>
-        </p:style>
-      </p:cxnSp>
-      <p:cxnSp>
-        <p:nvCxnSpPr>
-          <p:cNvPr id="24" name="Прямая соединительная линия 23">
-            <a:extLst>
-              <a:ext uri="{FF2B5EF4-FFF2-40B4-BE49-F238E27FC236}">
-                <a16:creationId xmlns:a16="http://schemas.microsoft.com/office/drawing/2014/main" id="{0D3F57A2-BA7F-4C07-A43C-634020EDEE94}"/>
-              </a:ext>
-            </a:extLst>
-          </p:cNvPr>
-          <p:cNvCxnSpPr>
-            <a:stCxn id="10" idx="7"/>
-            <a:endCxn id="11" idx="3"/>
-          </p:cNvCxnSpPr>
-          <p:nvPr/>
-        </p:nvCxnSpPr>
-        <p:spPr>
-          <a:xfrm flipV="1">
-            <a:off x="2978254" y="2067116"/>
-            <a:ext cx="557771" cy="503873"/>
-          </a:xfrm>
-          <a:prstGeom prst="line">
-            <a:avLst/>
-          </a:prstGeom>
-        </p:spPr>
-        <p:style>
-          <a:lnRef idx="1">
-            <a:schemeClr val="dk1"/>
-          </a:lnRef>
-          <a:fillRef idx="0">
-            <a:schemeClr val="dk1"/>
-          </a:fillRef>
-          <a:effectRef idx="0">
-            <a:schemeClr val="dk1"/>
-          </a:effectRef>
-          <a:fontRef idx="minor">
-            <a:schemeClr val="tx1"/>
-          </a:fontRef>
-        </p:style>
-      </p:cxnSp>
-      <p:cxnSp>
-        <p:nvCxnSpPr>
-          <p:cNvPr id="25" name="Соединитель: уступ 24">
-            <a:extLst>
-              <a:ext uri="{FF2B5EF4-FFF2-40B4-BE49-F238E27FC236}">
-                <a16:creationId xmlns:a16="http://schemas.microsoft.com/office/drawing/2014/main" id="{4793FB9D-DF51-4687-8A81-2FC6EBD50039}"/>
-              </a:ext>
-            </a:extLst>
-          </p:cNvPr>
-          <p:cNvCxnSpPr>
-            <a:stCxn id="10" idx="4"/>
-            <a:endCxn id="15" idx="4"/>
-          </p:cNvCxnSpPr>
-          <p:nvPr/>
-        </p:nvCxnSpPr>
-        <p:spPr>
-          <a:xfrm rot="5400000" flipH="1" flipV="1">
-            <a:off x="3704276" y="2082274"/>
-            <a:ext cx="2179" cy="1792906"/>
-          </a:xfrm>
-          <a:prstGeom prst="bentConnector3">
-            <a:avLst>
-              <a:gd name="adj1" fmla="val -7413676"/>
-            </a:avLst>
-          </a:prstGeom>
-        </p:spPr>
-        <p:style>
-          <a:lnRef idx="1">
-            <a:schemeClr val="dk1"/>
-          </a:lnRef>
-          <a:fillRef idx="0">
-            <a:schemeClr val="dk1"/>
-          </a:fillRef>
-          <a:effectRef idx="0">
-            <a:schemeClr val="dk1"/>
-          </a:effectRef>
-          <a:fontRef idx="minor">
-            <a:schemeClr val="tx1"/>
-          </a:fontRef>
-        </p:style>
-      </p:cxnSp>
-      <p:cxnSp>
-        <p:nvCxnSpPr>
-          <p:cNvPr id="26" name="Прямая соединительная линия 25">
-            <a:extLst>
-              <a:ext uri="{FF2B5EF4-FFF2-40B4-BE49-F238E27FC236}">
-                <a16:creationId xmlns:a16="http://schemas.microsoft.com/office/drawing/2014/main" id="{E4197267-D7CB-47C7-B4DB-551293C52397}"/>
-              </a:ext>
-            </a:extLst>
-          </p:cNvPr>
-          <p:cNvCxnSpPr>
-            <a:stCxn id="11" idx="6"/>
-            <a:endCxn id="12" idx="2"/>
-          </p:cNvCxnSpPr>
-          <p:nvPr/>
-        </p:nvCxnSpPr>
-        <p:spPr>
-          <a:xfrm flipV="1">
-            <a:off x="3944852" y="1897774"/>
-            <a:ext cx="417480" cy="1"/>
-          </a:xfrm>
-          <a:prstGeom prst="line">
-            <a:avLst/>
-          </a:prstGeom>
-        </p:spPr>
-        <p:style>
-          <a:lnRef idx="1">
-            <a:schemeClr val="dk1"/>
-          </a:lnRef>
-          <a:fillRef idx="0">
-            <a:schemeClr val="dk1"/>
-          </a:fillRef>
-          <a:effectRef idx="0">
-            <a:schemeClr val="dk1"/>
-          </a:effectRef>
-          <a:fontRef idx="minor">
-            <a:schemeClr val="tx1"/>
-          </a:fontRef>
-        </p:style>
-      </p:cxnSp>
-      <p:cxnSp>
-        <p:nvCxnSpPr>
-          <p:cNvPr id="27" name="Прямая соединительная линия 26">
-            <a:extLst>
-              <a:ext uri="{FF2B5EF4-FFF2-40B4-BE49-F238E27FC236}">
-                <a16:creationId xmlns:a16="http://schemas.microsoft.com/office/drawing/2014/main" id="{9ADDDE8C-FF94-481C-B06C-F3162BA3B66B}"/>
-              </a:ext>
-            </a:extLst>
-          </p:cNvPr>
-          <p:cNvCxnSpPr>
-            <a:stCxn id="14" idx="7"/>
-            <a:endCxn id="12" idx="3"/>
-          </p:cNvCxnSpPr>
-          <p:nvPr/>
-        </p:nvCxnSpPr>
-        <p:spPr>
-          <a:xfrm flipV="1">
-            <a:off x="3874707" y="2067115"/>
-            <a:ext cx="557769" cy="501695"/>
-          </a:xfrm>
-          <a:prstGeom prst="line">
-            <a:avLst/>
-          </a:prstGeom>
-        </p:spPr>
-        <p:style>
-          <a:lnRef idx="1">
-            <a:schemeClr val="dk1"/>
-          </a:lnRef>
-          <a:fillRef idx="0">
-            <a:schemeClr val="dk1"/>
-          </a:fillRef>
-          <a:effectRef idx="0">
-            <a:schemeClr val="dk1"/>
-          </a:effectRef>
-          <a:fontRef idx="minor">
-            <a:schemeClr val="tx1"/>
-          </a:fontRef>
-        </p:style>
-      </p:cxnSp>
-      <p:cxnSp>
-        <p:nvCxnSpPr>
-          <p:cNvPr id="28" name="Прямая соединительная линия 27">
-            <a:extLst>
-              <a:ext uri="{FF2B5EF4-FFF2-40B4-BE49-F238E27FC236}">
-                <a16:creationId xmlns:a16="http://schemas.microsoft.com/office/drawing/2014/main" id="{42B64B40-E7EA-4C16-92DF-E201E39CD678}"/>
-              </a:ext>
-            </a:extLst>
-          </p:cNvPr>
-          <p:cNvCxnSpPr>
-            <a:stCxn id="12" idx="4"/>
-            <a:endCxn id="15" idx="0"/>
-          </p:cNvCxnSpPr>
-          <p:nvPr/>
-        </p:nvCxnSpPr>
-        <p:spPr>
-          <a:xfrm>
-            <a:off x="4601818" y="2137259"/>
-            <a:ext cx="1" cy="361407"/>
-          </a:xfrm>
-          <a:prstGeom prst="line">
-            <a:avLst/>
-          </a:prstGeom>
-        </p:spPr>
-        <p:style>
-          <a:lnRef idx="1">
-            <a:schemeClr val="dk1"/>
-          </a:lnRef>
-          <a:fillRef idx="0">
-            <a:schemeClr val="dk1"/>
-          </a:fillRef>
-          <a:effectRef idx="0">
-            <a:schemeClr val="dk1"/>
-          </a:effectRef>
-          <a:fontRef idx="minor">
-            <a:schemeClr val="tx1"/>
-          </a:fontRef>
-        </p:style>
-      </p:cxnSp>
-      <p:cxnSp>
-        <p:nvCxnSpPr>
-          <p:cNvPr id="29" name="Прямая соединительная линия 28">
-            <a:extLst>
-              <a:ext uri="{FF2B5EF4-FFF2-40B4-BE49-F238E27FC236}">
-                <a16:creationId xmlns:a16="http://schemas.microsoft.com/office/drawing/2014/main" id="{048A4727-C3F6-4CC6-A640-AE8842621104}"/>
-              </a:ext>
-            </a:extLst>
-          </p:cNvPr>
-          <p:cNvCxnSpPr>
-            <a:stCxn id="15" idx="7"/>
-            <a:endCxn id="13" idx="3"/>
-          </p:cNvCxnSpPr>
-          <p:nvPr/>
-        </p:nvCxnSpPr>
-        <p:spPr>
-          <a:xfrm flipV="1">
-            <a:off x="4771160" y="2067114"/>
-            <a:ext cx="557767" cy="501696"/>
-          </a:xfrm>
-          <a:prstGeom prst="line">
-            <a:avLst/>
-          </a:prstGeom>
-        </p:spPr>
-        <p:style>
-          <a:lnRef idx="1">
-            <a:schemeClr val="dk1"/>
-          </a:lnRef>
-          <a:fillRef idx="0">
-            <a:schemeClr val="dk1"/>
-          </a:fillRef>
-          <a:effectRef idx="0">
-            <a:schemeClr val="dk1"/>
-          </a:effectRef>
-          <a:fontRef idx="minor">
-            <a:schemeClr val="tx1"/>
-          </a:fontRef>
-        </p:style>
-      </p:cxnSp>
-      <p:cxnSp>
-        <p:nvCxnSpPr>
-          <p:cNvPr id="30" name="Соединитель: уступ 29">
-            <a:extLst>
-              <a:ext uri="{FF2B5EF4-FFF2-40B4-BE49-F238E27FC236}">
-                <a16:creationId xmlns:a16="http://schemas.microsoft.com/office/drawing/2014/main" id="{0B6C945F-E2B5-4BF5-9D20-69F190FEBCE9}"/>
-              </a:ext>
-            </a:extLst>
-          </p:cNvPr>
-          <p:cNvCxnSpPr>
-            <a:cxnSpLocks/>
-            <a:stCxn id="9" idx="4"/>
-            <a:endCxn id="16" idx="4"/>
-          </p:cNvCxnSpPr>
-          <p:nvPr/>
-        </p:nvCxnSpPr>
-        <p:spPr>
-          <a:xfrm rot="5400000" flipH="1" flipV="1">
-            <a:off x="3702922" y="1182291"/>
-            <a:ext cx="2" cy="3590692"/>
-          </a:xfrm>
-          <a:prstGeom prst="bentConnector3">
-            <a:avLst>
-              <a:gd name="adj1" fmla="val -11430000000"/>
-            </a:avLst>
-          </a:prstGeom>
-        </p:spPr>
-        <p:style>
-          <a:lnRef idx="1">
-            <a:schemeClr val="dk1"/>
-          </a:lnRef>
-          <a:fillRef idx="0">
-            <a:schemeClr val="dk1"/>
-          </a:fillRef>
-          <a:effectRef idx="0">
-            <a:schemeClr val="dk1"/>
-          </a:effectRef>
-          <a:fontRef idx="minor">
-            <a:schemeClr val="tx1"/>
-          </a:fontRef>
-        </p:style>
-      </p:cxnSp>
-      <p:cxnSp>
-        <p:nvCxnSpPr>
-          <p:cNvPr id="31" name="Прямая соединительная линия 30">
-            <a:extLst>
-              <a:ext uri="{FF2B5EF4-FFF2-40B4-BE49-F238E27FC236}">
-                <a16:creationId xmlns:a16="http://schemas.microsoft.com/office/drawing/2014/main" id="{59C0150C-7564-4AC7-AB43-6A184FE664AA}"/>
-              </a:ext>
-            </a:extLst>
-          </p:cNvPr>
-          <p:cNvCxnSpPr>
-            <a:stCxn id="13" idx="4"/>
-            <a:endCxn id="16" idx="0"/>
-          </p:cNvCxnSpPr>
-          <p:nvPr/>
-        </p:nvCxnSpPr>
-        <p:spPr>
-          <a:xfrm>
-            <a:off x="5498269" y="2137258"/>
-            <a:ext cx="0" cy="361407"/>
-          </a:xfrm>
-          <a:prstGeom prst="line">
-            <a:avLst/>
-          </a:prstGeom>
-        </p:spPr>
-        <p:style>
-          <a:lnRef idx="1">
-            <a:schemeClr val="dk1"/>
-          </a:lnRef>
-          <a:fillRef idx="0">
-            <a:schemeClr val="dk1"/>
-          </a:fillRef>
-          <a:effectRef idx="0">
-            <a:schemeClr val="dk1"/>
-          </a:effectRef>
-          <a:fontRef idx="minor">
-            <a:schemeClr val="tx1"/>
-          </a:fontRef>
-        </p:style>
-      </p:cxnSp>
-      <p:cxnSp>
-        <p:nvCxnSpPr>
-          <p:cNvPr id="32" name="Прямая соединительная линия 31">
-            <a:extLst>
-              <a:ext uri="{FF2B5EF4-FFF2-40B4-BE49-F238E27FC236}">
-                <a16:creationId xmlns:a16="http://schemas.microsoft.com/office/drawing/2014/main" id="{8F6FB870-E0AF-4B02-B417-10CDE9A4B837}"/>
-              </a:ext>
-            </a:extLst>
-          </p:cNvPr>
-          <p:cNvCxnSpPr>
-            <a:stCxn id="16" idx="7"/>
-            <a:endCxn id="17" idx="3"/>
-          </p:cNvCxnSpPr>
-          <p:nvPr/>
-        </p:nvCxnSpPr>
-        <p:spPr>
-          <a:xfrm flipV="1">
-            <a:off x="5667610" y="2067113"/>
-            <a:ext cx="557768" cy="501696"/>
-          </a:xfrm>
-          <a:prstGeom prst="line">
-            <a:avLst/>
-          </a:prstGeom>
-          <a:ln w="76200"/>
-        </p:spPr>
-        <p:style>
-          <a:lnRef idx="3">
-            <a:schemeClr val="dk1"/>
-          </a:lnRef>
-          <a:fillRef idx="0">
-            <a:schemeClr val="dk1"/>
-          </a:fillRef>
-          <a:effectRef idx="2">
-            <a:schemeClr val="dk1"/>
-          </a:effectRef>
-          <a:fontRef idx="minor">
-            <a:schemeClr val="tx1"/>
-          </a:fontRef>
-        </p:style>
-      </p:cxnSp>
-      <p:cxnSp>
-        <p:nvCxnSpPr>
-          <p:cNvPr id="33" name="Соединитель: уступ 32">
-            <a:extLst>
-              <a:ext uri="{FF2B5EF4-FFF2-40B4-BE49-F238E27FC236}">
-                <a16:creationId xmlns:a16="http://schemas.microsoft.com/office/drawing/2014/main" id="{6CE30FF1-0D60-480F-B793-0204FA0BDEBB}"/>
-              </a:ext>
-            </a:extLst>
-          </p:cNvPr>
-          <p:cNvCxnSpPr>
-            <a:cxnSpLocks/>
-            <a:stCxn id="6" idx="1"/>
-            <a:endCxn id="17" idx="0"/>
-          </p:cNvCxnSpPr>
-          <p:nvPr/>
-        </p:nvCxnSpPr>
-        <p:spPr>
-          <a:xfrm rot="5400000" flipH="1" flipV="1">
-            <a:off x="4031404" y="-634882"/>
-            <a:ext cx="70148" cy="4656484"/>
-          </a:xfrm>
-          <a:prstGeom prst="bentConnector3">
-            <a:avLst>
-              <a:gd name="adj1" fmla="val 573616"/>
-            </a:avLst>
-          </a:prstGeom>
-          <a:ln w="76200"/>
-        </p:spPr>
-        <p:style>
-          <a:lnRef idx="3">
-            <a:schemeClr val="dk1"/>
-          </a:lnRef>
-          <a:fillRef idx="0">
-            <a:schemeClr val="dk1"/>
-          </a:fillRef>
-          <a:effectRef idx="2">
-            <a:schemeClr val="dk1"/>
-          </a:effectRef>
-          <a:fontRef idx="minor">
-            <a:schemeClr val="tx1"/>
-          </a:fontRef>
-        </p:style>
-      </p:cxnSp>
-      <p:cxnSp>
-        <p:nvCxnSpPr>
-          <p:cNvPr id="34" name="Соединитель: уступ 33">
-            <a:extLst>
-              <a:ext uri="{FF2B5EF4-FFF2-40B4-BE49-F238E27FC236}">
-                <a16:creationId xmlns:a16="http://schemas.microsoft.com/office/drawing/2014/main" id="{5245B3E6-3A10-46E6-871D-69DB7F28CA55}"/>
-              </a:ext>
-            </a:extLst>
-          </p:cNvPr>
-          <p:cNvCxnSpPr>
-            <a:stCxn id="7" idx="0"/>
-            <a:endCxn id="13" idx="0"/>
-          </p:cNvCxnSpPr>
-          <p:nvPr/>
-        </p:nvCxnSpPr>
-        <p:spPr>
-          <a:xfrm rot="5400000" flipH="1" flipV="1">
-            <a:off x="4153591" y="313611"/>
-            <a:ext cx="2" cy="2689354"/>
-          </a:xfrm>
-          <a:prstGeom prst="bentConnector3">
-            <a:avLst>
-              <a:gd name="adj1" fmla="val 11430100000"/>
-            </a:avLst>
-          </a:prstGeom>
-        </p:spPr>
-        <p:style>
-          <a:lnRef idx="1">
-            <a:schemeClr val="dk1"/>
-          </a:lnRef>
-          <a:fillRef idx="0">
-            <a:schemeClr val="dk1"/>
-          </a:fillRef>
-          <a:effectRef idx="0">
-            <a:schemeClr val="dk1"/>
-          </a:effectRef>
-          <a:fontRef idx="minor">
-            <a:schemeClr val="tx1"/>
-          </a:fontRef>
-        </p:style>
-      </p:cxnSp>
-      <p:cxnSp>
-        <p:nvCxnSpPr>
-          <p:cNvPr id="35" name="Соединитель: уступ 34">
-            <a:extLst>
-              <a:ext uri="{FF2B5EF4-FFF2-40B4-BE49-F238E27FC236}">
-                <a16:creationId xmlns:a16="http://schemas.microsoft.com/office/drawing/2014/main" id="{3F229121-5D56-4DB3-83F2-11F097F13B37}"/>
-              </a:ext>
-            </a:extLst>
-          </p:cNvPr>
-          <p:cNvCxnSpPr>
-            <a:cxnSpLocks/>
-            <a:stCxn id="8" idx="3"/>
-            <a:endCxn id="18" idx="4"/>
-          </p:cNvCxnSpPr>
-          <p:nvPr/>
-        </p:nvCxnSpPr>
-        <p:spPr>
-          <a:xfrm rot="16200000" flipH="1">
-            <a:off x="3580739" y="163653"/>
-            <a:ext cx="70141" cy="5557821"/>
-          </a:xfrm>
-          <a:prstGeom prst="bentConnector3">
-            <a:avLst>
-              <a:gd name="adj1" fmla="val 617123"/>
-            </a:avLst>
-          </a:prstGeom>
-          <a:ln w="76200"/>
-        </p:spPr>
-        <p:style>
-          <a:lnRef idx="3">
-            <a:schemeClr val="dk1"/>
-          </a:lnRef>
-          <a:fillRef idx="0">
-            <a:schemeClr val="dk1"/>
-          </a:fillRef>
-          <a:effectRef idx="2">
-            <a:schemeClr val="dk1"/>
-          </a:effectRef>
-          <a:fontRef idx="minor">
-            <a:schemeClr val="tx1"/>
-          </a:fontRef>
-        </p:style>
-      </p:cxnSp>
-      <p:cxnSp>
-        <p:nvCxnSpPr>
-          <p:cNvPr id="36" name="Прямая соединительная линия 35">
-            <a:extLst>
-              <a:ext uri="{FF2B5EF4-FFF2-40B4-BE49-F238E27FC236}">
-                <a16:creationId xmlns:a16="http://schemas.microsoft.com/office/drawing/2014/main" id="{C2ADF34D-6367-4490-A2C3-0E2DDF07E2D8}"/>
-              </a:ext>
-            </a:extLst>
-          </p:cNvPr>
-          <p:cNvCxnSpPr>
-            <a:stCxn id="17" idx="4"/>
-            <a:endCxn id="18" idx="0"/>
-          </p:cNvCxnSpPr>
-          <p:nvPr/>
-        </p:nvCxnSpPr>
-        <p:spPr>
-          <a:xfrm>
-            <a:off x="6394720" y="2137257"/>
-            <a:ext cx="0" cy="361407"/>
-          </a:xfrm>
-          <a:prstGeom prst="line">
-            <a:avLst/>
-          </a:prstGeom>
-          <a:ln w="76200"/>
-        </p:spPr>
-        <p:style>
-          <a:lnRef idx="3">
-            <a:schemeClr val="dk1"/>
-          </a:lnRef>
-          <a:fillRef idx="0">
-            <a:schemeClr val="dk1"/>
-          </a:fillRef>
-          <a:effectRef idx="2">
-            <a:schemeClr val="dk1"/>
-          </a:effectRef>
-          <a:fontRef idx="minor">
-            <a:schemeClr val="tx1"/>
-          </a:fontRef>
-        </p:style>
-      </p:cxnSp>
-      <p:sp>
-        <p:nvSpPr>
           <p:cNvPr id="37" name="TextBox 36">
             <a:extLst>
               <a:ext uri="{FF2B5EF4-FFF2-40B4-BE49-F238E27FC236}">
@@ -5040,216 +3658,1619 @@
           </a:p>
         </p:txBody>
       </p:sp>
-      <p:sp>
-        <p:nvSpPr>
-          <p:cNvPr id="39" name="TextBox 38">
-            <a:extLst>
-              <a:ext uri="{FF2B5EF4-FFF2-40B4-BE49-F238E27FC236}">
-                <a16:creationId xmlns:a16="http://schemas.microsoft.com/office/drawing/2014/main" id="{C73873CB-33D2-4F0C-8EE2-D4D17DDB8458}"/>
-              </a:ext>
-            </a:extLst>
-          </p:cNvPr>
-          <p:cNvSpPr txBox="1"/>
+      <p:grpSp>
+        <p:nvGrpSpPr>
+          <p:cNvPr id="3" name="Группа 2">
+            <a:extLst>
+              <a:ext uri="{FF2B5EF4-FFF2-40B4-BE49-F238E27FC236}">
+                <a16:creationId xmlns:a16="http://schemas.microsoft.com/office/drawing/2014/main" id="{C27B0097-7E1F-4421-BB89-E2C76FFD94B1}"/>
+              </a:ext>
+            </a:extLst>
+          </p:cNvPr>
+          <p:cNvGrpSpPr/>
           <p:nvPr/>
-        </p:nvSpPr>
-        <p:spPr>
+        </p:nvGrpSpPr>
+        <p:grpSpPr>
           <a:xfrm>
-            <a:off x="473708" y="1608436"/>
-            <a:ext cx="393311" cy="369332"/>
+            <a:off x="473708" y="1309968"/>
+            <a:ext cx="6436415" cy="1669848"/>
+            <a:chOff x="473708" y="1309968"/>
+            <a:chExt cx="6436415" cy="1669848"/>
           </a:xfrm>
-          <a:prstGeom prst="rect">
-            <a:avLst/>
-          </a:prstGeom>
-          <a:noFill/>
-        </p:spPr>
-        <p:txBody>
-          <a:bodyPr wrap="square" rtlCol="0">
-            <a:spAutoFit/>
-          </a:bodyPr>
-          <a:lstStyle/>
-          <a:p>
-            <a:r>
-              <a:rPr lang="en-CA" dirty="0"/>
-              <a:t>B</a:t>
-            </a:r>
-          </a:p>
-        </p:txBody>
-      </p:sp>
-      <p:sp>
-        <p:nvSpPr>
-          <p:cNvPr id="40" name="TextBox 39">
-            <a:extLst>
-              <a:ext uri="{FF2B5EF4-FFF2-40B4-BE49-F238E27FC236}">
-                <a16:creationId xmlns:a16="http://schemas.microsoft.com/office/drawing/2014/main" id="{6E63E7E9-C838-4D63-95B7-F9C9A6993021}"/>
-              </a:ext>
-            </a:extLst>
-          </p:cNvPr>
-          <p:cNvSpPr txBox="1"/>
-          <p:nvPr/>
-        </p:nvSpPr>
-        <p:spPr>
-          <a:xfrm>
-            <a:off x="6626994" y="2573231"/>
-            <a:ext cx="283129" cy="369332"/>
-          </a:xfrm>
-          <a:prstGeom prst="rect">
-            <a:avLst/>
-          </a:prstGeom>
-          <a:noFill/>
-        </p:spPr>
-        <p:txBody>
-          <a:bodyPr wrap="square" rtlCol="0">
-            <a:spAutoFit/>
-          </a:bodyPr>
-          <a:lstStyle/>
-          <a:p>
-            <a:r>
-              <a:rPr lang="en-CA" dirty="0"/>
-              <a:t>C</a:t>
-            </a:r>
-          </a:p>
-        </p:txBody>
-      </p:sp>
-      <p:sp>
-        <p:nvSpPr>
-          <p:cNvPr id="41" name="TextBox 40">
-            <a:extLst>
-              <a:ext uri="{FF2B5EF4-FFF2-40B4-BE49-F238E27FC236}">
-                <a16:creationId xmlns:a16="http://schemas.microsoft.com/office/drawing/2014/main" id="{79EC136E-1078-4015-958F-87508FF736AD}"/>
-              </a:ext>
-            </a:extLst>
-          </p:cNvPr>
-          <p:cNvSpPr txBox="1"/>
-          <p:nvPr/>
-        </p:nvSpPr>
-        <p:spPr>
-          <a:xfrm>
-            <a:off x="504267" y="2423637"/>
-            <a:ext cx="382231" cy="369332"/>
-          </a:xfrm>
-          <a:prstGeom prst="rect">
-            <a:avLst/>
-          </a:prstGeom>
-          <a:noFill/>
-        </p:spPr>
-        <p:txBody>
-          <a:bodyPr wrap="square" rtlCol="0">
-            <a:spAutoFit/>
-          </a:bodyPr>
-          <a:lstStyle/>
-          <a:p>
-            <a:r>
-              <a:rPr lang="en-CA" dirty="0"/>
-              <a:t>A</a:t>
-            </a:r>
-          </a:p>
-        </p:txBody>
-      </p:sp>
-      <p:sp>
-        <p:nvSpPr>
-          <p:cNvPr id="42" name="TextBox 41">
-            <a:extLst>
-              <a:ext uri="{FF2B5EF4-FFF2-40B4-BE49-F238E27FC236}">
-                <a16:creationId xmlns:a16="http://schemas.microsoft.com/office/drawing/2014/main" id="{748F81D3-51DA-49DC-8F89-E585C27458A7}"/>
-              </a:ext>
-            </a:extLst>
-          </p:cNvPr>
-          <p:cNvSpPr txBox="1"/>
-          <p:nvPr/>
-        </p:nvSpPr>
-        <p:spPr>
-          <a:xfrm>
-            <a:off x="6572714" y="1562818"/>
-            <a:ext cx="283129" cy="369221"/>
-          </a:xfrm>
-          <a:prstGeom prst="rect">
-            <a:avLst/>
-          </a:prstGeom>
-          <a:noFill/>
-        </p:spPr>
-        <p:txBody>
-          <a:bodyPr wrap="square" rtlCol="0">
-            <a:spAutoFit/>
-          </a:bodyPr>
-          <a:lstStyle/>
-          <a:p>
-            <a:r>
-              <a:rPr lang="en-CA" dirty="0"/>
-              <a:t>D</a:t>
-            </a:r>
-          </a:p>
-        </p:txBody>
-      </p:sp>
-      <p:sp>
-        <p:nvSpPr>
-          <p:cNvPr id="43" name="TextBox 42">
-            <a:extLst>
-              <a:ext uri="{FF2B5EF4-FFF2-40B4-BE49-F238E27FC236}">
-                <a16:creationId xmlns:a16="http://schemas.microsoft.com/office/drawing/2014/main" id="{B3884A42-13B3-4089-BD54-D5D43E987931}"/>
-              </a:ext>
-            </a:extLst>
-          </p:cNvPr>
-          <p:cNvSpPr txBox="1"/>
-          <p:nvPr/>
-        </p:nvSpPr>
-        <p:spPr>
-          <a:xfrm>
-            <a:off x="1410439" y="1309968"/>
-            <a:ext cx="251537" cy="369332"/>
-          </a:xfrm>
-          <a:prstGeom prst="rect">
-            <a:avLst/>
-          </a:prstGeom>
-          <a:noFill/>
-        </p:spPr>
-        <p:txBody>
-          <a:bodyPr wrap="square" rtlCol="0">
-            <a:spAutoFit/>
-          </a:bodyPr>
-          <a:lstStyle/>
-          <a:p>
-            <a:r>
-              <a:rPr lang="en-CA" dirty="0"/>
-              <a:t>E</a:t>
-            </a:r>
-          </a:p>
-        </p:txBody>
-      </p:sp>
-      <p:sp>
-        <p:nvSpPr>
-          <p:cNvPr id="45" name="TextBox 44">
-            <a:extLst>
-              <a:ext uri="{FF2B5EF4-FFF2-40B4-BE49-F238E27FC236}">
-                <a16:creationId xmlns:a16="http://schemas.microsoft.com/office/drawing/2014/main" id="{8880F5EE-0E11-4F18-B16D-6F3A6436D911}"/>
-              </a:ext>
-            </a:extLst>
-          </p:cNvPr>
-          <p:cNvSpPr txBox="1"/>
-          <p:nvPr/>
-        </p:nvSpPr>
-        <p:spPr>
-          <a:xfrm>
-            <a:off x="1352618" y="2568809"/>
-            <a:ext cx="214983" cy="369332"/>
-          </a:xfrm>
-          <a:prstGeom prst="rect">
-            <a:avLst/>
-          </a:prstGeom>
-          <a:noFill/>
-        </p:spPr>
-        <p:txBody>
-          <a:bodyPr wrap="square" rtlCol="0">
-            <a:spAutoFit/>
-          </a:bodyPr>
-          <a:lstStyle/>
-          <a:p>
-            <a:r>
-              <a:rPr lang="en-CA" dirty="0"/>
-              <a:t>F</a:t>
-            </a:r>
-          </a:p>
-        </p:txBody>
-      </p:sp>
+        </p:grpSpPr>
+        <p:sp>
+          <p:nvSpPr>
+            <p:cNvPr id="5" name="Овал 4">
+              <a:extLst>
+                <a:ext uri="{FF2B5EF4-FFF2-40B4-BE49-F238E27FC236}">
+                  <a16:creationId xmlns:a16="http://schemas.microsoft.com/office/drawing/2014/main" id="{39918DE3-1119-42AF-974D-6E536BA2F806}"/>
+                </a:ext>
+              </a:extLst>
+            </p:cNvPr>
+            <p:cNvSpPr/>
+            <p:nvPr/>
+          </p:nvSpPr>
+          <p:spPr>
+            <a:xfrm>
+              <a:off x="766755" y="1658290"/>
+              <a:ext cx="478971" cy="478971"/>
+            </a:xfrm>
+            <a:prstGeom prst="ellipse">
+              <a:avLst/>
+            </a:prstGeom>
+          </p:spPr>
+          <p:style>
+            <a:lnRef idx="2">
+              <a:schemeClr val="dk1"/>
+            </a:lnRef>
+            <a:fillRef idx="1">
+              <a:schemeClr val="lt1"/>
+            </a:fillRef>
+            <a:effectRef idx="0">
+              <a:schemeClr val="dk1"/>
+            </a:effectRef>
+            <a:fontRef idx="minor">
+              <a:schemeClr val="dk1"/>
+            </a:fontRef>
+          </p:style>
+          <p:txBody>
+            <a:bodyPr rtlCol="0" anchor="ctr"/>
+            <a:lstStyle/>
+            <a:p>
+              <a:pPr algn="ctr"/>
+              <a:r>
+                <a:rPr lang="en-CA" dirty="0"/>
+                <a:t>a</a:t>
+              </a:r>
+            </a:p>
+          </p:txBody>
+        </p:sp>
+        <p:sp>
+          <p:nvSpPr>
+            <p:cNvPr id="6" name="Овал 5">
+              <a:extLst>
+                <a:ext uri="{FF2B5EF4-FFF2-40B4-BE49-F238E27FC236}">
+                  <a16:creationId xmlns:a16="http://schemas.microsoft.com/office/drawing/2014/main" id="{C1E3F64A-9E29-407C-B8E1-9DFF57CBE0B0}"/>
+                </a:ext>
+              </a:extLst>
+            </p:cNvPr>
+            <p:cNvSpPr/>
+            <p:nvPr/>
+          </p:nvSpPr>
+          <p:spPr>
+            <a:xfrm>
+              <a:off x="1668092" y="1658290"/>
+              <a:ext cx="478971" cy="478971"/>
+            </a:xfrm>
+            <a:prstGeom prst="ellipse">
+              <a:avLst/>
+            </a:prstGeom>
+          </p:spPr>
+          <p:style>
+            <a:lnRef idx="2">
+              <a:schemeClr val="dk1"/>
+            </a:lnRef>
+            <a:fillRef idx="1">
+              <a:schemeClr val="lt1"/>
+            </a:fillRef>
+            <a:effectRef idx="0">
+              <a:schemeClr val="dk1"/>
+            </a:effectRef>
+            <a:fontRef idx="minor">
+              <a:schemeClr val="dk1"/>
+            </a:fontRef>
+          </p:style>
+          <p:txBody>
+            <a:bodyPr rtlCol="0" anchor="ctr"/>
+            <a:lstStyle/>
+            <a:p>
+              <a:pPr algn="ctr"/>
+              <a:r>
+                <a:rPr lang="en-CA" dirty="0"/>
+                <a:t>c</a:t>
+              </a:r>
+            </a:p>
+          </p:txBody>
+        </p:sp>
+        <p:sp>
+          <p:nvSpPr>
+            <p:cNvPr id="7" name="Овал 6">
+              <a:extLst>
+                <a:ext uri="{FF2B5EF4-FFF2-40B4-BE49-F238E27FC236}">
+                  <a16:creationId xmlns:a16="http://schemas.microsoft.com/office/drawing/2014/main" id="{B5FBEB20-5082-4E34-9937-08E1A95A8594}"/>
+                </a:ext>
+              </a:extLst>
+            </p:cNvPr>
+            <p:cNvSpPr/>
+            <p:nvPr/>
+          </p:nvSpPr>
+          <p:spPr>
+            <a:xfrm>
+              <a:off x="2569429" y="1658289"/>
+              <a:ext cx="478971" cy="478971"/>
+            </a:xfrm>
+            <a:prstGeom prst="ellipse">
+              <a:avLst/>
+            </a:prstGeom>
+          </p:spPr>
+          <p:style>
+            <a:lnRef idx="2">
+              <a:schemeClr val="dk1"/>
+            </a:lnRef>
+            <a:fillRef idx="1">
+              <a:schemeClr val="lt1"/>
+            </a:fillRef>
+            <a:effectRef idx="0">
+              <a:schemeClr val="dk1"/>
+            </a:effectRef>
+            <a:fontRef idx="minor">
+              <a:schemeClr val="dk1"/>
+            </a:fontRef>
+          </p:style>
+          <p:txBody>
+            <a:bodyPr rtlCol="0" anchor="ctr"/>
+            <a:lstStyle/>
+            <a:p>
+              <a:pPr algn="ctr"/>
+              <a:r>
+                <a:rPr lang="en-CA" dirty="0"/>
+                <a:t>e</a:t>
+              </a:r>
+            </a:p>
+          </p:txBody>
+        </p:sp>
+        <p:sp>
+          <p:nvSpPr>
+            <p:cNvPr id="8" name="Овал 7">
+              <a:extLst>
+                <a:ext uri="{FF2B5EF4-FFF2-40B4-BE49-F238E27FC236}">
+                  <a16:creationId xmlns:a16="http://schemas.microsoft.com/office/drawing/2014/main" id="{309DB488-2F8F-41E8-8610-205F23897848}"/>
+                </a:ext>
+              </a:extLst>
+            </p:cNvPr>
+            <p:cNvSpPr/>
+            <p:nvPr/>
+          </p:nvSpPr>
+          <p:spPr>
+            <a:xfrm>
+              <a:off x="766755" y="2498667"/>
+              <a:ext cx="478971" cy="478971"/>
+            </a:xfrm>
+            <a:prstGeom prst="ellipse">
+              <a:avLst/>
+            </a:prstGeom>
+          </p:spPr>
+          <p:style>
+            <a:lnRef idx="2">
+              <a:schemeClr val="dk1"/>
+            </a:lnRef>
+            <a:fillRef idx="1">
+              <a:schemeClr val="lt1"/>
+            </a:fillRef>
+            <a:effectRef idx="0">
+              <a:schemeClr val="dk1"/>
+            </a:effectRef>
+            <a:fontRef idx="minor">
+              <a:schemeClr val="dk1"/>
+            </a:fontRef>
+          </p:style>
+          <p:txBody>
+            <a:bodyPr rtlCol="0" anchor="ctr"/>
+            <a:lstStyle/>
+            <a:p>
+              <a:pPr algn="ctr"/>
+              <a:r>
+                <a:rPr lang="en-CA" dirty="0"/>
+                <a:t>b</a:t>
+              </a:r>
+            </a:p>
+          </p:txBody>
+        </p:sp>
+        <p:sp>
+          <p:nvSpPr>
+            <p:cNvPr id="9" name="Овал 8">
+              <a:extLst>
+                <a:ext uri="{FF2B5EF4-FFF2-40B4-BE49-F238E27FC236}">
+                  <a16:creationId xmlns:a16="http://schemas.microsoft.com/office/drawing/2014/main" id="{C79F9FC0-F2FD-44A8-8B36-23E2052E26F4}"/>
+                </a:ext>
+              </a:extLst>
+            </p:cNvPr>
+            <p:cNvSpPr/>
+            <p:nvPr/>
+          </p:nvSpPr>
+          <p:spPr>
+            <a:xfrm>
+              <a:off x="1668091" y="2498667"/>
+              <a:ext cx="478971" cy="478971"/>
+            </a:xfrm>
+            <a:prstGeom prst="ellipse">
+              <a:avLst/>
+            </a:prstGeom>
+          </p:spPr>
+          <p:style>
+            <a:lnRef idx="2">
+              <a:schemeClr val="dk1"/>
+            </a:lnRef>
+            <a:fillRef idx="1">
+              <a:schemeClr val="lt1"/>
+            </a:fillRef>
+            <a:effectRef idx="0">
+              <a:schemeClr val="dk1"/>
+            </a:effectRef>
+            <a:fontRef idx="minor">
+              <a:schemeClr val="dk1"/>
+            </a:fontRef>
+          </p:style>
+          <p:txBody>
+            <a:bodyPr rtlCol="0" anchor="ctr"/>
+            <a:lstStyle/>
+            <a:p>
+              <a:pPr algn="ctr"/>
+              <a:r>
+                <a:rPr lang="en-CA" dirty="0"/>
+                <a:t>d</a:t>
+              </a:r>
+            </a:p>
+          </p:txBody>
+        </p:sp>
+        <p:sp>
+          <p:nvSpPr>
+            <p:cNvPr id="10" name="Овал 9">
+              <a:extLst>
+                <a:ext uri="{FF2B5EF4-FFF2-40B4-BE49-F238E27FC236}">
+                  <a16:creationId xmlns:a16="http://schemas.microsoft.com/office/drawing/2014/main" id="{08057EDB-19A7-4D0B-8885-EF3E3F04A9C5}"/>
+                </a:ext>
+              </a:extLst>
+            </p:cNvPr>
+            <p:cNvSpPr/>
+            <p:nvPr/>
+          </p:nvSpPr>
+          <p:spPr>
+            <a:xfrm>
+              <a:off x="2569427" y="2500845"/>
+              <a:ext cx="478971" cy="478971"/>
+            </a:xfrm>
+            <a:prstGeom prst="ellipse">
+              <a:avLst/>
+            </a:prstGeom>
+          </p:spPr>
+          <p:style>
+            <a:lnRef idx="2">
+              <a:schemeClr val="dk1"/>
+            </a:lnRef>
+            <a:fillRef idx="1">
+              <a:schemeClr val="lt1"/>
+            </a:fillRef>
+            <a:effectRef idx="0">
+              <a:schemeClr val="dk1"/>
+            </a:effectRef>
+            <a:fontRef idx="minor">
+              <a:schemeClr val="dk1"/>
+            </a:fontRef>
+          </p:style>
+          <p:txBody>
+            <a:bodyPr rtlCol="0" anchor="ctr"/>
+            <a:lstStyle/>
+            <a:p>
+              <a:pPr algn="ctr"/>
+              <a:r>
+                <a:rPr lang="en-CA" dirty="0"/>
+                <a:t>f</a:t>
+              </a:r>
+            </a:p>
+          </p:txBody>
+        </p:sp>
+        <p:sp>
+          <p:nvSpPr>
+            <p:cNvPr id="11" name="Овал 10">
+              <a:extLst>
+                <a:ext uri="{FF2B5EF4-FFF2-40B4-BE49-F238E27FC236}">
+                  <a16:creationId xmlns:a16="http://schemas.microsoft.com/office/drawing/2014/main" id="{F780A1DE-FC59-43EF-9748-A6D6DE090355}"/>
+                </a:ext>
+              </a:extLst>
+            </p:cNvPr>
+            <p:cNvSpPr/>
+            <p:nvPr/>
+          </p:nvSpPr>
+          <p:spPr>
+            <a:xfrm>
+              <a:off x="3465881" y="1658289"/>
+              <a:ext cx="478971" cy="478971"/>
+            </a:xfrm>
+            <a:prstGeom prst="ellipse">
+              <a:avLst/>
+            </a:prstGeom>
+          </p:spPr>
+          <p:style>
+            <a:lnRef idx="2">
+              <a:schemeClr val="dk1"/>
+            </a:lnRef>
+            <a:fillRef idx="1">
+              <a:schemeClr val="lt1"/>
+            </a:fillRef>
+            <a:effectRef idx="0">
+              <a:schemeClr val="dk1"/>
+            </a:effectRef>
+            <a:fontRef idx="minor">
+              <a:schemeClr val="dk1"/>
+            </a:fontRef>
+          </p:style>
+          <p:txBody>
+            <a:bodyPr rtlCol="0" anchor="ctr"/>
+            <a:lstStyle/>
+            <a:p>
+              <a:pPr algn="ctr"/>
+              <a:r>
+                <a:rPr lang="en-CA" dirty="0"/>
+                <a:t>g</a:t>
+              </a:r>
+            </a:p>
+          </p:txBody>
+        </p:sp>
+        <p:sp>
+          <p:nvSpPr>
+            <p:cNvPr id="12" name="Овал 11">
+              <a:extLst>
+                <a:ext uri="{FF2B5EF4-FFF2-40B4-BE49-F238E27FC236}">
+                  <a16:creationId xmlns:a16="http://schemas.microsoft.com/office/drawing/2014/main" id="{98FA0149-8B61-4EBC-A093-1BDCAC6A9F3C}"/>
+                </a:ext>
+              </a:extLst>
+            </p:cNvPr>
+            <p:cNvSpPr/>
+            <p:nvPr/>
+          </p:nvSpPr>
+          <p:spPr>
+            <a:xfrm>
+              <a:off x="4362332" y="1658288"/>
+              <a:ext cx="478971" cy="478971"/>
+            </a:xfrm>
+            <a:prstGeom prst="ellipse">
+              <a:avLst/>
+            </a:prstGeom>
+          </p:spPr>
+          <p:style>
+            <a:lnRef idx="2">
+              <a:schemeClr val="dk1"/>
+            </a:lnRef>
+            <a:fillRef idx="1">
+              <a:schemeClr val="lt1"/>
+            </a:fillRef>
+            <a:effectRef idx="0">
+              <a:schemeClr val="dk1"/>
+            </a:effectRef>
+            <a:fontRef idx="minor">
+              <a:schemeClr val="dk1"/>
+            </a:fontRef>
+          </p:style>
+          <p:txBody>
+            <a:bodyPr rtlCol="0" anchor="ctr"/>
+            <a:lstStyle/>
+            <a:p>
+              <a:pPr algn="ctr"/>
+              <a:r>
+                <a:rPr lang="en-CA" dirty="0" err="1"/>
+                <a:t>i</a:t>
+              </a:r>
+              <a:endParaRPr lang="en-CA" dirty="0"/>
+            </a:p>
+          </p:txBody>
+        </p:sp>
+        <p:sp>
+          <p:nvSpPr>
+            <p:cNvPr id="13" name="Овал 12">
+              <a:extLst>
+                <a:ext uri="{FF2B5EF4-FFF2-40B4-BE49-F238E27FC236}">
+                  <a16:creationId xmlns:a16="http://schemas.microsoft.com/office/drawing/2014/main" id="{8B5E7463-3A0A-4CB9-A678-6A6FD4ACE803}"/>
+                </a:ext>
+              </a:extLst>
+            </p:cNvPr>
+            <p:cNvSpPr/>
+            <p:nvPr/>
+          </p:nvSpPr>
+          <p:spPr>
+            <a:xfrm>
+              <a:off x="5258783" y="1658287"/>
+              <a:ext cx="478971" cy="478971"/>
+            </a:xfrm>
+            <a:prstGeom prst="ellipse">
+              <a:avLst/>
+            </a:prstGeom>
+          </p:spPr>
+          <p:style>
+            <a:lnRef idx="2">
+              <a:schemeClr val="dk1"/>
+            </a:lnRef>
+            <a:fillRef idx="1">
+              <a:schemeClr val="lt1"/>
+            </a:fillRef>
+            <a:effectRef idx="0">
+              <a:schemeClr val="dk1"/>
+            </a:effectRef>
+            <a:fontRef idx="minor">
+              <a:schemeClr val="dk1"/>
+            </a:fontRef>
+          </p:style>
+          <p:txBody>
+            <a:bodyPr rtlCol="0" anchor="ctr"/>
+            <a:lstStyle/>
+            <a:p>
+              <a:pPr algn="ctr"/>
+              <a:r>
+                <a:rPr lang="en-CA" dirty="0"/>
+                <a:t>k</a:t>
+              </a:r>
+            </a:p>
+          </p:txBody>
+        </p:sp>
+        <p:sp>
+          <p:nvSpPr>
+            <p:cNvPr id="14" name="Овал 13">
+              <a:extLst>
+                <a:ext uri="{FF2B5EF4-FFF2-40B4-BE49-F238E27FC236}">
+                  <a16:creationId xmlns:a16="http://schemas.microsoft.com/office/drawing/2014/main" id="{C716E0F0-6B9B-499E-A33C-7D5F7DD04FC8}"/>
+                </a:ext>
+              </a:extLst>
+            </p:cNvPr>
+            <p:cNvSpPr/>
+            <p:nvPr/>
+          </p:nvSpPr>
+          <p:spPr>
+            <a:xfrm>
+              <a:off x="3465880" y="2498666"/>
+              <a:ext cx="478971" cy="478971"/>
+            </a:xfrm>
+            <a:prstGeom prst="ellipse">
+              <a:avLst/>
+            </a:prstGeom>
+          </p:spPr>
+          <p:style>
+            <a:lnRef idx="2">
+              <a:schemeClr val="dk1"/>
+            </a:lnRef>
+            <a:fillRef idx="1">
+              <a:schemeClr val="lt1"/>
+            </a:fillRef>
+            <a:effectRef idx="0">
+              <a:schemeClr val="dk1"/>
+            </a:effectRef>
+            <a:fontRef idx="minor">
+              <a:schemeClr val="dk1"/>
+            </a:fontRef>
+          </p:style>
+          <p:txBody>
+            <a:bodyPr rtlCol="0" anchor="ctr"/>
+            <a:lstStyle/>
+            <a:p>
+              <a:pPr algn="ctr"/>
+              <a:r>
+                <a:rPr lang="en-CA" dirty="0"/>
+                <a:t>h</a:t>
+              </a:r>
+            </a:p>
+          </p:txBody>
+        </p:sp>
+        <p:sp>
+          <p:nvSpPr>
+            <p:cNvPr id="15" name="Овал 14">
+              <a:extLst>
+                <a:ext uri="{FF2B5EF4-FFF2-40B4-BE49-F238E27FC236}">
+                  <a16:creationId xmlns:a16="http://schemas.microsoft.com/office/drawing/2014/main" id="{67294D15-93F4-4237-BDCE-3CB6B9FC541F}"/>
+                </a:ext>
+              </a:extLst>
+            </p:cNvPr>
+            <p:cNvSpPr/>
+            <p:nvPr/>
+          </p:nvSpPr>
+          <p:spPr>
+            <a:xfrm>
+              <a:off x="4362333" y="2498666"/>
+              <a:ext cx="478971" cy="478971"/>
+            </a:xfrm>
+            <a:prstGeom prst="ellipse">
+              <a:avLst/>
+            </a:prstGeom>
+          </p:spPr>
+          <p:style>
+            <a:lnRef idx="2">
+              <a:schemeClr val="dk1"/>
+            </a:lnRef>
+            <a:fillRef idx="1">
+              <a:schemeClr val="lt1"/>
+            </a:fillRef>
+            <a:effectRef idx="0">
+              <a:schemeClr val="dk1"/>
+            </a:effectRef>
+            <a:fontRef idx="minor">
+              <a:schemeClr val="dk1"/>
+            </a:fontRef>
+          </p:style>
+          <p:txBody>
+            <a:bodyPr rtlCol="0" anchor="ctr"/>
+            <a:lstStyle/>
+            <a:p>
+              <a:pPr algn="ctr"/>
+              <a:r>
+                <a:rPr lang="en-CA" dirty="0"/>
+                <a:t>j</a:t>
+              </a:r>
+            </a:p>
+          </p:txBody>
+        </p:sp>
+        <p:sp>
+          <p:nvSpPr>
+            <p:cNvPr id="16" name="Овал 15">
+              <a:extLst>
+                <a:ext uri="{FF2B5EF4-FFF2-40B4-BE49-F238E27FC236}">
+                  <a16:creationId xmlns:a16="http://schemas.microsoft.com/office/drawing/2014/main" id="{6F6BEA30-7663-459B-8345-D8FAF1CB4E0A}"/>
+                </a:ext>
+              </a:extLst>
+            </p:cNvPr>
+            <p:cNvSpPr/>
+            <p:nvPr/>
+          </p:nvSpPr>
+          <p:spPr>
+            <a:xfrm>
+              <a:off x="5258783" y="2498665"/>
+              <a:ext cx="478971" cy="478971"/>
+            </a:xfrm>
+            <a:prstGeom prst="ellipse">
+              <a:avLst/>
+            </a:prstGeom>
+          </p:spPr>
+          <p:style>
+            <a:lnRef idx="2">
+              <a:schemeClr val="dk1"/>
+            </a:lnRef>
+            <a:fillRef idx="1">
+              <a:schemeClr val="lt1"/>
+            </a:fillRef>
+            <a:effectRef idx="0">
+              <a:schemeClr val="dk1"/>
+            </a:effectRef>
+            <a:fontRef idx="minor">
+              <a:schemeClr val="dk1"/>
+            </a:fontRef>
+          </p:style>
+          <p:txBody>
+            <a:bodyPr rtlCol="0" anchor="ctr"/>
+            <a:lstStyle/>
+            <a:p>
+              <a:pPr algn="ctr"/>
+              <a:r>
+                <a:rPr lang="en-CA" dirty="0"/>
+                <a:t>l</a:t>
+              </a:r>
+            </a:p>
+          </p:txBody>
+        </p:sp>
+        <p:sp>
+          <p:nvSpPr>
+            <p:cNvPr id="17" name="Овал 16">
+              <a:extLst>
+                <a:ext uri="{FF2B5EF4-FFF2-40B4-BE49-F238E27FC236}">
+                  <a16:creationId xmlns:a16="http://schemas.microsoft.com/office/drawing/2014/main" id="{DA239E66-9A9F-4F22-87CB-39249DAA3007}"/>
+                </a:ext>
+              </a:extLst>
+            </p:cNvPr>
+            <p:cNvSpPr/>
+            <p:nvPr/>
+          </p:nvSpPr>
+          <p:spPr>
+            <a:xfrm>
+              <a:off x="6155234" y="1658286"/>
+              <a:ext cx="478971" cy="478971"/>
+            </a:xfrm>
+            <a:prstGeom prst="ellipse">
+              <a:avLst/>
+            </a:prstGeom>
+          </p:spPr>
+          <p:style>
+            <a:lnRef idx="2">
+              <a:schemeClr val="dk1"/>
+            </a:lnRef>
+            <a:fillRef idx="1">
+              <a:schemeClr val="lt1"/>
+            </a:fillRef>
+            <a:effectRef idx="0">
+              <a:schemeClr val="dk1"/>
+            </a:effectRef>
+            <a:fontRef idx="minor">
+              <a:schemeClr val="dk1"/>
+            </a:fontRef>
+          </p:style>
+          <p:txBody>
+            <a:bodyPr rtlCol="0" anchor="ctr"/>
+            <a:lstStyle/>
+            <a:p>
+              <a:pPr algn="ctr"/>
+              <a:r>
+                <a:rPr lang="en-CA" dirty="0"/>
+                <a:t>m</a:t>
+              </a:r>
+            </a:p>
+          </p:txBody>
+        </p:sp>
+        <p:sp>
+          <p:nvSpPr>
+            <p:cNvPr id="18" name="Овал 17">
+              <a:extLst>
+                <a:ext uri="{FF2B5EF4-FFF2-40B4-BE49-F238E27FC236}">
+                  <a16:creationId xmlns:a16="http://schemas.microsoft.com/office/drawing/2014/main" id="{F14C41F1-A6C6-48B9-8C64-572F588BF110}"/>
+                </a:ext>
+              </a:extLst>
+            </p:cNvPr>
+            <p:cNvSpPr/>
+            <p:nvPr/>
+          </p:nvSpPr>
+          <p:spPr>
+            <a:xfrm>
+              <a:off x="6155234" y="2498664"/>
+              <a:ext cx="478971" cy="478971"/>
+            </a:xfrm>
+            <a:prstGeom prst="ellipse">
+              <a:avLst/>
+            </a:prstGeom>
+          </p:spPr>
+          <p:style>
+            <a:lnRef idx="2">
+              <a:schemeClr val="dk1"/>
+            </a:lnRef>
+            <a:fillRef idx="1">
+              <a:schemeClr val="lt1"/>
+            </a:fillRef>
+            <a:effectRef idx="0">
+              <a:schemeClr val="dk1"/>
+            </a:effectRef>
+            <a:fontRef idx="minor">
+              <a:schemeClr val="dk1"/>
+            </a:fontRef>
+          </p:style>
+          <p:txBody>
+            <a:bodyPr rtlCol="0" anchor="ctr"/>
+            <a:lstStyle/>
+            <a:p>
+              <a:pPr algn="ctr"/>
+              <a:r>
+                <a:rPr lang="en-CA" dirty="0"/>
+                <a:t>n</a:t>
+              </a:r>
+            </a:p>
+          </p:txBody>
+        </p:sp>
+        <p:cxnSp>
+          <p:nvCxnSpPr>
+            <p:cNvPr id="19" name="Прямая соединительная линия 18">
+              <a:extLst>
+                <a:ext uri="{FF2B5EF4-FFF2-40B4-BE49-F238E27FC236}">
+                  <a16:creationId xmlns:a16="http://schemas.microsoft.com/office/drawing/2014/main" id="{1FC874B4-AAE5-4568-B450-1B02CC24E2AC}"/>
+                </a:ext>
+              </a:extLst>
+            </p:cNvPr>
+            <p:cNvCxnSpPr>
+              <a:stCxn id="5" idx="4"/>
+              <a:endCxn id="8" idx="0"/>
+            </p:cNvCxnSpPr>
+            <p:nvPr/>
+          </p:nvCxnSpPr>
+          <p:spPr>
+            <a:xfrm>
+              <a:off x="1006241" y="2137261"/>
+              <a:ext cx="0" cy="361406"/>
+            </a:xfrm>
+            <a:prstGeom prst="line">
+              <a:avLst/>
+            </a:prstGeom>
+            <a:ln w="76200"/>
+          </p:spPr>
+          <p:style>
+            <a:lnRef idx="3">
+              <a:schemeClr val="dk1"/>
+            </a:lnRef>
+            <a:fillRef idx="0">
+              <a:schemeClr val="dk1"/>
+            </a:fillRef>
+            <a:effectRef idx="2">
+              <a:schemeClr val="dk1"/>
+            </a:effectRef>
+            <a:fontRef idx="minor">
+              <a:schemeClr val="tx1"/>
+            </a:fontRef>
+          </p:style>
+        </p:cxnSp>
+        <p:cxnSp>
+          <p:nvCxnSpPr>
+            <p:cNvPr id="20" name="Прямая соединительная линия 19">
+              <a:extLst>
+                <a:ext uri="{FF2B5EF4-FFF2-40B4-BE49-F238E27FC236}">
+                  <a16:creationId xmlns:a16="http://schemas.microsoft.com/office/drawing/2014/main" id="{DD3ECB2A-7FC0-4E1D-BE45-1542DA8CA2BA}"/>
+                </a:ext>
+              </a:extLst>
+            </p:cNvPr>
+            <p:cNvCxnSpPr>
+              <a:cxnSpLocks/>
+              <a:stCxn id="8" idx="7"/>
+              <a:endCxn id="6" idx="3"/>
+            </p:cNvCxnSpPr>
+            <p:nvPr/>
+          </p:nvCxnSpPr>
+          <p:spPr>
+            <a:xfrm flipV="1">
+              <a:off x="1175582" y="2067117"/>
+              <a:ext cx="562654" cy="501694"/>
+            </a:xfrm>
+            <a:prstGeom prst="line">
+              <a:avLst/>
+            </a:prstGeom>
+            <a:ln w="76200"/>
+          </p:spPr>
+          <p:style>
+            <a:lnRef idx="3">
+              <a:schemeClr val="dk1"/>
+            </a:lnRef>
+            <a:fillRef idx="0">
+              <a:schemeClr val="dk1"/>
+            </a:fillRef>
+            <a:effectRef idx="2">
+              <a:schemeClr val="dk1"/>
+            </a:effectRef>
+            <a:fontRef idx="minor">
+              <a:schemeClr val="tx1"/>
+            </a:fontRef>
+          </p:style>
+        </p:cxnSp>
+        <p:cxnSp>
+          <p:nvCxnSpPr>
+            <p:cNvPr id="21" name="Прямая соединительная линия 20">
+              <a:extLst>
+                <a:ext uri="{FF2B5EF4-FFF2-40B4-BE49-F238E27FC236}">
+                  <a16:creationId xmlns:a16="http://schemas.microsoft.com/office/drawing/2014/main" id="{2F79110D-0D3E-4904-BC4F-CD6F12028A41}"/>
+                </a:ext>
+              </a:extLst>
+            </p:cNvPr>
+            <p:cNvCxnSpPr>
+              <a:stCxn id="6" idx="4"/>
+              <a:endCxn id="9" idx="0"/>
+            </p:cNvCxnSpPr>
+            <p:nvPr/>
+          </p:nvCxnSpPr>
+          <p:spPr>
+            <a:xfrm flipH="1">
+              <a:off x="1907577" y="2137261"/>
+              <a:ext cx="1" cy="361406"/>
+            </a:xfrm>
+            <a:prstGeom prst="line">
+              <a:avLst/>
+            </a:prstGeom>
+            <a:ln w="76200"/>
+          </p:spPr>
+          <p:style>
+            <a:lnRef idx="3">
+              <a:schemeClr val="dk1"/>
+            </a:lnRef>
+            <a:fillRef idx="0">
+              <a:schemeClr val="dk1"/>
+            </a:fillRef>
+            <a:effectRef idx="2">
+              <a:schemeClr val="dk1"/>
+            </a:effectRef>
+            <a:fontRef idx="minor">
+              <a:schemeClr val="tx1"/>
+            </a:fontRef>
+          </p:style>
+        </p:cxnSp>
+        <p:cxnSp>
+          <p:nvCxnSpPr>
+            <p:cNvPr id="22" name="Прямая соединительная линия 21">
+              <a:extLst>
+                <a:ext uri="{FF2B5EF4-FFF2-40B4-BE49-F238E27FC236}">
+                  <a16:creationId xmlns:a16="http://schemas.microsoft.com/office/drawing/2014/main" id="{DE49E7DB-DFE4-4F39-8C1D-6C2F9135C513}"/>
+                </a:ext>
+              </a:extLst>
+            </p:cNvPr>
+            <p:cNvCxnSpPr>
+              <a:stCxn id="9" idx="7"/>
+              <a:endCxn id="7" idx="3"/>
+            </p:cNvCxnSpPr>
+            <p:nvPr/>
+          </p:nvCxnSpPr>
+          <p:spPr>
+            <a:xfrm flipV="1">
+              <a:off x="2076918" y="2067116"/>
+              <a:ext cx="562655" cy="501695"/>
+            </a:xfrm>
+            <a:prstGeom prst="line">
+              <a:avLst/>
+            </a:prstGeom>
+          </p:spPr>
+          <p:style>
+            <a:lnRef idx="1">
+              <a:schemeClr val="dk1"/>
+            </a:lnRef>
+            <a:fillRef idx="0">
+              <a:schemeClr val="dk1"/>
+            </a:fillRef>
+            <a:effectRef idx="0">
+              <a:schemeClr val="dk1"/>
+            </a:effectRef>
+            <a:fontRef idx="minor">
+              <a:schemeClr val="tx1"/>
+            </a:fontRef>
+          </p:style>
+        </p:cxnSp>
+        <p:cxnSp>
+          <p:nvCxnSpPr>
+            <p:cNvPr id="23" name="Прямая соединительная линия 22">
+              <a:extLst>
+                <a:ext uri="{FF2B5EF4-FFF2-40B4-BE49-F238E27FC236}">
+                  <a16:creationId xmlns:a16="http://schemas.microsoft.com/office/drawing/2014/main" id="{33193832-055B-4FF5-BF1E-D9FA581F29D2}"/>
+                </a:ext>
+              </a:extLst>
+            </p:cNvPr>
+            <p:cNvCxnSpPr>
+              <a:stCxn id="7" idx="4"/>
+              <a:endCxn id="10" idx="0"/>
+            </p:cNvCxnSpPr>
+            <p:nvPr/>
+          </p:nvCxnSpPr>
+          <p:spPr>
+            <a:xfrm flipH="1">
+              <a:off x="2808913" y="2137260"/>
+              <a:ext cx="2" cy="363585"/>
+            </a:xfrm>
+            <a:prstGeom prst="line">
+              <a:avLst/>
+            </a:prstGeom>
+          </p:spPr>
+          <p:style>
+            <a:lnRef idx="1">
+              <a:schemeClr val="dk1"/>
+            </a:lnRef>
+            <a:fillRef idx="0">
+              <a:schemeClr val="dk1"/>
+            </a:fillRef>
+            <a:effectRef idx="0">
+              <a:schemeClr val="dk1"/>
+            </a:effectRef>
+            <a:fontRef idx="minor">
+              <a:schemeClr val="tx1"/>
+            </a:fontRef>
+          </p:style>
+        </p:cxnSp>
+        <p:cxnSp>
+          <p:nvCxnSpPr>
+            <p:cNvPr id="24" name="Прямая соединительная линия 23">
+              <a:extLst>
+                <a:ext uri="{FF2B5EF4-FFF2-40B4-BE49-F238E27FC236}">
+                  <a16:creationId xmlns:a16="http://schemas.microsoft.com/office/drawing/2014/main" id="{0D3F57A2-BA7F-4C07-A43C-634020EDEE94}"/>
+                </a:ext>
+              </a:extLst>
+            </p:cNvPr>
+            <p:cNvCxnSpPr>
+              <a:stCxn id="10" idx="7"/>
+              <a:endCxn id="11" idx="3"/>
+            </p:cNvCxnSpPr>
+            <p:nvPr/>
+          </p:nvCxnSpPr>
+          <p:spPr>
+            <a:xfrm flipV="1">
+              <a:off x="2978254" y="2067116"/>
+              <a:ext cx="557771" cy="503873"/>
+            </a:xfrm>
+            <a:prstGeom prst="line">
+              <a:avLst/>
+            </a:prstGeom>
+          </p:spPr>
+          <p:style>
+            <a:lnRef idx="1">
+              <a:schemeClr val="dk1"/>
+            </a:lnRef>
+            <a:fillRef idx="0">
+              <a:schemeClr val="dk1"/>
+            </a:fillRef>
+            <a:effectRef idx="0">
+              <a:schemeClr val="dk1"/>
+            </a:effectRef>
+            <a:fontRef idx="minor">
+              <a:schemeClr val="tx1"/>
+            </a:fontRef>
+          </p:style>
+        </p:cxnSp>
+        <p:cxnSp>
+          <p:nvCxnSpPr>
+            <p:cNvPr id="25" name="Соединитель: уступ 24">
+              <a:extLst>
+                <a:ext uri="{FF2B5EF4-FFF2-40B4-BE49-F238E27FC236}">
+                  <a16:creationId xmlns:a16="http://schemas.microsoft.com/office/drawing/2014/main" id="{4793FB9D-DF51-4687-8A81-2FC6EBD50039}"/>
+                </a:ext>
+              </a:extLst>
+            </p:cNvPr>
+            <p:cNvCxnSpPr>
+              <a:stCxn id="10" idx="4"/>
+              <a:endCxn id="15" idx="4"/>
+            </p:cNvCxnSpPr>
+            <p:nvPr/>
+          </p:nvCxnSpPr>
+          <p:spPr>
+            <a:xfrm rot="5400000" flipH="1" flipV="1">
+              <a:off x="3704276" y="2082274"/>
+              <a:ext cx="2179" cy="1792906"/>
+            </a:xfrm>
+            <a:prstGeom prst="bentConnector3">
+              <a:avLst>
+                <a:gd name="adj1" fmla="val -7413676"/>
+              </a:avLst>
+            </a:prstGeom>
+          </p:spPr>
+          <p:style>
+            <a:lnRef idx="1">
+              <a:schemeClr val="dk1"/>
+            </a:lnRef>
+            <a:fillRef idx="0">
+              <a:schemeClr val="dk1"/>
+            </a:fillRef>
+            <a:effectRef idx="0">
+              <a:schemeClr val="dk1"/>
+            </a:effectRef>
+            <a:fontRef idx="minor">
+              <a:schemeClr val="tx1"/>
+            </a:fontRef>
+          </p:style>
+        </p:cxnSp>
+        <p:cxnSp>
+          <p:nvCxnSpPr>
+            <p:cNvPr id="26" name="Прямая соединительная линия 25">
+              <a:extLst>
+                <a:ext uri="{FF2B5EF4-FFF2-40B4-BE49-F238E27FC236}">
+                  <a16:creationId xmlns:a16="http://schemas.microsoft.com/office/drawing/2014/main" id="{E4197267-D7CB-47C7-B4DB-551293C52397}"/>
+                </a:ext>
+              </a:extLst>
+            </p:cNvPr>
+            <p:cNvCxnSpPr>
+              <a:stCxn id="11" idx="6"/>
+              <a:endCxn id="12" idx="2"/>
+            </p:cNvCxnSpPr>
+            <p:nvPr/>
+          </p:nvCxnSpPr>
+          <p:spPr>
+            <a:xfrm flipV="1">
+              <a:off x="3944852" y="1897774"/>
+              <a:ext cx="417480" cy="1"/>
+            </a:xfrm>
+            <a:prstGeom prst="line">
+              <a:avLst/>
+            </a:prstGeom>
+          </p:spPr>
+          <p:style>
+            <a:lnRef idx="1">
+              <a:schemeClr val="dk1"/>
+            </a:lnRef>
+            <a:fillRef idx="0">
+              <a:schemeClr val="dk1"/>
+            </a:fillRef>
+            <a:effectRef idx="0">
+              <a:schemeClr val="dk1"/>
+            </a:effectRef>
+            <a:fontRef idx="minor">
+              <a:schemeClr val="tx1"/>
+            </a:fontRef>
+          </p:style>
+        </p:cxnSp>
+        <p:cxnSp>
+          <p:nvCxnSpPr>
+            <p:cNvPr id="27" name="Прямая соединительная линия 26">
+              <a:extLst>
+                <a:ext uri="{FF2B5EF4-FFF2-40B4-BE49-F238E27FC236}">
+                  <a16:creationId xmlns:a16="http://schemas.microsoft.com/office/drawing/2014/main" id="{9ADDDE8C-FF94-481C-B06C-F3162BA3B66B}"/>
+                </a:ext>
+              </a:extLst>
+            </p:cNvPr>
+            <p:cNvCxnSpPr>
+              <a:stCxn id="14" idx="7"/>
+              <a:endCxn id="12" idx="3"/>
+            </p:cNvCxnSpPr>
+            <p:nvPr/>
+          </p:nvCxnSpPr>
+          <p:spPr>
+            <a:xfrm flipV="1">
+              <a:off x="3874707" y="2067115"/>
+              <a:ext cx="557769" cy="501695"/>
+            </a:xfrm>
+            <a:prstGeom prst="line">
+              <a:avLst/>
+            </a:prstGeom>
+          </p:spPr>
+          <p:style>
+            <a:lnRef idx="1">
+              <a:schemeClr val="dk1"/>
+            </a:lnRef>
+            <a:fillRef idx="0">
+              <a:schemeClr val="dk1"/>
+            </a:fillRef>
+            <a:effectRef idx="0">
+              <a:schemeClr val="dk1"/>
+            </a:effectRef>
+            <a:fontRef idx="minor">
+              <a:schemeClr val="tx1"/>
+            </a:fontRef>
+          </p:style>
+        </p:cxnSp>
+        <p:cxnSp>
+          <p:nvCxnSpPr>
+            <p:cNvPr id="28" name="Прямая соединительная линия 27">
+              <a:extLst>
+                <a:ext uri="{FF2B5EF4-FFF2-40B4-BE49-F238E27FC236}">
+                  <a16:creationId xmlns:a16="http://schemas.microsoft.com/office/drawing/2014/main" id="{42B64B40-E7EA-4C16-92DF-E201E39CD678}"/>
+                </a:ext>
+              </a:extLst>
+            </p:cNvPr>
+            <p:cNvCxnSpPr>
+              <a:stCxn id="12" idx="4"/>
+              <a:endCxn id="15" idx="0"/>
+            </p:cNvCxnSpPr>
+            <p:nvPr/>
+          </p:nvCxnSpPr>
+          <p:spPr>
+            <a:xfrm>
+              <a:off x="4601818" y="2137259"/>
+              <a:ext cx="1" cy="361407"/>
+            </a:xfrm>
+            <a:prstGeom prst="line">
+              <a:avLst/>
+            </a:prstGeom>
+          </p:spPr>
+          <p:style>
+            <a:lnRef idx="1">
+              <a:schemeClr val="dk1"/>
+            </a:lnRef>
+            <a:fillRef idx="0">
+              <a:schemeClr val="dk1"/>
+            </a:fillRef>
+            <a:effectRef idx="0">
+              <a:schemeClr val="dk1"/>
+            </a:effectRef>
+            <a:fontRef idx="minor">
+              <a:schemeClr val="tx1"/>
+            </a:fontRef>
+          </p:style>
+        </p:cxnSp>
+        <p:cxnSp>
+          <p:nvCxnSpPr>
+            <p:cNvPr id="29" name="Прямая соединительная линия 28">
+              <a:extLst>
+                <a:ext uri="{FF2B5EF4-FFF2-40B4-BE49-F238E27FC236}">
+                  <a16:creationId xmlns:a16="http://schemas.microsoft.com/office/drawing/2014/main" id="{048A4727-C3F6-4CC6-A640-AE8842621104}"/>
+                </a:ext>
+              </a:extLst>
+            </p:cNvPr>
+            <p:cNvCxnSpPr>
+              <a:stCxn id="15" idx="7"/>
+              <a:endCxn id="13" idx="3"/>
+            </p:cNvCxnSpPr>
+            <p:nvPr/>
+          </p:nvCxnSpPr>
+          <p:spPr>
+            <a:xfrm flipV="1">
+              <a:off x="4771160" y="2067114"/>
+              <a:ext cx="557767" cy="501696"/>
+            </a:xfrm>
+            <a:prstGeom prst="line">
+              <a:avLst/>
+            </a:prstGeom>
+          </p:spPr>
+          <p:style>
+            <a:lnRef idx="1">
+              <a:schemeClr val="dk1"/>
+            </a:lnRef>
+            <a:fillRef idx="0">
+              <a:schemeClr val="dk1"/>
+            </a:fillRef>
+            <a:effectRef idx="0">
+              <a:schemeClr val="dk1"/>
+            </a:effectRef>
+            <a:fontRef idx="minor">
+              <a:schemeClr val="tx1"/>
+            </a:fontRef>
+          </p:style>
+        </p:cxnSp>
+        <p:cxnSp>
+          <p:nvCxnSpPr>
+            <p:cNvPr id="30" name="Соединитель: уступ 29">
+              <a:extLst>
+                <a:ext uri="{FF2B5EF4-FFF2-40B4-BE49-F238E27FC236}">
+                  <a16:creationId xmlns:a16="http://schemas.microsoft.com/office/drawing/2014/main" id="{0B6C945F-E2B5-4BF5-9D20-69F190FEBCE9}"/>
+                </a:ext>
+              </a:extLst>
+            </p:cNvPr>
+            <p:cNvCxnSpPr>
+              <a:cxnSpLocks/>
+              <a:stCxn id="9" idx="4"/>
+              <a:endCxn id="16" idx="4"/>
+            </p:cNvCxnSpPr>
+            <p:nvPr/>
+          </p:nvCxnSpPr>
+          <p:spPr>
+            <a:xfrm rot="5400000" flipH="1" flipV="1">
+              <a:off x="3702922" y="1182291"/>
+              <a:ext cx="2" cy="3590692"/>
+            </a:xfrm>
+            <a:prstGeom prst="bentConnector3">
+              <a:avLst>
+                <a:gd name="adj1" fmla="val -11430000000"/>
+              </a:avLst>
+            </a:prstGeom>
+          </p:spPr>
+          <p:style>
+            <a:lnRef idx="1">
+              <a:schemeClr val="dk1"/>
+            </a:lnRef>
+            <a:fillRef idx="0">
+              <a:schemeClr val="dk1"/>
+            </a:fillRef>
+            <a:effectRef idx="0">
+              <a:schemeClr val="dk1"/>
+            </a:effectRef>
+            <a:fontRef idx="minor">
+              <a:schemeClr val="tx1"/>
+            </a:fontRef>
+          </p:style>
+        </p:cxnSp>
+        <p:cxnSp>
+          <p:nvCxnSpPr>
+            <p:cNvPr id="31" name="Прямая соединительная линия 30">
+              <a:extLst>
+                <a:ext uri="{FF2B5EF4-FFF2-40B4-BE49-F238E27FC236}">
+                  <a16:creationId xmlns:a16="http://schemas.microsoft.com/office/drawing/2014/main" id="{59C0150C-7564-4AC7-AB43-6A184FE664AA}"/>
+                </a:ext>
+              </a:extLst>
+            </p:cNvPr>
+            <p:cNvCxnSpPr>
+              <a:stCxn id="13" idx="4"/>
+              <a:endCxn id="16" idx="0"/>
+            </p:cNvCxnSpPr>
+            <p:nvPr/>
+          </p:nvCxnSpPr>
+          <p:spPr>
+            <a:xfrm>
+              <a:off x="5498269" y="2137258"/>
+              <a:ext cx="0" cy="361407"/>
+            </a:xfrm>
+            <a:prstGeom prst="line">
+              <a:avLst/>
+            </a:prstGeom>
+          </p:spPr>
+          <p:style>
+            <a:lnRef idx="1">
+              <a:schemeClr val="dk1"/>
+            </a:lnRef>
+            <a:fillRef idx="0">
+              <a:schemeClr val="dk1"/>
+            </a:fillRef>
+            <a:effectRef idx="0">
+              <a:schemeClr val="dk1"/>
+            </a:effectRef>
+            <a:fontRef idx="minor">
+              <a:schemeClr val="tx1"/>
+            </a:fontRef>
+          </p:style>
+        </p:cxnSp>
+        <p:cxnSp>
+          <p:nvCxnSpPr>
+            <p:cNvPr id="32" name="Прямая соединительная линия 31">
+              <a:extLst>
+                <a:ext uri="{FF2B5EF4-FFF2-40B4-BE49-F238E27FC236}">
+                  <a16:creationId xmlns:a16="http://schemas.microsoft.com/office/drawing/2014/main" id="{8F6FB870-E0AF-4B02-B417-10CDE9A4B837}"/>
+                </a:ext>
+              </a:extLst>
+            </p:cNvPr>
+            <p:cNvCxnSpPr>
+              <a:stCxn id="16" idx="7"/>
+              <a:endCxn id="17" idx="3"/>
+            </p:cNvCxnSpPr>
+            <p:nvPr/>
+          </p:nvCxnSpPr>
+          <p:spPr>
+            <a:xfrm flipV="1">
+              <a:off x="5667610" y="2067113"/>
+              <a:ext cx="557768" cy="501696"/>
+            </a:xfrm>
+            <a:prstGeom prst="line">
+              <a:avLst/>
+            </a:prstGeom>
+            <a:ln w="76200"/>
+          </p:spPr>
+          <p:style>
+            <a:lnRef idx="3">
+              <a:schemeClr val="dk1"/>
+            </a:lnRef>
+            <a:fillRef idx="0">
+              <a:schemeClr val="dk1"/>
+            </a:fillRef>
+            <a:effectRef idx="2">
+              <a:schemeClr val="dk1"/>
+            </a:effectRef>
+            <a:fontRef idx="minor">
+              <a:schemeClr val="tx1"/>
+            </a:fontRef>
+          </p:style>
+        </p:cxnSp>
+        <p:cxnSp>
+          <p:nvCxnSpPr>
+            <p:cNvPr id="33" name="Соединитель: уступ 32">
+              <a:extLst>
+                <a:ext uri="{FF2B5EF4-FFF2-40B4-BE49-F238E27FC236}">
+                  <a16:creationId xmlns:a16="http://schemas.microsoft.com/office/drawing/2014/main" id="{6CE30FF1-0D60-480F-B793-0204FA0BDEBB}"/>
+                </a:ext>
+              </a:extLst>
+            </p:cNvPr>
+            <p:cNvCxnSpPr>
+              <a:cxnSpLocks/>
+              <a:stCxn id="6" idx="1"/>
+              <a:endCxn id="17" idx="0"/>
+            </p:cNvCxnSpPr>
+            <p:nvPr/>
+          </p:nvCxnSpPr>
+          <p:spPr>
+            <a:xfrm rot="5400000" flipH="1" flipV="1">
+              <a:off x="4031404" y="-634882"/>
+              <a:ext cx="70148" cy="4656484"/>
+            </a:xfrm>
+            <a:prstGeom prst="bentConnector3">
+              <a:avLst>
+                <a:gd name="adj1" fmla="val 573616"/>
+              </a:avLst>
+            </a:prstGeom>
+            <a:ln w="76200"/>
+          </p:spPr>
+          <p:style>
+            <a:lnRef idx="3">
+              <a:schemeClr val="dk1"/>
+            </a:lnRef>
+            <a:fillRef idx="0">
+              <a:schemeClr val="dk1"/>
+            </a:fillRef>
+            <a:effectRef idx="2">
+              <a:schemeClr val="dk1"/>
+            </a:effectRef>
+            <a:fontRef idx="minor">
+              <a:schemeClr val="tx1"/>
+            </a:fontRef>
+          </p:style>
+        </p:cxnSp>
+        <p:cxnSp>
+          <p:nvCxnSpPr>
+            <p:cNvPr id="34" name="Соединитель: уступ 33">
+              <a:extLst>
+                <a:ext uri="{FF2B5EF4-FFF2-40B4-BE49-F238E27FC236}">
+                  <a16:creationId xmlns:a16="http://schemas.microsoft.com/office/drawing/2014/main" id="{5245B3E6-3A10-46E6-871D-69DB7F28CA55}"/>
+                </a:ext>
+              </a:extLst>
+            </p:cNvPr>
+            <p:cNvCxnSpPr>
+              <a:stCxn id="7" idx="0"/>
+              <a:endCxn id="13" idx="0"/>
+            </p:cNvCxnSpPr>
+            <p:nvPr/>
+          </p:nvCxnSpPr>
+          <p:spPr>
+            <a:xfrm rot="5400000" flipH="1" flipV="1">
+              <a:off x="4153591" y="313611"/>
+              <a:ext cx="2" cy="2689354"/>
+            </a:xfrm>
+            <a:prstGeom prst="bentConnector3">
+              <a:avLst>
+                <a:gd name="adj1" fmla="val 11430100000"/>
+              </a:avLst>
+            </a:prstGeom>
+          </p:spPr>
+          <p:style>
+            <a:lnRef idx="1">
+              <a:schemeClr val="dk1"/>
+            </a:lnRef>
+            <a:fillRef idx="0">
+              <a:schemeClr val="dk1"/>
+            </a:fillRef>
+            <a:effectRef idx="0">
+              <a:schemeClr val="dk1"/>
+            </a:effectRef>
+            <a:fontRef idx="minor">
+              <a:schemeClr val="tx1"/>
+            </a:fontRef>
+          </p:style>
+        </p:cxnSp>
+        <p:cxnSp>
+          <p:nvCxnSpPr>
+            <p:cNvPr id="35" name="Соединитель: уступ 34">
+              <a:extLst>
+                <a:ext uri="{FF2B5EF4-FFF2-40B4-BE49-F238E27FC236}">
+                  <a16:creationId xmlns:a16="http://schemas.microsoft.com/office/drawing/2014/main" id="{3F229121-5D56-4DB3-83F2-11F097F13B37}"/>
+                </a:ext>
+              </a:extLst>
+            </p:cNvPr>
+            <p:cNvCxnSpPr>
+              <a:cxnSpLocks/>
+              <a:stCxn id="8" idx="3"/>
+              <a:endCxn id="18" idx="4"/>
+            </p:cNvCxnSpPr>
+            <p:nvPr/>
+          </p:nvCxnSpPr>
+          <p:spPr>
+            <a:xfrm rot="16200000" flipH="1">
+              <a:off x="3580739" y="163653"/>
+              <a:ext cx="70141" cy="5557821"/>
+            </a:xfrm>
+            <a:prstGeom prst="bentConnector3">
+              <a:avLst>
+                <a:gd name="adj1" fmla="val 617123"/>
+              </a:avLst>
+            </a:prstGeom>
+            <a:ln w="76200"/>
+          </p:spPr>
+          <p:style>
+            <a:lnRef idx="3">
+              <a:schemeClr val="dk1"/>
+            </a:lnRef>
+            <a:fillRef idx="0">
+              <a:schemeClr val="dk1"/>
+            </a:fillRef>
+            <a:effectRef idx="2">
+              <a:schemeClr val="dk1"/>
+            </a:effectRef>
+            <a:fontRef idx="minor">
+              <a:schemeClr val="tx1"/>
+            </a:fontRef>
+          </p:style>
+        </p:cxnSp>
+        <p:cxnSp>
+          <p:nvCxnSpPr>
+            <p:cNvPr id="36" name="Прямая соединительная линия 35">
+              <a:extLst>
+                <a:ext uri="{FF2B5EF4-FFF2-40B4-BE49-F238E27FC236}">
+                  <a16:creationId xmlns:a16="http://schemas.microsoft.com/office/drawing/2014/main" id="{C2ADF34D-6367-4490-A2C3-0E2DDF07E2D8}"/>
+                </a:ext>
+              </a:extLst>
+            </p:cNvPr>
+            <p:cNvCxnSpPr>
+              <a:stCxn id="17" idx="4"/>
+              <a:endCxn id="18" idx="0"/>
+            </p:cNvCxnSpPr>
+            <p:nvPr/>
+          </p:nvCxnSpPr>
+          <p:spPr>
+            <a:xfrm>
+              <a:off x="6394720" y="2137257"/>
+              <a:ext cx="0" cy="361407"/>
+            </a:xfrm>
+            <a:prstGeom prst="line">
+              <a:avLst/>
+            </a:prstGeom>
+            <a:ln w="76200"/>
+          </p:spPr>
+          <p:style>
+            <a:lnRef idx="3">
+              <a:schemeClr val="dk1"/>
+            </a:lnRef>
+            <a:fillRef idx="0">
+              <a:schemeClr val="dk1"/>
+            </a:fillRef>
+            <a:effectRef idx="2">
+              <a:schemeClr val="dk1"/>
+            </a:effectRef>
+            <a:fontRef idx="minor">
+              <a:schemeClr val="tx1"/>
+            </a:fontRef>
+          </p:style>
+        </p:cxnSp>
+        <p:sp>
+          <p:nvSpPr>
+            <p:cNvPr id="39" name="TextBox 38">
+              <a:extLst>
+                <a:ext uri="{FF2B5EF4-FFF2-40B4-BE49-F238E27FC236}">
+                  <a16:creationId xmlns:a16="http://schemas.microsoft.com/office/drawing/2014/main" id="{C73873CB-33D2-4F0C-8EE2-D4D17DDB8458}"/>
+                </a:ext>
+              </a:extLst>
+            </p:cNvPr>
+            <p:cNvSpPr txBox="1"/>
+            <p:nvPr/>
+          </p:nvSpPr>
+          <p:spPr>
+            <a:xfrm>
+              <a:off x="473708" y="1608436"/>
+              <a:ext cx="393311" cy="369332"/>
+            </a:xfrm>
+            <a:prstGeom prst="rect">
+              <a:avLst/>
+            </a:prstGeom>
+            <a:noFill/>
+          </p:spPr>
+          <p:txBody>
+            <a:bodyPr wrap="square" rtlCol="0">
+              <a:spAutoFit/>
+            </a:bodyPr>
+            <a:lstStyle/>
+            <a:p>
+              <a:r>
+                <a:rPr lang="en-CA" dirty="0"/>
+                <a:t>B</a:t>
+              </a:r>
+            </a:p>
+          </p:txBody>
+        </p:sp>
+        <p:sp>
+          <p:nvSpPr>
+            <p:cNvPr id="40" name="TextBox 39">
+              <a:extLst>
+                <a:ext uri="{FF2B5EF4-FFF2-40B4-BE49-F238E27FC236}">
+                  <a16:creationId xmlns:a16="http://schemas.microsoft.com/office/drawing/2014/main" id="{6E63E7E9-C838-4D63-95B7-F9C9A6993021}"/>
+                </a:ext>
+              </a:extLst>
+            </p:cNvPr>
+            <p:cNvSpPr txBox="1"/>
+            <p:nvPr/>
+          </p:nvSpPr>
+          <p:spPr>
+            <a:xfrm>
+              <a:off x="6626994" y="2573231"/>
+              <a:ext cx="283129" cy="369332"/>
+            </a:xfrm>
+            <a:prstGeom prst="rect">
+              <a:avLst/>
+            </a:prstGeom>
+            <a:noFill/>
+          </p:spPr>
+          <p:txBody>
+            <a:bodyPr wrap="square" rtlCol="0">
+              <a:spAutoFit/>
+            </a:bodyPr>
+            <a:lstStyle/>
+            <a:p>
+              <a:r>
+                <a:rPr lang="en-CA" dirty="0"/>
+                <a:t>C</a:t>
+              </a:r>
+            </a:p>
+          </p:txBody>
+        </p:sp>
+        <p:sp>
+          <p:nvSpPr>
+            <p:cNvPr id="41" name="TextBox 40">
+              <a:extLst>
+                <a:ext uri="{FF2B5EF4-FFF2-40B4-BE49-F238E27FC236}">
+                  <a16:creationId xmlns:a16="http://schemas.microsoft.com/office/drawing/2014/main" id="{79EC136E-1078-4015-958F-87508FF736AD}"/>
+                </a:ext>
+              </a:extLst>
+            </p:cNvPr>
+            <p:cNvSpPr txBox="1"/>
+            <p:nvPr/>
+          </p:nvSpPr>
+          <p:spPr>
+            <a:xfrm>
+              <a:off x="504267" y="2423637"/>
+              <a:ext cx="382231" cy="369332"/>
+            </a:xfrm>
+            <a:prstGeom prst="rect">
+              <a:avLst/>
+            </a:prstGeom>
+            <a:noFill/>
+          </p:spPr>
+          <p:txBody>
+            <a:bodyPr wrap="square" rtlCol="0">
+              <a:spAutoFit/>
+            </a:bodyPr>
+            <a:lstStyle/>
+            <a:p>
+              <a:r>
+                <a:rPr lang="en-CA" dirty="0"/>
+                <a:t>A</a:t>
+              </a:r>
+            </a:p>
+          </p:txBody>
+        </p:sp>
+        <p:sp>
+          <p:nvSpPr>
+            <p:cNvPr id="42" name="TextBox 41">
+              <a:extLst>
+                <a:ext uri="{FF2B5EF4-FFF2-40B4-BE49-F238E27FC236}">
+                  <a16:creationId xmlns:a16="http://schemas.microsoft.com/office/drawing/2014/main" id="{748F81D3-51DA-49DC-8F89-E585C27458A7}"/>
+                </a:ext>
+              </a:extLst>
+            </p:cNvPr>
+            <p:cNvSpPr txBox="1"/>
+            <p:nvPr/>
+          </p:nvSpPr>
+          <p:spPr>
+            <a:xfrm>
+              <a:off x="6572714" y="1562818"/>
+              <a:ext cx="283129" cy="369221"/>
+            </a:xfrm>
+            <a:prstGeom prst="rect">
+              <a:avLst/>
+            </a:prstGeom>
+            <a:noFill/>
+          </p:spPr>
+          <p:txBody>
+            <a:bodyPr wrap="square" rtlCol="0">
+              <a:spAutoFit/>
+            </a:bodyPr>
+            <a:lstStyle/>
+            <a:p>
+              <a:r>
+                <a:rPr lang="en-CA" dirty="0"/>
+                <a:t>D</a:t>
+              </a:r>
+            </a:p>
+          </p:txBody>
+        </p:sp>
+        <p:sp>
+          <p:nvSpPr>
+            <p:cNvPr id="43" name="TextBox 42">
+              <a:extLst>
+                <a:ext uri="{FF2B5EF4-FFF2-40B4-BE49-F238E27FC236}">
+                  <a16:creationId xmlns:a16="http://schemas.microsoft.com/office/drawing/2014/main" id="{B3884A42-13B3-4089-BD54-D5D43E987931}"/>
+                </a:ext>
+              </a:extLst>
+            </p:cNvPr>
+            <p:cNvSpPr txBox="1"/>
+            <p:nvPr/>
+          </p:nvSpPr>
+          <p:spPr>
+            <a:xfrm>
+              <a:off x="1410439" y="1309968"/>
+              <a:ext cx="251537" cy="369332"/>
+            </a:xfrm>
+            <a:prstGeom prst="rect">
+              <a:avLst/>
+            </a:prstGeom>
+            <a:noFill/>
+          </p:spPr>
+          <p:txBody>
+            <a:bodyPr wrap="square" rtlCol="0">
+              <a:spAutoFit/>
+            </a:bodyPr>
+            <a:lstStyle/>
+            <a:p>
+              <a:r>
+                <a:rPr lang="en-CA" dirty="0"/>
+                <a:t>E</a:t>
+              </a:r>
+            </a:p>
+          </p:txBody>
+        </p:sp>
+        <p:sp>
+          <p:nvSpPr>
+            <p:cNvPr id="45" name="TextBox 44">
+              <a:extLst>
+                <a:ext uri="{FF2B5EF4-FFF2-40B4-BE49-F238E27FC236}">
+                  <a16:creationId xmlns:a16="http://schemas.microsoft.com/office/drawing/2014/main" id="{8880F5EE-0E11-4F18-B16D-6F3A6436D911}"/>
+                </a:ext>
+              </a:extLst>
+            </p:cNvPr>
+            <p:cNvSpPr txBox="1"/>
+            <p:nvPr/>
+          </p:nvSpPr>
+          <p:spPr>
+            <a:xfrm>
+              <a:off x="1352618" y="2568809"/>
+              <a:ext cx="214983" cy="369332"/>
+            </a:xfrm>
+            <a:prstGeom prst="rect">
+              <a:avLst/>
+            </a:prstGeom>
+            <a:noFill/>
+          </p:spPr>
+          <p:txBody>
+            <a:bodyPr wrap="square" rtlCol="0">
+              <a:spAutoFit/>
+            </a:bodyPr>
+            <a:lstStyle/>
+            <a:p>
+              <a:r>
+                <a:rPr lang="en-CA" dirty="0"/>
+                <a:t>F</a:t>
+              </a:r>
+            </a:p>
+          </p:txBody>
+        </p:sp>
+      </p:grpSp>
       <p:sp>
         <p:nvSpPr>
           <p:cNvPr id="46" name="TextBox 45">
@@ -11928,1595 +11949,1616 @@
           <a:chExt cx="0" cy="0"/>
         </a:xfrm>
       </p:grpSpPr>
-      <p:sp>
-        <p:nvSpPr>
-          <p:cNvPr id="96" name="Овал 95">
-            <a:extLst>
-              <a:ext uri="{FF2B5EF4-FFF2-40B4-BE49-F238E27FC236}">
-                <a16:creationId xmlns:a16="http://schemas.microsoft.com/office/drawing/2014/main" id="{9B8F7828-0AD8-4FF1-BD5D-680B52E43DF1}"/>
-              </a:ext>
-            </a:extLst>
-          </p:cNvPr>
-          <p:cNvSpPr/>
+      <p:grpSp>
+        <p:nvGrpSpPr>
+          <p:cNvPr id="2" name="Группа 1">
+            <a:extLst>
+              <a:ext uri="{FF2B5EF4-FFF2-40B4-BE49-F238E27FC236}">
+                <a16:creationId xmlns:a16="http://schemas.microsoft.com/office/drawing/2014/main" id="{3DAB1ABE-B05A-4CA6-B3FC-519718E9850E}"/>
+              </a:ext>
+            </a:extLst>
+          </p:cNvPr>
+          <p:cNvGrpSpPr/>
           <p:nvPr/>
-        </p:nvSpPr>
-        <p:spPr>
-          <a:xfrm>
-            <a:off x="254126" y="700173"/>
-            <a:ext cx="478971" cy="478971"/>
-          </a:xfrm>
-          <a:prstGeom prst="ellipse">
-            <a:avLst/>
-          </a:prstGeom>
-        </p:spPr>
-        <p:style>
-          <a:lnRef idx="2">
-            <a:schemeClr val="dk1"/>
-          </a:lnRef>
-          <a:fillRef idx="1">
-            <a:schemeClr val="lt1"/>
-          </a:fillRef>
-          <a:effectRef idx="0">
-            <a:schemeClr val="dk1"/>
-          </a:effectRef>
-          <a:fontRef idx="minor">
-            <a:schemeClr val="dk1"/>
-          </a:fontRef>
-        </p:style>
-        <p:txBody>
-          <a:bodyPr rtlCol="0" anchor="ctr"/>
-          <a:lstStyle/>
-          <a:p>
-            <a:pPr algn="ctr"/>
-            <a:r>
-              <a:rPr lang="en-CA" dirty="0"/>
-              <a:t>a</a:t>
-            </a:r>
-          </a:p>
-        </p:txBody>
-      </p:sp>
-      <p:sp>
-        <p:nvSpPr>
-          <p:cNvPr id="97" name="Овал 96">
-            <a:extLst>
-              <a:ext uri="{FF2B5EF4-FFF2-40B4-BE49-F238E27FC236}">
-                <a16:creationId xmlns:a16="http://schemas.microsoft.com/office/drawing/2014/main" id="{F4617425-4F1A-47FC-84AE-E17C8042FFA5}"/>
-              </a:ext>
-            </a:extLst>
-          </p:cNvPr>
-          <p:cNvSpPr/>
-          <p:nvPr/>
-        </p:nvSpPr>
-        <p:spPr>
-          <a:xfrm>
-            <a:off x="1155463" y="700173"/>
-            <a:ext cx="478971" cy="478971"/>
-          </a:xfrm>
-          <a:prstGeom prst="ellipse">
-            <a:avLst/>
-          </a:prstGeom>
-        </p:spPr>
-        <p:style>
-          <a:lnRef idx="2">
-            <a:schemeClr val="dk1"/>
-          </a:lnRef>
-          <a:fillRef idx="1">
-            <a:schemeClr val="lt1"/>
-          </a:fillRef>
-          <a:effectRef idx="0">
-            <a:schemeClr val="dk1"/>
-          </a:effectRef>
-          <a:fontRef idx="minor">
-            <a:schemeClr val="dk1"/>
-          </a:fontRef>
-        </p:style>
-        <p:txBody>
-          <a:bodyPr rtlCol="0" anchor="ctr"/>
-          <a:lstStyle/>
-          <a:p>
-            <a:pPr algn="ctr"/>
-            <a:r>
-              <a:rPr lang="en-CA" dirty="0"/>
-              <a:t>c</a:t>
-            </a:r>
-          </a:p>
-        </p:txBody>
-      </p:sp>
-      <p:sp>
-        <p:nvSpPr>
-          <p:cNvPr id="98" name="Овал 97">
-            <a:extLst>
-              <a:ext uri="{FF2B5EF4-FFF2-40B4-BE49-F238E27FC236}">
-                <a16:creationId xmlns:a16="http://schemas.microsoft.com/office/drawing/2014/main" id="{94E26BF5-2FD7-4139-A531-C1E92B99003B}"/>
-              </a:ext>
-            </a:extLst>
-          </p:cNvPr>
-          <p:cNvSpPr/>
-          <p:nvPr/>
-        </p:nvSpPr>
-        <p:spPr>
-          <a:xfrm>
-            <a:off x="2056800" y="700172"/>
-            <a:ext cx="478971" cy="478971"/>
-          </a:xfrm>
-          <a:prstGeom prst="ellipse">
-            <a:avLst/>
-          </a:prstGeom>
-        </p:spPr>
-        <p:style>
-          <a:lnRef idx="2">
-            <a:schemeClr val="dk1"/>
-          </a:lnRef>
-          <a:fillRef idx="1">
-            <a:schemeClr val="lt1"/>
-          </a:fillRef>
-          <a:effectRef idx="0">
-            <a:schemeClr val="dk1"/>
-          </a:effectRef>
-          <a:fontRef idx="minor">
-            <a:schemeClr val="dk1"/>
-          </a:fontRef>
-        </p:style>
-        <p:txBody>
-          <a:bodyPr rtlCol="0" anchor="ctr"/>
-          <a:lstStyle/>
-          <a:p>
-            <a:pPr algn="ctr"/>
-            <a:r>
-              <a:rPr lang="en-CA" dirty="0"/>
-              <a:t>e</a:t>
-            </a:r>
-          </a:p>
-        </p:txBody>
-      </p:sp>
-      <p:sp>
-        <p:nvSpPr>
-          <p:cNvPr id="99" name="Овал 98">
-            <a:extLst>
-              <a:ext uri="{FF2B5EF4-FFF2-40B4-BE49-F238E27FC236}">
-                <a16:creationId xmlns:a16="http://schemas.microsoft.com/office/drawing/2014/main" id="{E3C209D1-5D2A-4669-878C-199257940681}"/>
-              </a:ext>
-            </a:extLst>
-          </p:cNvPr>
-          <p:cNvSpPr/>
-          <p:nvPr/>
-        </p:nvSpPr>
-        <p:spPr>
-          <a:xfrm>
-            <a:off x="254126" y="1540550"/>
-            <a:ext cx="478971" cy="478971"/>
-          </a:xfrm>
-          <a:prstGeom prst="ellipse">
-            <a:avLst/>
-          </a:prstGeom>
-        </p:spPr>
-        <p:style>
-          <a:lnRef idx="2">
-            <a:schemeClr val="dk1"/>
-          </a:lnRef>
-          <a:fillRef idx="1">
-            <a:schemeClr val="lt1"/>
-          </a:fillRef>
-          <a:effectRef idx="0">
-            <a:schemeClr val="dk1"/>
-          </a:effectRef>
-          <a:fontRef idx="minor">
-            <a:schemeClr val="dk1"/>
-          </a:fontRef>
-        </p:style>
-        <p:txBody>
-          <a:bodyPr rtlCol="0" anchor="ctr"/>
-          <a:lstStyle/>
-          <a:p>
-            <a:pPr algn="ctr"/>
-            <a:r>
-              <a:rPr lang="en-CA" dirty="0"/>
-              <a:t>b</a:t>
-            </a:r>
-          </a:p>
-        </p:txBody>
-      </p:sp>
-      <p:sp>
-        <p:nvSpPr>
-          <p:cNvPr id="100" name="Овал 99">
-            <a:extLst>
-              <a:ext uri="{FF2B5EF4-FFF2-40B4-BE49-F238E27FC236}">
-                <a16:creationId xmlns:a16="http://schemas.microsoft.com/office/drawing/2014/main" id="{5A1EA99F-14C1-4DDE-8635-4DAFED60B9A5}"/>
-              </a:ext>
-            </a:extLst>
-          </p:cNvPr>
-          <p:cNvSpPr/>
-          <p:nvPr/>
-        </p:nvSpPr>
-        <p:spPr>
-          <a:xfrm>
-            <a:off x="1155462" y="1540550"/>
-            <a:ext cx="478971" cy="478971"/>
-          </a:xfrm>
-          <a:prstGeom prst="ellipse">
-            <a:avLst/>
-          </a:prstGeom>
-        </p:spPr>
-        <p:style>
-          <a:lnRef idx="2">
-            <a:schemeClr val="dk1"/>
-          </a:lnRef>
-          <a:fillRef idx="1">
-            <a:schemeClr val="lt1"/>
-          </a:fillRef>
-          <a:effectRef idx="0">
-            <a:schemeClr val="dk1"/>
-          </a:effectRef>
-          <a:fontRef idx="minor">
-            <a:schemeClr val="dk1"/>
-          </a:fontRef>
-        </p:style>
-        <p:txBody>
-          <a:bodyPr rtlCol="0" anchor="ctr"/>
-          <a:lstStyle/>
-          <a:p>
-            <a:pPr algn="ctr"/>
-            <a:r>
-              <a:rPr lang="en-CA" dirty="0"/>
-              <a:t>d</a:t>
-            </a:r>
-          </a:p>
-        </p:txBody>
-      </p:sp>
-      <p:sp>
-        <p:nvSpPr>
-          <p:cNvPr id="101" name="Овал 100">
-            <a:extLst>
-              <a:ext uri="{FF2B5EF4-FFF2-40B4-BE49-F238E27FC236}">
-                <a16:creationId xmlns:a16="http://schemas.microsoft.com/office/drawing/2014/main" id="{EBACA877-63DF-45C3-8A1F-13E63CBED305}"/>
-              </a:ext>
-            </a:extLst>
-          </p:cNvPr>
-          <p:cNvSpPr/>
-          <p:nvPr/>
-        </p:nvSpPr>
-        <p:spPr>
-          <a:xfrm>
-            <a:off x="2056798" y="1542728"/>
-            <a:ext cx="478971" cy="478971"/>
-          </a:xfrm>
-          <a:prstGeom prst="ellipse">
-            <a:avLst/>
-          </a:prstGeom>
-        </p:spPr>
-        <p:style>
-          <a:lnRef idx="2">
-            <a:schemeClr val="dk1"/>
-          </a:lnRef>
-          <a:fillRef idx="1">
-            <a:schemeClr val="lt1"/>
-          </a:fillRef>
-          <a:effectRef idx="0">
-            <a:schemeClr val="dk1"/>
-          </a:effectRef>
-          <a:fontRef idx="minor">
-            <a:schemeClr val="dk1"/>
-          </a:fontRef>
-        </p:style>
-        <p:txBody>
-          <a:bodyPr rtlCol="0" anchor="ctr"/>
-          <a:lstStyle/>
-          <a:p>
-            <a:pPr algn="ctr"/>
-            <a:r>
-              <a:rPr lang="en-CA" dirty="0"/>
-              <a:t>f</a:t>
-            </a:r>
-          </a:p>
-        </p:txBody>
-      </p:sp>
-      <p:sp>
-        <p:nvSpPr>
-          <p:cNvPr id="102" name="Овал 101">
-            <a:extLst>
-              <a:ext uri="{FF2B5EF4-FFF2-40B4-BE49-F238E27FC236}">
-                <a16:creationId xmlns:a16="http://schemas.microsoft.com/office/drawing/2014/main" id="{C1D57C98-0AE6-401E-92A1-E0C019B22F00}"/>
-              </a:ext>
-            </a:extLst>
-          </p:cNvPr>
-          <p:cNvSpPr/>
-          <p:nvPr/>
-        </p:nvSpPr>
-        <p:spPr>
-          <a:xfrm>
-            <a:off x="2953252" y="700172"/>
-            <a:ext cx="478971" cy="478971"/>
-          </a:xfrm>
-          <a:prstGeom prst="ellipse">
-            <a:avLst/>
-          </a:prstGeom>
-        </p:spPr>
-        <p:style>
-          <a:lnRef idx="2">
-            <a:schemeClr val="dk1"/>
-          </a:lnRef>
-          <a:fillRef idx="1">
-            <a:schemeClr val="lt1"/>
-          </a:fillRef>
-          <a:effectRef idx="0">
-            <a:schemeClr val="dk1"/>
-          </a:effectRef>
-          <a:fontRef idx="minor">
-            <a:schemeClr val="dk1"/>
-          </a:fontRef>
-        </p:style>
-        <p:txBody>
-          <a:bodyPr rtlCol="0" anchor="ctr"/>
-          <a:lstStyle/>
-          <a:p>
-            <a:pPr algn="ctr"/>
-            <a:r>
-              <a:rPr lang="en-CA" dirty="0"/>
-              <a:t>g</a:t>
-            </a:r>
-          </a:p>
-        </p:txBody>
-      </p:sp>
-      <p:sp>
-        <p:nvSpPr>
-          <p:cNvPr id="103" name="Овал 102">
-            <a:extLst>
-              <a:ext uri="{FF2B5EF4-FFF2-40B4-BE49-F238E27FC236}">
-                <a16:creationId xmlns:a16="http://schemas.microsoft.com/office/drawing/2014/main" id="{0AFA7792-68A6-459B-A6E3-616538E00EE4}"/>
-              </a:ext>
-            </a:extLst>
-          </p:cNvPr>
-          <p:cNvSpPr/>
-          <p:nvPr/>
-        </p:nvSpPr>
-        <p:spPr>
-          <a:xfrm>
-            <a:off x="3849703" y="700171"/>
-            <a:ext cx="478971" cy="478971"/>
-          </a:xfrm>
-          <a:prstGeom prst="ellipse">
-            <a:avLst/>
-          </a:prstGeom>
-        </p:spPr>
-        <p:style>
-          <a:lnRef idx="2">
-            <a:schemeClr val="dk1"/>
-          </a:lnRef>
-          <a:fillRef idx="1">
-            <a:schemeClr val="lt1"/>
-          </a:fillRef>
-          <a:effectRef idx="0">
-            <a:schemeClr val="dk1"/>
-          </a:effectRef>
-          <a:fontRef idx="minor">
-            <a:schemeClr val="dk1"/>
-          </a:fontRef>
-        </p:style>
-        <p:txBody>
-          <a:bodyPr rtlCol="0" anchor="ctr"/>
-          <a:lstStyle/>
-          <a:p>
-            <a:pPr algn="ctr"/>
-            <a:r>
-              <a:rPr lang="en-CA" dirty="0" err="1"/>
-              <a:t>i</a:t>
-            </a:r>
-            <a:endParaRPr lang="en-CA" dirty="0"/>
-          </a:p>
-        </p:txBody>
-      </p:sp>
-      <p:sp>
-        <p:nvSpPr>
-          <p:cNvPr id="104" name="Овал 103">
-            <a:extLst>
-              <a:ext uri="{FF2B5EF4-FFF2-40B4-BE49-F238E27FC236}">
-                <a16:creationId xmlns:a16="http://schemas.microsoft.com/office/drawing/2014/main" id="{496F5D72-3B06-410E-A465-BD51768E9BC3}"/>
-              </a:ext>
-            </a:extLst>
-          </p:cNvPr>
-          <p:cNvSpPr/>
-          <p:nvPr/>
-        </p:nvSpPr>
-        <p:spPr>
-          <a:xfrm>
-            <a:off x="4746154" y="700170"/>
-            <a:ext cx="478971" cy="478971"/>
-          </a:xfrm>
-          <a:prstGeom prst="ellipse">
-            <a:avLst/>
-          </a:prstGeom>
-        </p:spPr>
-        <p:style>
-          <a:lnRef idx="2">
-            <a:schemeClr val="dk1"/>
-          </a:lnRef>
-          <a:fillRef idx="1">
-            <a:schemeClr val="lt1"/>
-          </a:fillRef>
-          <a:effectRef idx="0">
-            <a:schemeClr val="dk1"/>
-          </a:effectRef>
-          <a:fontRef idx="minor">
-            <a:schemeClr val="dk1"/>
-          </a:fontRef>
-        </p:style>
-        <p:txBody>
-          <a:bodyPr rtlCol="0" anchor="ctr"/>
-          <a:lstStyle/>
-          <a:p>
-            <a:pPr algn="ctr"/>
-            <a:r>
-              <a:rPr lang="en-CA" dirty="0"/>
-              <a:t>k</a:t>
-            </a:r>
-          </a:p>
-        </p:txBody>
-      </p:sp>
-      <p:sp>
-        <p:nvSpPr>
-          <p:cNvPr id="105" name="Овал 104">
-            <a:extLst>
-              <a:ext uri="{FF2B5EF4-FFF2-40B4-BE49-F238E27FC236}">
-                <a16:creationId xmlns:a16="http://schemas.microsoft.com/office/drawing/2014/main" id="{3D239B54-CCEE-421A-A265-0D7FD89BD265}"/>
-              </a:ext>
-            </a:extLst>
-          </p:cNvPr>
-          <p:cNvSpPr/>
-          <p:nvPr/>
-        </p:nvSpPr>
-        <p:spPr>
-          <a:xfrm>
-            <a:off x="2953251" y="1540549"/>
-            <a:ext cx="478971" cy="478971"/>
-          </a:xfrm>
-          <a:prstGeom prst="ellipse">
-            <a:avLst/>
-          </a:prstGeom>
-        </p:spPr>
-        <p:style>
-          <a:lnRef idx="2">
-            <a:schemeClr val="dk1"/>
-          </a:lnRef>
-          <a:fillRef idx="1">
-            <a:schemeClr val="lt1"/>
-          </a:fillRef>
-          <a:effectRef idx="0">
-            <a:schemeClr val="dk1"/>
-          </a:effectRef>
-          <a:fontRef idx="minor">
-            <a:schemeClr val="dk1"/>
-          </a:fontRef>
-        </p:style>
-        <p:txBody>
-          <a:bodyPr rtlCol="0" anchor="ctr"/>
-          <a:lstStyle/>
-          <a:p>
-            <a:pPr algn="ctr"/>
-            <a:r>
-              <a:rPr lang="en-CA" dirty="0"/>
-              <a:t>h</a:t>
-            </a:r>
-          </a:p>
-        </p:txBody>
-      </p:sp>
-      <p:sp>
-        <p:nvSpPr>
-          <p:cNvPr id="106" name="Овал 105">
-            <a:extLst>
-              <a:ext uri="{FF2B5EF4-FFF2-40B4-BE49-F238E27FC236}">
-                <a16:creationId xmlns:a16="http://schemas.microsoft.com/office/drawing/2014/main" id="{0654DA8E-44AF-4382-93D1-1EEF07AECA05}"/>
-              </a:ext>
-            </a:extLst>
-          </p:cNvPr>
-          <p:cNvSpPr/>
-          <p:nvPr/>
-        </p:nvSpPr>
-        <p:spPr>
-          <a:xfrm>
-            <a:off x="3849704" y="1540549"/>
-            <a:ext cx="478971" cy="478971"/>
-          </a:xfrm>
-          <a:prstGeom prst="ellipse">
-            <a:avLst/>
-          </a:prstGeom>
-        </p:spPr>
-        <p:style>
-          <a:lnRef idx="2">
-            <a:schemeClr val="dk1"/>
-          </a:lnRef>
-          <a:fillRef idx="1">
-            <a:schemeClr val="lt1"/>
-          </a:fillRef>
-          <a:effectRef idx="0">
-            <a:schemeClr val="dk1"/>
-          </a:effectRef>
-          <a:fontRef idx="minor">
-            <a:schemeClr val="dk1"/>
-          </a:fontRef>
-        </p:style>
-        <p:txBody>
-          <a:bodyPr rtlCol="0" anchor="ctr"/>
-          <a:lstStyle/>
-          <a:p>
-            <a:pPr algn="ctr"/>
-            <a:r>
-              <a:rPr lang="en-CA" dirty="0"/>
-              <a:t>j</a:t>
-            </a:r>
-          </a:p>
-        </p:txBody>
-      </p:sp>
-      <p:sp>
-        <p:nvSpPr>
-          <p:cNvPr id="107" name="Овал 106">
-            <a:extLst>
-              <a:ext uri="{FF2B5EF4-FFF2-40B4-BE49-F238E27FC236}">
-                <a16:creationId xmlns:a16="http://schemas.microsoft.com/office/drawing/2014/main" id="{558E1050-690B-44B0-A7CB-996B619C6EFF}"/>
-              </a:ext>
-            </a:extLst>
-          </p:cNvPr>
-          <p:cNvSpPr/>
-          <p:nvPr/>
-        </p:nvSpPr>
-        <p:spPr>
-          <a:xfrm>
-            <a:off x="4746154" y="1540548"/>
-            <a:ext cx="478971" cy="478971"/>
-          </a:xfrm>
-          <a:prstGeom prst="ellipse">
-            <a:avLst/>
-          </a:prstGeom>
-        </p:spPr>
-        <p:style>
-          <a:lnRef idx="2">
-            <a:schemeClr val="dk1"/>
-          </a:lnRef>
-          <a:fillRef idx="1">
-            <a:schemeClr val="lt1"/>
-          </a:fillRef>
-          <a:effectRef idx="0">
-            <a:schemeClr val="dk1"/>
-          </a:effectRef>
-          <a:fontRef idx="minor">
-            <a:schemeClr val="dk1"/>
-          </a:fontRef>
-        </p:style>
-        <p:txBody>
-          <a:bodyPr rtlCol="0" anchor="ctr"/>
-          <a:lstStyle/>
-          <a:p>
-            <a:pPr algn="ctr"/>
-            <a:r>
-              <a:rPr lang="en-CA" dirty="0"/>
-              <a:t>l</a:t>
-            </a:r>
-          </a:p>
-        </p:txBody>
-      </p:sp>
-      <p:sp>
-        <p:nvSpPr>
-          <p:cNvPr id="108" name="Овал 107">
-            <a:extLst>
-              <a:ext uri="{FF2B5EF4-FFF2-40B4-BE49-F238E27FC236}">
-                <a16:creationId xmlns:a16="http://schemas.microsoft.com/office/drawing/2014/main" id="{FC1CD017-0D56-45D9-986D-78B454F114AD}"/>
-              </a:ext>
-            </a:extLst>
-          </p:cNvPr>
-          <p:cNvSpPr/>
-          <p:nvPr/>
-        </p:nvSpPr>
-        <p:spPr>
-          <a:xfrm>
-            <a:off x="5642605" y="700169"/>
-            <a:ext cx="478971" cy="478971"/>
-          </a:xfrm>
-          <a:prstGeom prst="ellipse">
-            <a:avLst/>
-          </a:prstGeom>
-        </p:spPr>
-        <p:style>
-          <a:lnRef idx="2">
-            <a:schemeClr val="dk1"/>
-          </a:lnRef>
-          <a:fillRef idx="1">
-            <a:schemeClr val="lt1"/>
-          </a:fillRef>
-          <a:effectRef idx="0">
-            <a:schemeClr val="dk1"/>
-          </a:effectRef>
-          <a:fontRef idx="minor">
-            <a:schemeClr val="dk1"/>
-          </a:fontRef>
-        </p:style>
-        <p:txBody>
-          <a:bodyPr rtlCol="0" anchor="ctr"/>
-          <a:lstStyle/>
-          <a:p>
-            <a:pPr algn="ctr"/>
-            <a:r>
-              <a:rPr lang="en-CA" dirty="0"/>
-              <a:t>m</a:t>
-            </a:r>
-          </a:p>
-        </p:txBody>
-      </p:sp>
-      <p:sp>
-        <p:nvSpPr>
-          <p:cNvPr id="109" name="Овал 108">
-            <a:extLst>
-              <a:ext uri="{FF2B5EF4-FFF2-40B4-BE49-F238E27FC236}">
-                <a16:creationId xmlns:a16="http://schemas.microsoft.com/office/drawing/2014/main" id="{025DF8BF-4EEE-43AD-BC96-5FF98401F847}"/>
-              </a:ext>
-            </a:extLst>
-          </p:cNvPr>
-          <p:cNvSpPr/>
-          <p:nvPr/>
-        </p:nvSpPr>
-        <p:spPr>
-          <a:xfrm>
-            <a:off x="5642605" y="1540547"/>
-            <a:ext cx="478971" cy="478971"/>
-          </a:xfrm>
-          <a:prstGeom prst="ellipse">
-            <a:avLst/>
-          </a:prstGeom>
-        </p:spPr>
-        <p:style>
-          <a:lnRef idx="2">
-            <a:schemeClr val="dk1"/>
-          </a:lnRef>
-          <a:fillRef idx="1">
-            <a:schemeClr val="lt1"/>
-          </a:fillRef>
-          <a:effectRef idx="0">
-            <a:schemeClr val="dk1"/>
-          </a:effectRef>
-          <a:fontRef idx="minor">
-            <a:schemeClr val="dk1"/>
-          </a:fontRef>
-        </p:style>
-        <p:txBody>
-          <a:bodyPr rtlCol="0" anchor="ctr"/>
-          <a:lstStyle/>
-          <a:p>
-            <a:pPr algn="ctr"/>
-            <a:r>
-              <a:rPr lang="en-CA" dirty="0"/>
-              <a:t>n</a:t>
-            </a:r>
-          </a:p>
-        </p:txBody>
-      </p:sp>
-      <p:cxnSp>
-        <p:nvCxnSpPr>
-          <p:cNvPr id="110" name="Прямая соединительная линия 109">
-            <a:extLst>
-              <a:ext uri="{FF2B5EF4-FFF2-40B4-BE49-F238E27FC236}">
-                <a16:creationId xmlns:a16="http://schemas.microsoft.com/office/drawing/2014/main" id="{47CB9E35-A9B6-4E9D-9DBC-C94E4705053D}"/>
-              </a:ext>
-            </a:extLst>
-          </p:cNvPr>
-          <p:cNvCxnSpPr>
-            <a:stCxn id="96" idx="4"/>
-            <a:endCxn id="99" idx="0"/>
-          </p:cNvCxnSpPr>
-          <p:nvPr/>
-        </p:nvCxnSpPr>
-        <p:spPr>
-          <a:xfrm>
-            <a:off x="493612" y="1179144"/>
-            <a:ext cx="0" cy="361406"/>
-          </a:xfrm>
-          <a:prstGeom prst="line">
-            <a:avLst/>
-          </a:prstGeom>
-          <a:ln w="76200"/>
-        </p:spPr>
-        <p:style>
-          <a:lnRef idx="3">
-            <a:schemeClr val="dk1"/>
-          </a:lnRef>
-          <a:fillRef idx="0">
-            <a:schemeClr val="dk1"/>
-          </a:fillRef>
-          <a:effectRef idx="2">
-            <a:schemeClr val="dk1"/>
-          </a:effectRef>
-          <a:fontRef idx="minor">
-            <a:schemeClr val="tx1"/>
-          </a:fontRef>
-        </p:style>
-      </p:cxnSp>
-      <p:cxnSp>
-        <p:nvCxnSpPr>
-          <p:cNvPr id="111" name="Прямая соединительная линия 110">
-            <a:extLst>
-              <a:ext uri="{FF2B5EF4-FFF2-40B4-BE49-F238E27FC236}">
-                <a16:creationId xmlns:a16="http://schemas.microsoft.com/office/drawing/2014/main" id="{64DA490F-2259-4160-9788-437B8DBB3B7E}"/>
-              </a:ext>
-            </a:extLst>
-          </p:cNvPr>
-          <p:cNvCxnSpPr>
-            <a:stCxn id="99" idx="7"/>
-            <a:endCxn id="97" idx="3"/>
-          </p:cNvCxnSpPr>
-          <p:nvPr/>
-        </p:nvCxnSpPr>
-        <p:spPr>
-          <a:xfrm flipV="1">
-            <a:off x="662953" y="1109000"/>
-            <a:ext cx="562654" cy="501694"/>
-          </a:xfrm>
-          <a:prstGeom prst="line">
-            <a:avLst/>
-          </a:prstGeom>
-          <a:ln w="76200"/>
-        </p:spPr>
-        <p:style>
-          <a:lnRef idx="3">
-            <a:schemeClr val="dk1"/>
-          </a:lnRef>
-          <a:fillRef idx="0">
-            <a:schemeClr val="dk1"/>
-          </a:fillRef>
-          <a:effectRef idx="2">
-            <a:schemeClr val="dk1"/>
-          </a:effectRef>
-          <a:fontRef idx="minor">
-            <a:schemeClr val="tx1"/>
-          </a:fontRef>
-        </p:style>
-      </p:cxnSp>
-      <p:cxnSp>
-        <p:nvCxnSpPr>
-          <p:cNvPr id="112" name="Прямая соединительная линия 111">
-            <a:extLst>
-              <a:ext uri="{FF2B5EF4-FFF2-40B4-BE49-F238E27FC236}">
-                <a16:creationId xmlns:a16="http://schemas.microsoft.com/office/drawing/2014/main" id="{974DAD22-0AD1-42E7-B295-698153C34CF8}"/>
-              </a:ext>
-            </a:extLst>
-          </p:cNvPr>
-          <p:cNvCxnSpPr>
-            <a:stCxn id="97" idx="4"/>
-            <a:endCxn id="100" idx="0"/>
-          </p:cNvCxnSpPr>
-          <p:nvPr/>
-        </p:nvCxnSpPr>
-        <p:spPr>
-          <a:xfrm flipH="1">
-            <a:off x="1394948" y="1179144"/>
-            <a:ext cx="1" cy="361406"/>
-          </a:xfrm>
-          <a:prstGeom prst="line">
-            <a:avLst/>
-          </a:prstGeom>
-          <a:ln w="76200"/>
-        </p:spPr>
-        <p:style>
-          <a:lnRef idx="3">
-            <a:schemeClr val="dk1"/>
-          </a:lnRef>
-          <a:fillRef idx="0">
-            <a:schemeClr val="dk1"/>
-          </a:fillRef>
-          <a:effectRef idx="2">
-            <a:schemeClr val="dk1"/>
-          </a:effectRef>
-          <a:fontRef idx="minor">
-            <a:schemeClr val="tx1"/>
-          </a:fontRef>
-        </p:style>
-      </p:cxnSp>
-      <p:cxnSp>
-        <p:nvCxnSpPr>
-          <p:cNvPr id="113" name="Прямая соединительная линия 112">
-            <a:extLst>
-              <a:ext uri="{FF2B5EF4-FFF2-40B4-BE49-F238E27FC236}">
-                <a16:creationId xmlns:a16="http://schemas.microsoft.com/office/drawing/2014/main" id="{D08148BB-D7A5-4958-9CCA-F221BD216716}"/>
-              </a:ext>
-            </a:extLst>
-          </p:cNvPr>
-          <p:cNvCxnSpPr>
-            <a:stCxn id="100" idx="7"/>
-            <a:endCxn id="98" idx="3"/>
-          </p:cNvCxnSpPr>
-          <p:nvPr/>
-        </p:nvCxnSpPr>
-        <p:spPr>
-          <a:xfrm flipV="1">
-            <a:off x="1564289" y="1108999"/>
-            <a:ext cx="562655" cy="501695"/>
-          </a:xfrm>
-          <a:prstGeom prst="line">
-            <a:avLst/>
-          </a:prstGeom>
-          <a:ln w="76200"/>
-        </p:spPr>
-        <p:style>
-          <a:lnRef idx="3">
-            <a:schemeClr val="dk1"/>
-          </a:lnRef>
-          <a:fillRef idx="0">
-            <a:schemeClr val="dk1"/>
-          </a:fillRef>
-          <a:effectRef idx="2">
-            <a:schemeClr val="dk1"/>
-          </a:effectRef>
-          <a:fontRef idx="minor">
-            <a:schemeClr val="tx1"/>
-          </a:fontRef>
-        </p:style>
-      </p:cxnSp>
-      <p:cxnSp>
-        <p:nvCxnSpPr>
-          <p:cNvPr id="114" name="Прямая соединительная линия 113">
-            <a:extLst>
-              <a:ext uri="{FF2B5EF4-FFF2-40B4-BE49-F238E27FC236}">
-                <a16:creationId xmlns:a16="http://schemas.microsoft.com/office/drawing/2014/main" id="{416DD40E-275E-44DC-B457-B2671D0547C4}"/>
-              </a:ext>
-            </a:extLst>
-          </p:cNvPr>
-          <p:cNvCxnSpPr>
-            <a:stCxn id="98" idx="4"/>
-            <a:endCxn id="101" idx="0"/>
-          </p:cNvCxnSpPr>
-          <p:nvPr/>
-        </p:nvCxnSpPr>
-        <p:spPr>
-          <a:xfrm flipH="1">
-            <a:off x="2296284" y="1179143"/>
-            <a:ext cx="2" cy="363585"/>
-          </a:xfrm>
-          <a:prstGeom prst="line">
-            <a:avLst/>
-          </a:prstGeom>
-          <a:ln w="76200"/>
-        </p:spPr>
-        <p:style>
-          <a:lnRef idx="3">
-            <a:schemeClr val="dk1"/>
-          </a:lnRef>
-          <a:fillRef idx="0">
-            <a:schemeClr val="dk1"/>
-          </a:fillRef>
-          <a:effectRef idx="2">
-            <a:schemeClr val="dk1"/>
-          </a:effectRef>
-          <a:fontRef idx="minor">
-            <a:schemeClr val="tx1"/>
-          </a:fontRef>
-        </p:style>
-      </p:cxnSp>
-      <p:cxnSp>
-        <p:nvCxnSpPr>
-          <p:cNvPr id="115" name="Прямая соединительная линия 114">
-            <a:extLst>
-              <a:ext uri="{FF2B5EF4-FFF2-40B4-BE49-F238E27FC236}">
-                <a16:creationId xmlns:a16="http://schemas.microsoft.com/office/drawing/2014/main" id="{CB5B1D72-8787-4CF8-A1FE-054BD3DBFF25}"/>
-              </a:ext>
-            </a:extLst>
-          </p:cNvPr>
-          <p:cNvCxnSpPr>
-            <a:stCxn id="101" idx="7"/>
-            <a:endCxn id="102" idx="3"/>
-          </p:cNvCxnSpPr>
-          <p:nvPr/>
-        </p:nvCxnSpPr>
-        <p:spPr>
-          <a:xfrm flipV="1">
-            <a:off x="2465625" y="1108999"/>
-            <a:ext cx="557771" cy="503873"/>
-          </a:xfrm>
-          <a:prstGeom prst="line">
-            <a:avLst/>
-          </a:prstGeom>
-        </p:spPr>
-        <p:style>
-          <a:lnRef idx="1">
-            <a:schemeClr val="dk1"/>
-          </a:lnRef>
-          <a:fillRef idx="0">
-            <a:schemeClr val="dk1"/>
-          </a:fillRef>
-          <a:effectRef idx="0">
-            <a:schemeClr val="dk1"/>
-          </a:effectRef>
-          <a:fontRef idx="minor">
-            <a:schemeClr val="tx1"/>
-          </a:fontRef>
-        </p:style>
-      </p:cxnSp>
-      <p:cxnSp>
-        <p:nvCxnSpPr>
-          <p:cNvPr id="116" name="Соединитель: уступ 115">
-            <a:extLst>
-              <a:ext uri="{FF2B5EF4-FFF2-40B4-BE49-F238E27FC236}">
-                <a16:creationId xmlns:a16="http://schemas.microsoft.com/office/drawing/2014/main" id="{3D00CB91-E807-4073-8009-6F34F6FFC1BB}"/>
-              </a:ext>
-            </a:extLst>
-          </p:cNvPr>
-          <p:cNvCxnSpPr>
-            <a:stCxn id="101" idx="4"/>
-            <a:endCxn id="106" idx="4"/>
-          </p:cNvCxnSpPr>
-          <p:nvPr/>
-        </p:nvCxnSpPr>
-        <p:spPr>
-          <a:xfrm rot="5400000" flipH="1" flipV="1">
-            <a:off x="3191647" y="1124157"/>
-            <a:ext cx="2179" cy="1792906"/>
-          </a:xfrm>
-          <a:prstGeom prst="bentConnector3">
-            <a:avLst>
-              <a:gd name="adj1" fmla="val -7413676"/>
-            </a:avLst>
-          </a:prstGeom>
-        </p:spPr>
-        <p:style>
-          <a:lnRef idx="1">
-            <a:schemeClr val="dk1"/>
-          </a:lnRef>
-          <a:fillRef idx="0">
-            <a:schemeClr val="dk1"/>
-          </a:fillRef>
-          <a:effectRef idx="0">
-            <a:schemeClr val="dk1"/>
-          </a:effectRef>
-          <a:fontRef idx="minor">
-            <a:schemeClr val="tx1"/>
-          </a:fontRef>
-        </p:style>
-      </p:cxnSp>
-      <p:cxnSp>
-        <p:nvCxnSpPr>
-          <p:cNvPr id="117" name="Прямая соединительная линия 116">
-            <a:extLst>
-              <a:ext uri="{FF2B5EF4-FFF2-40B4-BE49-F238E27FC236}">
-                <a16:creationId xmlns:a16="http://schemas.microsoft.com/office/drawing/2014/main" id="{B66F1325-4E2F-40D2-A3BA-DFB83AA2AEF8}"/>
-              </a:ext>
-            </a:extLst>
-          </p:cNvPr>
-          <p:cNvCxnSpPr>
-            <a:stCxn id="102" idx="6"/>
-            <a:endCxn id="103" idx="2"/>
-          </p:cNvCxnSpPr>
-          <p:nvPr/>
-        </p:nvCxnSpPr>
-        <p:spPr>
-          <a:xfrm flipV="1">
-            <a:off x="3432223" y="939657"/>
-            <a:ext cx="417480" cy="1"/>
-          </a:xfrm>
-          <a:prstGeom prst="line">
-            <a:avLst/>
-          </a:prstGeom>
-        </p:spPr>
-        <p:style>
-          <a:lnRef idx="1">
-            <a:schemeClr val="dk1"/>
-          </a:lnRef>
-          <a:fillRef idx="0">
-            <a:schemeClr val="dk1"/>
-          </a:fillRef>
-          <a:effectRef idx="0">
-            <a:schemeClr val="dk1"/>
-          </a:effectRef>
-          <a:fontRef idx="minor">
-            <a:schemeClr val="tx1"/>
-          </a:fontRef>
-        </p:style>
-      </p:cxnSp>
-      <p:cxnSp>
-        <p:nvCxnSpPr>
-          <p:cNvPr id="118" name="Прямая соединительная линия 117">
-            <a:extLst>
-              <a:ext uri="{FF2B5EF4-FFF2-40B4-BE49-F238E27FC236}">
-                <a16:creationId xmlns:a16="http://schemas.microsoft.com/office/drawing/2014/main" id="{CD6EAE94-DDCA-4506-8F98-480059BE0151}"/>
-              </a:ext>
-            </a:extLst>
-          </p:cNvPr>
-          <p:cNvCxnSpPr>
-            <a:stCxn id="105" idx="7"/>
-            <a:endCxn id="103" idx="3"/>
-          </p:cNvCxnSpPr>
-          <p:nvPr/>
-        </p:nvCxnSpPr>
-        <p:spPr>
-          <a:xfrm flipV="1">
-            <a:off x="3362078" y="1108998"/>
-            <a:ext cx="557769" cy="501695"/>
-          </a:xfrm>
-          <a:prstGeom prst="line">
-            <a:avLst/>
-          </a:prstGeom>
-        </p:spPr>
-        <p:style>
-          <a:lnRef idx="1">
-            <a:schemeClr val="dk1"/>
-          </a:lnRef>
-          <a:fillRef idx="0">
-            <a:schemeClr val="dk1"/>
-          </a:fillRef>
-          <a:effectRef idx="0">
-            <a:schemeClr val="dk1"/>
-          </a:effectRef>
-          <a:fontRef idx="minor">
-            <a:schemeClr val="tx1"/>
-          </a:fontRef>
-        </p:style>
-      </p:cxnSp>
-      <p:cxnSp>
-        <p:nvCxnSpPr>
-          <p:cNvPr id="119" name="Прямая соединительная линия 118">
-            <a:extLst>
-              <a:ext uri="{FF2B5EF4-FFF2-40B4-BE49-F238E27FC236}">
-                <a16:creationId xmlns:a16="http://schemas.microsoft.com/office/drawing/2014/main" id="{6A8BCCAD-1EA5-4672-9C09-51C2B24903F3}"/>
-              </a:ext>
-            </a:extLst>
-          </p:cNvPr>
-          <p:cNvCxnSpPr>
-            <a:stCxn id="103" idx="4"/>
-            <a:endCxn id="106" idx="0"/>
-          </p:cNvCxnSpPr>
-          <p:nvPr/>
-        </p:nvCxnSpPr>
-        <p:spPr>
-          <a:xfrm>
-            <a:off x="4089189" y="1179142"/>
-            <a:ext cx="1" cy="361407"/>
-          </a:xfrm>
-          <a:prstGeom prst="line">
-            <a:avLst/>
-          </a:prstGeom>
-        </p:spPr>
-        <p:style>
-          <a:lnRef idx="1">
-            <a:schemeClr val="dk1"/>
-          </a:lnRef>
-          <a:fillRef idx="0">
-            <a:schemeClr val="dk1"/>
-          </a:fillRef>
-          <a:effectRef idx="0">
-            <a:schemeClr val="dk1"/>
-          </a:effectRef>
-          <a:fontRef idx="minor">
-            <a:schemeClr val="tx1"/>
-          </a:fontRef>
-        </p:style>
-      </p:cxnSp>
-      <p:cxnSp>
-        <p:nvCxnSpPr>
-          <p:cNvPr id="120" name="Прямая соединительная линия 119">
-            <a:extLst>
-              <a:ext uri="{FF2B5EF4-FFF2-40B4-BE49-F238E27FC236}">
-                <a16:creationId xmlns:a16="http://schemas.microsoft.com/office/drawing/2014/main" id="{5A045723-35C6-4D30-8A76-D8EB7451836C}"/>
-              </a:ext>
-            </a:extLst>
-          </p:cNvPr>
-          <p:cNvCxnSpPr>
-            <a:stCxn id="106" idx="7"/>
-            <a:endCxn id="104" idx="3"/>
-          </p:cNvCxnSpPr>
-          <p:nvPr/>
-        </p:nvCxnSpPr>
-        <p:spPr>
-          <a:xfrm flipV="1">
-            <a:off x="4258531" y="1108997"/>
-            <a:ext cx="557767" cy="501696"/>
-          </a:xfrm>
-          <a:prstGeom prst="line">
-            <a:avLst/>
-          </a:prstGeom>
-        </p:spPr>
-        <p:style>
-          <a:lnRef idx="1">
-            <a:schemeClr val="dk1"/>
-          </a:lnRef>
-          <a:fillRef idx="0">
-            <a:schemeClr val="dk1"/>
-          </a:fillRef>
-          <a:effectRef idx="0">
-            <a:schemeClr val="dk1"/>
-          </a:effectRef>
-          <a:fontRef idx="minor">
-            <a:schemeClr val="tx1"/>
-          </a:fontRef>
-        </p:style>
-      </p:cxnSp>
-      <p:cxnSp>
-        <p:nvCxnSpPr>
-          <p:cNvPr id="121" name="Соединитель: уступ 120">
-            <a:extLst>
-              <a:ext uri="{FF2B5EF4-FFF2-40B4-BE49-F238E27FC236}">
-                <a16:creationId xmlns:a16="http://schemas.microsoft.com/office/drawing/2014/main" id="{049EB3B2-8512-4414-9BA1-2DBF5BD783F4}"/>
-              </a:ext>
-            </a:extLst>
-          </p:cNvPr>
-          <p:cNvCxnSpPr>
-            <a:cxnSpLocks/>
-            <a:stCxn id="100" idx="4"/>
-            <a:endCxn id="107" idx="4"/>
-          </p:cNvCxnSpPr>
-          <p:nvPr/>
-        </p:nvCxnSpPr>
-        <p:spPr>
-          <a:xfrm rot="5400000" flipH="1" flipV="1">
-            <a:off x="3190293" y="224174"/>
-            <a:ext cx="2" cy="3590692"/>
-          </a:xfrm>
-          <a:prstGeom prst="bentConnector3">
-            <a:avLst>
-              <a:gd name="adj1" fmla="val -11430000000"/>
-            </a:avLst>
-          </a:prstGeom>
-        </p:spPr>
-        <p:style>
-          <a:lnRef idx="1">
-            <a:schemeClr val="dk1"/>
-          </a:lnRef>
-          <a:fillRef idx="0">
-            <a:schemeClr val="dk1"/>
-          </a:fillRef>
-          <a:effectRef idx="0">
-            <a:schemeClr val="dk1"/>
-          </a:effectRef>
-          <a:fontRef idx="minor">
-            <a:schemeClr val="tx1"/>
-          </a:fontRef>
-        </p:style>
-      </p:cxnSp>
-      <p:cxnSp>
-        <p:nvCxnSpPr>
-          <p:cNvPr id="122" name="Прямая соединительная линия 121">
-            <a:extLst>
-              <a:ext uri="{FF2B5EF4-FFF2-40B4-BE49-F238E27FC236}">
-                <a16:creationId xmlns:a16="http://schemas.microsoft.com/office/drawing/2014/main" id="{ADEB50B9-8766-4C06-AC4B-DFFAA256545D}"/>
-              </a:ext>
-            </a:extLst>
-          </p:cNvPr>
-          <p:cNvCxnSpPr>
-            <a:stCxn id="104" idx="4"/>
-            <a:endCxn id="107" idx="0"/>
-          </p:cNvCxnSpPr>
-          <p:nvPr/>
-        </p:nvCxnSpPr>
-        <p:spPr>
-          <a:xfrm>
-            <a:off x="4985640" y="1179141"/>
-            <a:ext cx="0" cy="361407"/>
-          </a:xfrm>
-          <a:prstGeom prst="line">
-            <a:avLst/>
-          </a:prstGeom>
-        </p:spPr>
-        <p:style>
-          <a:lnRef idx="1">
-            <a:schemeClr val="dk1"/>
-          </a:lnRef>
-          <a:fillRef idx="0">
-            <a:schemeClr val="dk1"/>
-          </a:fillRef>
-          <a:effectRef idx="0">
-            <a:schemeClr val="dk1"/>
-          </a:effectRef>
-          <a:fontRef idx="minor">
-            <a:schemeClr val="tx1"/>
-          </a:fontRef>
-        </p:style>
-      </p:cxnSp>
-      <p:cxnSp>
-        <p:nvCxnSpPr>
-          <p:cNvPr id="123" name="Прямая соединительная линия 122">
-            <a:extLst>
-              <a:ext uri="{FF2B5EF4-FFF2-40B4-BE49-F238E27FC236}">
-                <a16:creationId xmlns:a16="http://schemas.microsoft.com/office/drawing/2014/main" id="{C78D3B1B-1605-4E5A-9D5F-D0EFDDB7B983}"/>
-              </a:ext>
-            </a:extLst>
-          </p:cNvPr>
-          <p:cNvCxnSpPr>
-            <a:stCxn id="107" idx="7"/>
-            <a:endCxn id="108" idx="3"/>
-          </p:cNvCxnSpPr>
-          <p:nvPr/>
-        </p:nvCxnSpPr>
-        <p:spPr>
-          <a:xfrm flipV="1">
-            <a:off x="5154981" y="1108996"/>
-            <a:ext cx="557768" cy="501696"/>
-          </a:xfrm>
-          <a:prstGeom prst="line">
-            <a:avLst/>
-          </a:prstGeom>
-        </p:spPr>
-        <p:style>
-          <a:lnRef idx="1">
-            <a:schemeClr val="dk1"/>
-          </a:lnRef>
-          <a:fillRef idx="0">
-            <a:schemeClr val="dk1"/>
-          </a:fillRef>
-          <a:effectRef idx="0">
-            <a:schemeClr val="dk1"/>
-          </a:effectRef>
-          <a:fontRef idx="minor">
-            <a:schemeClr val="tx1"/>
-          </a:fontRef>
-        </p:style>
-      </p:cxnSp>
-      <p:cxnSp>
-        <p:nvCxnSpPr>
-          <p:cNvPr id="124" name="Соединитель: уступ 123">
-            <a:extLst>
-              <a:ext uri="{FF2B5EF4-FFF2-40B4-BE49-F238E27FC236}">
-                <a16:creationId xmlns:a16="http://schemas.microsoft.com/office/drawing/2014/main" id="{678AB397-7CB1-4AA9-91C7-5B230EE25286}"/>
-              </a:ext>
-            </a:extLst>
-          </p:cNvPr>
-          <p:cNvCxnSpPr>
-            <a:cxnSpLocks/>
-            <a:stCxn id="97" idx="1"/>
-            <a:endCxn id="108" idx="0"/>
-          </p:cNvCxnSpPr>
-          <p:nvPr/>
-        </p:nvCxnSpPr>
-        <p:spPr>
-          <a:xfrm rot="5400000" flipH="1" flipV="1">
-            <a:off x="3518775" y="-1592999"/>
-            <a:ext cx="70148" cy="4656484"/>
-          </a:xfrm>
-          <a:prstGeom prst="bentConnector3">
-            <a:avLst>
-              <a:gd name="adj1" fmla="val 573616"/>
-            </a:avLst>
-          </a:prstGeom>
-        </p:spPr>
-        <p:style>
-          <a:lnRef idx="1">
-            <a:schemeClr val="dk1"/>
-          </a:lnRef>
-          <a:fillRef idx="0">
-            <a:schemeClr val="dk1"/>
-          </a:fillRef>
-          <a:effectRef idx="0">
-            <a:schemeClr val="dk1"/>
-          </a:effectRef>
-          <a:fontRef idx="minor">
-            <a:schemeClr val="tx1"/>
-          </a:fontRef>
-        </p:style>
-      </p:cxnSp>
-      <p:cxnSp>
-        <p:nvCxnSpPr>
-          <p:cNvPr id="125" name="Соединитель: уступ 124">
-            <a:extLst>
-              <a:ext uri="{FF2B5EF4-FFF2-40B4-BE49-F238E27FC236}">
-                <a16:creationId xmlns:a16="http://schemas.microsoft.com/office/drawing/2014/main" id="{CCDB7A88-8CE7-4AC0-A2B1-45A8AD2D39C5}"/>
-              </a:ext>
-            </a:extLst>
-          </p:cNvPr>
-          <p:cNvCxnSpPr>
-            <a:stCxn id="98" idx="0"/>
-            <a:endCxn id="104" idx="0"/>
-          </p:cNvCxnSpPr>
-          <p:nvPr/>
-        </p:nvCxnSpPr>
-        <p:spPr>
-          <a:xfrm rot="5400000" flipH="1" flipV="1">
-            <a:off x="3640962" y="-644506"/>
-            <a:ext cx="2" cy="2689354"/>
-          </a:xfrm>
-          <a:prstGeom prst="bentConnector3">
-            <a:avLst>
-              <a:gd name="adj1" fmla="val 11430100000"/>
-            </a:avLst>
-          </a:prstGeom>
-        </p:spPr>
-        <p:style>
-          <a:lnRef idx="1">
-            <a:schemeClr val="dk1"/>
-          </a:lnRef>
-          <a:fillRef idx="0">
-            <a:schemeClr val="dk1"/>
-          </a:fillRef>
-          <a:effectRef idx="0">
-            <a:schemeClr val="dk1"/>
-          </a:effectRef>
-          <a:fontRef idx="minor">
-            <a:schemeClr val="tx1"/>
-          </a:fontRef>
-        </p:style>
-      </p:cxnSp>
-      <p:cxnSp>
-        <p:nvCxnSpPr>
-          <p:cNvPr id="126" name="Соединитель: уступ 125">
-            <a:extLst>
-              <a:ext uri="{FF2B5EF4-FFF2-40B4-BE49-F238E27FC236}">
-                <a16:creationId xmlns:a16="http://schemas.microsoft.com/office/drawing/2014/main" id="{517A721B-AA8B-4545-9417-DCC5F8176855}"/>
-              </a:ext>
-            </a:extLst>
-          </p:cNvPr>
-          <p:cNvCxnSpPr>
-            <a:cxnSpLocks/>
-            <a:stCxn id="99" idx="3"/>
-            <a:endCxn id="109" idx="4"/>
-          </p:cNvCxnSpPr>
-          <p:nvPr/>
-        </p:nvCxnSpPr>
-        <p:spPr>
-          <a:xfrm rot="16200000" flipH="1">
-            <a:off x="3068110" y="-794464"/>
-            <a:ext cx="70141" cy="5557821"/>
-          </a:xfrm>
-          <a:prstGeom prst="bentConnector3">
-            <a:avLst>
-              <a:gd name="adj1" fmla="val 617123"/>
-            </a:avLst>
-          </a:prstGeom>
-        </p:spPr>
-        <p:style>
-          <a:lnRef idx="1">
-            <a:schemeClr val="dk1"/>
-          </a:lnRef>
-          <a:fillRef idx="0">
-            <a:schemeClr val="dk1"/>
-          </a:fillRef>
-          <a:effectRef idx="0">
-            <a:schemeClr val="dk1"/>
-          </a:effectRef>
-          <a:fontRef idx="minor">
-            <a:schemeClr val="tx1"/>
-          </a:fontRef>
-        </p:style>
-      </p:cxnSp>
-      <p:cxnSp>
-        <p:nvCxnSpPr>
-          <p:cNvPr id="127" name="Прямая соединительная линия 126">
-            <a:extLst>
-              <a:ext uri="{FF2B5EF4-FFF2-40B4-BE49-F238E27FC236}">
-                <a16:creationId xmlns:a16="http://schemas.microsoft.com/office/drawing/2014/main" id="{D207EF6F-D20A-4124-A7B6-F5548EA256AE}"/>
-              </a:ext>
-            </a:extLst>
-          </p:cNvPr>
-          <p:cNvCxnSpPr>
-            <a:stCxn id="108" idx="4"/>
-            <a:endCxn id="109" idx="0"/>
-          </p:cNvCxnSpPr>
-          <p:nvPr/>
-        </p:nvCxnSpPr>
-        <p:spPr>
-          <a:xfrm>
-            <a:off x="5882091" y="1179140"/>
-            <a:ext cx="0" cy="361407"/>
-          </a:xfrm>
-          <a:prstGeom prst="line">
-            <a:avLst/>
-          </a:prstGeom>
-        </p:spPr>
-        <p:style>
-          <a:lnRef idx="1">
-            <a:schemeClr val="dk1"/>
-          </a:lnRef>
-          <a:fillRef idx="0">
-            <a:schemeClr val="dk1"/>
-          </a:fillRef>
-          <a:effectRef idx="0">
-            <a:schemeClr val="dk1"/>
-          </a:effectRef>
-          <a:fontRef idx="minor">
-            <a:schemeClr val="tx1"/>
-          </a:fontRef>
-        </p:style>
-      </p:cxnSp>
-      <p:sp>
-        <p:nvSpPr>
-          <p:cNvPr id="128" name="TextBox 127">
-            <a:extLst>
-              <a:ext uri="{FF2B5EF4-FFF2-40B4-BE49-F238E27FC236}">
-                <a16:creationId xmlns:a16="http://schemas.microsoft.com/office/drawing/2014/main" id="{037F8104-5C99-4360-A9C4-37FB23D26E8C}"/>
-              </a:ext>
-            </a:extLst>
-          </p:cNvPr>
-          <p:cNvSpPr txBox="1"/>
-          <p:nvPr/>
-        </p:nvSpPr>
-        <p:spPr>
+        </p:nvGrpSpPr>
+        <p:grpSpPr>
           <a:xfrm>
             <a:off x="0" y="506516"/>
-            <a:ext cx="297180" cy="369332"/>
+            <a:ext cx="6121576" cy="1636039"/>
+            <a:chOff x="0" y="506516"/>
+            <a:chExt cx="6121576" cy="1636039"/>
           </a:xfrm>
-          <a:prstGeom prst="rect">
-            <a:avLst/>
-          </a:prstGeom>
-          <a:noFill/>
-        </p:spPr>
-        <p:txBody>
-          <a:bodyPr wrap="square" rtlCol="0">
-            <a:spAutoFit/>
-          </a:bodyPr>
-          <a:lstStyle/>
-          <a:p>
-            <a:r>
-              <a:rPr lang="en-CA" dirty="0"/>
-              <a:t>A</a:t>
-            </a:r>
-          </a:p>
-        </p:txBody>
-      </p:sp>
-      <p:sp>
-        <p:nvSpPr>
-          <p:cNvPr id="129" name="TextBox 128">
-            <a:extLst>
-              <a:ext uri="{FF2B5EF4-FFF2-40B4-BE49-F238E27FC236}">
-                <a16:creationId xmlns:a16="http://schemas.microsoft.com/office/drawing/2014/main" id="{9DCA88D6-EEC2-4F3C-9436-C68E4BCD544B}"/>
-              </a:ext>
-            </a:extLst>
-          </p:cNvPr>
-          <p:cNvSpPr txBox="1"/>
-          <p:nvPr/>
-        </p:nvSpPr>
-        <p:spPr>
-          <a:xfrm>
-            <a:off x="0" y="1764709"/>
-            <a:ext cx="297180" cy="369332"/>
-          </a:xfrm>
-          <a:prstGeom prst="rect">
-            <a:avLst/>
-          </a:prstGeom>
-          <a:noFill/>
-        </p:spPr>
-        <p:txBody>
-          <a:bodyPr wrap="square" rtlCol="0">
-            <a:spAutoFit/>
-          </a:bodyPr>
-          <a:lstStyle/>
-          <a:p>
-            <a:r>
-              <a:rPr lang="en-CA" dirty="0"/>
-              <a:t>B</a:t>
-            </a:r>
-          </a:p>
-        </p:txBody>
-      </p:sp>
-      <p:sp>
-        <p:nvSpPr>
-          <p:cNvPr id="130" name="TextBox 129">
-            <a:extLst>
-              <a:ext uri="{FF2B5EF4-FFF2-40B4-BE49-F238E27FC236}">
-                <a16:creationId xmlns:a16="http://schemas.microsoft.com/office/drawing/2014/main" id="{2709C542-559A-450D-91AE-D33AA5F5EBD2}"/>
-              </a:ext>
-            </a:extLst>
-          </p:cNvPr>
-          <p:cNvSpPr txBox="1"/>
-          <p:nvPr/>
-        </p:nvSpPr>
-        <p:spPr>
-          <a:xfrm>
-            <a:off x="907323" y="506516"/>
-            <a:ext cx="297180" cy="369332"/>
-          </a:xfrm>
-          <a:prstGeom prst="rect">
-            <a:avLst/>
-          </a:prstGeom>
-          <a:noFill/>
-        </p:spPr>
-        <p:txBody>
-          <a:bodyPr wrap="square" rtlCol="0">
-            <a:spAutoFit/>
-          </a:bodyPr>
-          <a:lstStyle/>
-          <a:p>
-            <a:r>
-              <a:rPr lang="en-CA" dirty="0"/>
-              <a:t>C</a:t>
-            </a:r>
-          </a:p>
-        </p:txBody>
-      </p:sp>
-      <p:sp>
-        <p:nvSpPr>
-          <p:cNvPr id="131" name="TextBox 130">
-            <a:extLst>
-              <a:ext uri="{FF2B5EF4-FFF2-40B4-BE49-F238E27FC236}">
-                <a16:creationId xmlns:a16="http://schemas.microsoft.com/office/drawing/2014/main" id="{5E292A44-3AE7-4EE8-85AE-7F1DE301B5E1}"/>
-              </a:ext>
-            </a:extLst>
-          </p:cNvPr>
-          <p:cNvSpPr txBox="1"/>
-          <p:nvPr/>
-        </p:nvSpPr>
-        <p:spPr>
-          <a:xfrm>
-            <a:off x="907323" y="1764709"/>
-            <a:ext cx="297180" cy="369332"/>
-          </a:xfrm>
-          <a:prstGeom prst="rect">
-            <a:avLst/>
-          </a:prstGeom>
-          <a:noFill/>
-        </p:spPr>
-        <p:txBody>
-          <a:bodyPr wrap="square" rtlCol="0">
-            <a:spAutoFit/>
-          </a:bodyPr>
-          <a:lstStyle/>
-          <a:p>
-            <a:r>
-              <a:rPr lang="en-CA" dirty="0"/>
-              <a:t>D</a:t>
-            </a:r>
-          </a:p>
-        </p:txBody>
-      </p:sp>
-      <p:sp>
-        <p:nvSpPr>
-          <p:cNvPr id="132" name="TextBox 131">
-            <a:extLst>
-              <a:ext uri="{FF2B5EF4-FFF2-40B4-BE49-F238E27FC236}">
-                <a16:creationId xmlns:a16="http://schemas.microsoft.com/office/drawing/2014/main" id="{C8C0F634-F029-4E83-A44E-68BD22948E2E}"/>
-              </a:ext>
-            </a:extLst>
-          </p:cNvPr>
-          <p:cNvSpPr txBox="1"/>
-          <p:nvPr/>
-        </p:nvSpPr>
-        <p:spPr>
-          <a:xfrm>
-            <a:off x="1816822" y="506516"/>
-            <a:ext cx="297180" cy="369332"/>
-          </a:xfrm>
-          <a:prstGeom prst="rect">
-            <a:avLst/>
-          </a:prstGeom>
-          <a:noFill/>
-        </p:spPr>
-        <p:txBody>
-          <a:bodyPr wrap="square" rtlCol="0">
-            <a:spAutoFit/>
-          </a:bodyPr>
-          <a:lstStyle/>
-          <a:p>
-            <a:r>
-              <a:rPr lang="en-CA" dirty="0"/>
-              <a:t>E</a:t>
-            </a:r>
-          </a:p>
-        </p:txBody>
-      </p:sp>
-      <p:sp>
-        <p:nvSpPr>
-          <p:cNvPr id="133" name="TextBox 132">
-            <a:extLst>
-              <a:ext uri="{FF2B5EF4-FFF2-40B4-BE49-F238E27FC236}">
-                <a16:creationId xmlns:a16="http://schemas.microsoft.com/office/drawing/2014/main" id="{8813C6F7-BCFB-44A3-A32E-6DB308B9DBBB}"/>
-              </a:ext>
-            </a:extLst>
-          </p:cNvPr>
-          <p:cNvSpPr txBox="1"/>
-          <p:nvPr/>
-        </p:nvSpPr>
-        <p:spPr>
-          <a:xfrm>
-            <a:off x="1808659" y="1773223"/>
-            <a:ext cx="297180" cy="369332"/>
-          </a:xfrm>
-          <a:prstGeom prst="rect">
-            <a:avLst/>
-          </a:prstGeom>
-          <a:noFill/>
-        </p:spPr>
-        <p:txBody>
-          <a:bodyPr wrap="square" rtlCol="0">
-            <a:spAutoFit/>
-          </a:bodyPr>
-          <a:lstStyle/>
-          <a:p>
-            <a:r>
-              <a:rPr lang="en-CA" dirty="0"/>
-              <a:t>F</a:t>
-            </a:r>
-          </a:p>
-        </p:txBody>
-      </p:sp>
+        </p:grpSpPr>
+        <p:sp>
+          <p:nvSpPr>
+            <p:cNvPr id="96" name="Овал 95">
+              <a:extLst>
+                <a:ext uri="{FF2B5EF4-FFF2-40B4-BE49-F238E27FC236}">
+                  <a16:creationId xmlns:a16="http://schemas.microsoft.com/office/drawing/2014/main" id="{9B8F7828-0AD8-4FF1-BD5D-680B52E43DF1}"/>
+                </a:ext>
+              </a:extLst>
+            </p:cNvPr>
+            <p:cNvSpPr/>
+            <p:nvPr/>
+          </p:nvSpPr>
+          <p:spPr>
+            <a:xfrm>
+              <a:off x="254126" y="700173"/>
+              <a:ext cx="478971" cy="478971"/>
+            </a:xfrm>
+            <a:prstGeom prst="ellipse">
+              <a:avLst/>
+            </a:prstGeom>
+          </p:spPr>
+          <p:style>
+            <a:lnRef idx="2">
+              <a:schemeClr val="dk1"/>
+            </a:lnRef>
+            <a:fillRef idx="1">
+              <a:schemeClr val="lt1"/>
+            </a:fillRef>
+            <a:effectRef idx="0">
+              <a:schemeClr val="dk1"/>
+            </a:effectRef>
+            <a:fontRef idx="minor">
+              <a:schemeClr val="dk1"/>
+            </a:fontRef>
+          </p:style>
+          <p:txBody>
+            <a:bodyPr rtlCol="0" anchor="ctr"/>
+            <a:lstStyle/>
+            <a:p>
+              <a:pPr algn="ctr"/>
+              <a:r>
+                <a:rPr lang="en-CA" dirty="0"/>
+                <a:t>a</a:t>
+              </a:r>
+            </a:p>
+          </p:txBody>
+        </p:sp>
+        <p:sp>
+          <p:nvSpPr>
+            <p:cNvPr id="97" name="Овал 96">
+              <a:extLst>
+                <a:ext uri="{FF2B5EF4-FFF2-40B4-BE49-F238E27FC236}">
+                  <a16:creationId xmlns:a16="http://schemas.microsoft.com/office/drawing/2014/main" id="{F4617425-4F1A-47FC-84AE-E17C8042FFA5}"/>
+                </a:ext>
+              </a:extLst>
+            </p:cNvPr>
+            <p:cNvSpPr/>
+            <p:nvPr/>
+          </p:nvSpPr>
+          <p:spPr>
+            <a:xfrm>
+              <a:off x="1155463" y="700173"/>
+              <a:ext cx="478971" cy="478971"/>
+            </a:xfrm>
+            <a:prstGeom prst="ellipse">
+              <a:avLst/>
+            </a:prstGeom>
+          </p:spPr>
+          <p:style>
+            <a:lnRef idx="2">
+              <a:schemeClr val="dk1"/>
+            </a:lnRef>
+            <a:fillRef idx="1">
+              <a:schemeClr val="lt1"/>
+            </a:fillRef>
+            <a:effectRef idx="0">
+              <a:schemeClr val="dk1"/>
+            </a:effectRef>
+            <a:fontRef idx="minor">
+              <a:schemeClr val="dk1"/>
+            </a:fontRef>
+          </p:style>
+          <p:txBody>
+            <a:bodyPr rtlCol="0" anchor="ctr"/>
+            <a:lstStyle/>
+            <a:p>
+              <a:pPr algn="ctr"/>
+              <a:r>
+                <a:rPr lang="en-CA" dirty="0"/>
+                <a:t>c</a:t>
+              </a:r>
+            </a:p>
+          </p:txBody>
+        </p:sp>
+        <p:sp>
+          <p:nvSpPr>
+            <p:cNvPr id="98" name="Овал 97">
+              <a:extLst>
+                <a:ext uri="{FF2B5EF4-FFF2-40B4-BE49-F238E27FC236}">
+                  <a16:creationId xmlns:a16="http://schemas.microsoft.com/office/drawing/2014/main" id="{94E26BF5-2FD7-4139-A531-C1E92B99003B}"/>
+                </a:ext>
+              </a:extLst>
+            </p:cNvPr>
+            <p:cNvSpPr/>
+            <p:nvPr/>
+          </p:nvSpPr>
+          <p:spPr>
+            <a:xfrm>
+              <a:off x="2056800" y="700172"/>
+              <a:ext cx="478971" cy="478971"/>
+            </a:xfrm>
+            <a:prstGeom prst="ellipse">
+              <a:avLst/>
+            </a:prstGeom>
+          </p:spPr>
+          <p:style>
+            <a:lnRef idx="2">
+              <a:schemeClr val="dk1"/>
+            </a:lnRef>
+            <a:fillRef idx="1">
+              <a:schemeClr val="lt1"/>
+            </a:fillRef>
+            <a:effectRef idx="0">
+              <a:schemeClr val="dk1"/>
+            </a:effectRef>
+            <a:fontRef idx="minor">
+              <a:schemeClr val="dk1"/>
+            </a:fontRef>
+          </p:style>
+          <p:txBody>
+            <a:bodyPr rtlCol="0" anchor="ctr"/>
+            <a:lstStyle/>
+            <a:p>
+              <a:pPr algn="ctr"/>
+              <a:r>
+                <a:rPr lang="en-CA" dirty="0"/>
+                <a:t>e</a:t>
+              </a:r>
+            </a:p>
+          </p:txBody>
+        </p:sp>
+        <p:sp>
+          <p:nvSpPr>
+            <p:cNvPr id="99" name="Овал 98">
+              <a:extLst>
+                <a:ext uri="{FF2B5EF4-FFF2-40B4-BE49-F238E27FC236}">
+                  <a16:creationId xmlns:a16="http://schemas.microsoft.com/office/drawing/2014/main" id="{E3C209D1-5D2A-4669-878C-199257940681}"/>
+                </a:ext>
+              </a:extLst>
+            </p:cNvPr>
+            <p:cNvSpPr/>
+            <p:nvPr/>
+          </p:nvSpPr>
+          <p:spPr>
+            <a:xfrm>
+              <a:off x="254126" y="1540550"/>
+              <a:ext cx="478971" cy="478971"/>
+            </a:xfrm>
+            <a:prstGeom prst="ellipse">
+              <a:avLst/>
+            </a:prstGeom>
+          </p:spPr>
+          <p:style>
+            <a:lnRef idx="2">
+              <a:schemeClr val="dk1"/>
+            </a:lnRef>
+            <a:fillRef idx="1">
+              <a:schemeClr val="lt1"/>
+            </a:fillRef>
+            <a:effectRef idx="0">
+              <a:schemeClr val="dk1"/>
+            </a:effectRef>
+            <a:fontRef idx="minor">
+              <a:schemeClr val="dk1"/>
+            </a:fontRef>
+          </p:style>
+          <p:txBody>
+            <a:bodyPr rtlCol="0" anchor="ctr"/>
+            <a:lstStyle/>
+            <a:p>
+              <a:pPr algn="ctr"/>
+              <a:r>
+                <a:rPr lang="en-CA" dirty="0"/>
+                <a:t>b</a:t>
+              </a:r>
+            </a:p>
+          </p:txBody>
+        </p:sp>
+        <p:sp>
+          <p:nvSpPr>
+            <p:cNvPr id="100" name="Овал 99">
+              <a:extLst>
+                <a:ext uri="{FF2B5EF4-FFF2-40B4-BE49-F238E27FC236}">
+                  <a16:creationId xmlns:a16="http://schemas.microsoft.com/office/drawing/2014/main" id="{5A1EA99F-14C1-4DDE-8635-4DAFED60B9A5}"/>
+                </a:ext>
+              </a:extLst>
+            </p:cNvPr>
+            <p:cNvSpPr/>
+            <p:nvPr/>
+          </p:nvSpPr>
+          <p:spPr>
+            <a:xfrm>
+              <a:off x="1155462" y="1540550"/>
+              <a:ext cx="478971" cy="478971"/>
+            </a:xfrm>
+            <a:prstGeom prst="ellipse">
+              <a:avLst/>
+            </a:prstGeom>
+          </p:spPr>
+          <p:style>
+            <a:lnRef idx="2">
+              <a:schemeClr val="dk1"/>
+            </a:lnRef>
+            <a:fillRef idx="1">
+              <a:schemeClr val="lt1"/>
+            </a:fillRef>
+            <a:effectRef idx="0">
+              <a:schemeClr val="dk1"/>
+            </a:effectRef>
+            <a:fontRef idx="minor">
+              <a:schemeClr val="dk1"/>
+            </a:fontRef>
+          </p:style>
+          <p:txBody>
+            <a:bodyPr rtlCol="0" anchor="ctr"/>
+            <a:lstStyle/>
+            <a:p>
+              <a:pPr algn="ctr"/>
+              <a:r>
+                <a:rPr lang="en-CA" dirty="0"/>
+                <a:t>d</a:t>
+              </a:r>
+            </a:p>
+          </p:txBody>
+        </p:sp>
+        <p:sp>
+          <p:nvSpPr>
+            <p:cNvPr id="101" name="Овал 100">
+              <a:extLst>
+                <a:ext uri="{FF2B5EF4-FFF2-40B4-BE49-F238E27FC236}">
+                  <a16:creationId xmlns:a16="http://schemas.microsoft.com/office/drawing/2014/main" id="{EBACA877-63DF-45C3-8A1F-13E63CBED305}"/>
+                </a:ext>
+              </a:extLst>
+            </p:cNvPr>
+            <p:cNvSpPr/>
+            <p:nvPr/>
+          </p:nvSpPr>
+          <p:spPr>
+            <a:xfrm>
+              <a:off x="2056798" y="1542728"/>
+              <a:ext cx="478971" cy="478971"/>
+            </a:xfrm>
+            <a:prstGeom prst="ellipse">
+              <a:avLst/>
+            </a:prstGeom>
+          </p:spPr>
+          <p:style>
+            <a:lnRef idx="2">
+              <a:schemeClr val="dk1"/>
+            </a:lnRef>
+            <a:fillRef idx="1">
+              <a:schemeClr val="lt1"/>
+            </a:fillRef>
+            <a:effectRef idx="0">
+              <a:schemeClr val="dk1"/>
+            </a:effectRef>
+            <a:fontRef idx="minor">
+              <a:schemeClr val="dk1"/>
+            </a:fontRef>
+          </p:style>
+          <p:txBody>
+            <a:bodyPr rtlCol="0" anchor="ctr"/>
+            <a:lstStyle/>
+            <a:p>
+              <a:pPr algn="ctr"/>
+              <a:r>
+                <a:rPr lang="en-CA" dirty="0"/>
+                <a:t>f</a:t>
+              </a:r>
+            </a:p>
+          </p:txBody>
+        </p:sp>
+        <p:sp>
+          <p:nvSpPr>
+            <p:cNvPr id="102" name="Овал 101">
+              <a:extLst>
+                <a:ext uri="{FF2B5EF4-FFF2-40B4-BE49-F238E27FC236}">
+                  <a16:creationId xmlns:a16="http://schemas.microsoft.com/office/drawing/2014/main" id="{C1D57C98-0AE6-401E-92A1-E0C019B22F00}"/>
+                </a:ext>
+              </a:extLst>
+            </p:cNvPr>
+            <p:cNvSpPr/>
+            <p:nvPr/>
+          </p:nvSpPr>
+          <p:spPr>
+            <a:xfrm>
+              <a:off x="2953252" y="700172"/>
+              <a:ext cx="478971" cy="478971"/>
+            </a:xfrm>
+            <a:prstGeom prst="ellipse">
+              <a:avLst/>
+            </a:prstGeom>
+          </p:spPr>
+          <p:style>
+            <a:lnRef idx="2">
+              <a:schemeClr val="dk1"/>
+            </a:lnRef>
+            <a:fillRef idx="1">
+              <a:schemeClr val="lt1"/>
+            </a:fillRef>
+            <a:effectRef idx="0">
+              <a:schemeClr val="dk1"/>
+            </a:effectRef>
+            <a:fontRef idx="minor">
+              <a:schemeClr val="dk1"/>
+            </a:fontRef>
+          </p:style>
+          <p:txBody>
+            <a:bodyPr rtlCol="0" anchor="ctr"/>
+            <a:lstStyle/>
+            <a:p>
+              <a:pPr algn="ctr"/>
+              <a:r>
+                <a:rPr lang="en-CA" dirty="0"/>
+                <a:t>g</a:t>
+              </a:r>
+            </a:p>
+          </p:txBody>
+        </p:sp>
+        <p:sp>
+          <p:nvSpPr>
+            <p:cNvPr id="103" name="Овал 102">
+              <a:extLst>
+                <a:ext uri="{FF2B5EF4-FFF2-40B4-BE49-F238E27FC236}">
+                  <a16:creationId xmlns:a16="http://schemas.microsoft.com/office/drawing/2014/main" id="{0AFA7792-68A6-459B-A6E3-616538E00EE4}"/>
+                </a:ext>
+              </a:extLst>
+            </p:cNvPr>
+            <p:cNvSpPr/>
+            <p:nvPr/>
+          </p:nvSpPr>
+          <p:spPr>
+            <a:xfrm>
+              <a:off x="3849703" y="700171"/>
+              <a:ext cx="478971" cy="478971"/>
+            </a:xfrm>
+            <a:prstGeom prst="ellipse">
+              <a:avLst/>
+            </a:prstGeom>
+          </p:spPr>
+          <p:style>
+            <a:lnRef idx="2">
+              <a:schemeClr val="dk1"/>
+            </a:lnRef>
+            <a:fillRef idx="1">
+              <a:schemeClr val="lt1"/>
+            </a:fillRef>
+            <a:effectRef idx="0">
+              <a:schemeClr val="dk1"/>
+            </a:effectRef>
+            <a:fontRef idx="minor">
+              <a:schemeClr val="dk1"/>
+            </a:fontRef>
+          </p:style>
+          <p:txBody>
+            <a:bodyPr rtlCol="0" anchor="ctr"/>
+            <a:lstStyle/>
+            <a:p>
+              <a:pPr algn="ctr"/>
+              <a:r>
+                <a:rPr lang="en-CA" dirty="0" err="1"/>
+                <a:t>i</a:t>
+              </a:r>
+              <a:endParaRPr lang="en-CA" dirty="0"/>
+            </a:p>
+          </p:txBody>
+        </p:sp>
+        <p:sp>
+          <p:nvSpPr>
+            <p:cNvPr id="104" name="Овал 103">
+              <a:extLst>
+                <a:ext uri="{FF2B5EF4-FFF2-40B4-BE49-F238E27FC236}">
+                  <a16:creationId xmlns:a16="http://schemas.microsoft.com/office/drawing/2014/main" id="{496F5D72-3B06-410E-A465-BD51768E9BC3}"/>
+                </a:ext>
+              </a:extLst>
+            </p:cNvPr>
+            <p:cNvSpPr/>
+            <p:nvPr/>
+          </p:nvSpPr>
+          <p:spPr>
+            <a:xfrm>
+              <a:off x="4746154" y="700170"/>
+              <a:ext cx="478971" cy="478971"/>
+            </a:xfrm>
+            <a:prstGeom prst="ellipse">
+              <a:avLst/>
+            </a:prstGeom>
+          </p:spPr>
+          <p:style>
+            <a:lnRef idx="2">
+              <a:schemeClr val="dk1"/>
+            </a:lnRef>
+            <a:fillRef idx="1">
+              <a:schemeClr val="lt1"/>
+            </a:fillRef>
+            <a:effectRef idx="0">
+              <a:schemeClr val="dk1"/>
+            </a:effectRef>
+            <a:fontRef idx="minor">
+              <a:schemeClr val="dk1"/>
+            </a:fontRef>
+          </p:style>
+          <p:txBody>
+            <a:bodyPr rtlCol="0" anchor="ctr"/>
+            <a:lstStyle/>
+            <a:p>
+              <a:pPr algn="ctr"/>
+              <a:r>
+                <a:rPr lang="en-CA" dirty="0"/>
+                <a:t>k</a:t>
+              </a:r>
+            </a:p>
+          </p:txBody>
+        </p:sp>
+        <p:sp>
+          <p:nvSpPr>
+            <p:cNvPr id="105" name="Овал 104">
+              <a:extLst>
+                <a:ext uri="{FF2B5EF4-FFF2-40B4-BE49-F238E27FC236}">
+                  <a16:creationId xmlns:a16="http://schemas.microsoft.com/office/drawing/2014/main" id="{3D239B54-CCEE-421A-A265-0D7FD89BD265}"/>
+                </a:ext>
+              </a:extLst>
+            </p:cNvPr>
+            <p:cNvSpPr/>
+            <p:nvPr/>
+          </p:nvSpPr>
+          <p:spPr>
+            <a:xfrm>
+              <a:off x="2953251" y="1540549"/>
+              <a:ext cx="478971" cy="478971"/>
+            </a:xfrm>
+            <a:prstGeom prst="ellipse">
+              <a:avLst/>
+            </a:prstGeom>
+          </p:spPr>
+          <p:style>
+            <a:lnRef idx="2">
+              <a:schemeClr val="dk1"/>
+            </a:lnRef>
+            <a:fillRef idx="1">
+              <a:schemeClr val="lt1"/>
+            </a:fillRef>
+            <a:effectRef idx="0">
+              <a:schemeClr val="dk1"/>
+            </a:effectRef>
+            <a:fontRef idx="minor">
+              <a:schemeClr val="dk1"/>
+            </a:fontRef>
+          </p:style>
+          <p:txBody>
+            <a:bodyPr rtlCol="0" anchor="ctr"/>
+            <a:lstStyle/>
+            <a:p>
+              <a:pPr algn="ctr"/>
+              <a:r>
+                <a:rPr lang="en-CA" dirty="0"/>
+                <a:t>h</a:t>
+              </a:r>
+            </a:p>
+          </p:txBody>
+        </p:sp>
+        <p:sp>
+          <p:nvSpPr>
+            <p:cNvPr id="106" name="Овал 105">
+              <a:extLst>
+                <a:ext uri="{FF2B5EF4-FFF2-40B4-BE49-F238E27FC236}">
+                  <a16:creationId xmlns:a16="http://schemas.microsoft.com/office/drawing/2014/main" id="{0654DA8E-44AF-4382-93D1-1EEF07AECA05}"/>
+                </a:ext>
+              </a:extLst>
+            </p:cNvPr>
+            <p:cNvSpPr/>
+            <p:nvPr/>
+          </p:nvSpPr>
+          <p:spPr>
+            <a:xfrm>
+              <a:off x="3849704" y="1540549"/>
+              <a:ext cx="478971" cy="478971"/>
+            </a:xfrm>
+            <a:prstGeom prst="ellipse">
+              <a:avLst/>
+            </a:prstGeom>
+          </p:spPr>
+          <p:style>
+            <a:lnRef idx="2">
+              <a:schemeClr val="dk1"/>
+            </a:lnRef>
+            <a:fillRef idx="1">
+              <a:schemeClr val="lt1"/>
+            </a:fillRef>
+            <a:effectRef idx="0">
+              <a:schemeClr val="dk1"/>
+            </a:effectRef>
+            <a:fontRef idx="minor">
+              <a:schemeClr val="dk1"/>
+            </a:fontRef>
+          </p:style>
+          <p:txBody>
+            <a:bodyPr rtlCol="0" anchor="ctr"/>
+            <a:lstStyle/>
+            <a:p>
+              <a:pPr algn="ctr"/>
+              <a:r>
+                <a:rPr lang="en-CA" dirty="0"/>
+                <a:t>j</a:t>
+              </a:r>
+            </a:p>
+          </p:txBody>
+        </p:sp>
+        <p:sp>
+          <p:nvSpPr>
+            <p:cNvPr id="107" name="Овал 106">
+              <a:extLst>
+                <a:ext uri="{FF2B5EF4-FFF2-40B4-BE49-F238E27FC236}">
+                  <a16:creationId xmlns:a16="http://schemas.microsoft.com/office/drawing/2014/main" id="{558E1050-690B-44B0-A7CB-996B619C6EFF}"/>
+                </a:ext>
+              </a:extLst>
+            </p:cNvPr>
+            <p:cNvSpPr/>
+            <p:nvPr/>
+          </p:nvSpPr>
+          <p:spPr>
+            <a:xfrm>
+              <a:off x="4746154" y="1540548"/>
+              <a:ext cx="478971" cy="478971"/>
+            </a:xfrm>
+            <a:prstGeom prst="ellipse">
+              <a:avLst/>
+            </a:prstGeom>
+          </p:spPr>
+          <p:style>
+            <a:lnRef idx="2">
+              <a:schemeClr val="dk1"/>
+            </a:lnRef>
+            <a:fillRef idx="1">
+              <a:schemeClr val="lt1"/>
+            </a:fillRef>
+            <a:effectRef idx="0">
+              <a:schemeClr val="dk1"/>
+            </a:effectRef>
+            <a:fontRef idx="minor">
+              <a:schemeClr val="dk1"/>
+            </a:fontRef>
+          </p:style>
+          <p:txBody>
+            <a:bodyPr rtlCol="0" anchor="ctr"/>
+            <a:lstStyle/>
+            <a:p>
+              <a:pPr algn="ctr"/>
+              <a:r>
+                <a:rPr lang="en-CA" dirty="0"/>
+                <a:t>l</a:t>
+              </a:r>
+            </a:p>
+          </p:txBody>
+        </p:sp>
+        <p:sp>
+          <p:nvSpPr>
+            <p:cNvPr id="108" name="Овал 107">
+              <a:extLst>
+                <a:ext uri="{FF2B5EF4-FFF2-40B4-BE49-F238E27FC236}">
+                  <a16:creationId xmlns:a16="http://schemas.microsoft.com/office/drawing/2014/main" id="{FC1CD017-0D56-45D9-986D-78B454F114AD}"/>
+                </a:ext>
+              </a:extLst>
+            </p:cNvPr>
+            <p:cNvSpPr/>
+            <p:nvPr/>
+          </p:nvSpPr>
+          <p:spPr>
+            <a:xfrm>
+              <a:off x="5642605" y="700169"/>
+              <a:ext cx="478971" cy="478971"/>
+            </a:xfrm>
+            <a:prstGeom prst="ellipse">
+              <a:avLst/>
+            </a:prstGeom>
+          </p:spPr>
+          <p:style>
+            <a:lnRef idx="2">
+              <a:schemeClr val="dk1"/>
+            </a:lnRef>
+            <a:fillRef idx="1">
+              <a:schemeClr val="lt1"/>
+            </a:fillRef>
+            <a:effectRef idx="0">
+              <a:schemeClr val="dk1"/>
+            </a:effectRef>
+            <a:fontRef idx="minor">
+              <a:schemeClr val="dk1"/>
+            </a:fontRef>
+          </p:style>
+          <p:txBody>
+            <a:bodyPr rtlCol="0" anchor="ctr"/>
+            <a:lstStyle/>
+            <a:p>
+              <a:pPr algn="ctr"/>
+              <a:r>
+                <a:rPr lang="en-CA" dirty="0"/>
+                <a:t>m</a:t>
+              </a:r>
+            </a:p>
+          </p:txBody>
+        </p:sp>
+        <p:sp>
+          <p:nvSpPr>
+            <p:cNvPr id="109" name="Овал 108">
+              <a:extLst>
+                <a:ext uri="{FF2B5EF4-FFF2-40B4-BE49-F238E27FC236}">
+                  <a16:creationId xmlns:a16="http://schemas.microsoft.com/office/drawing/2014/main" id="{025DF8BF-4EEE-43AD-BC96-5FF98401F847}"/>
+                </a:ext>
+              </a:extLst>
+            </p:cNvPr>
+            <p:cNvSpPr/>
+            <p:nvPr/>
+          </p:nvSpPr>
+          <p:spPr>
+            <a:xfrm>
+              <a:off x="5642605" y="1540547"/>
+              <a:ext cx="478971" cy="478971"/>
+            </a:xfrm>
+            <a:prstGeom prst="ellipse">
+              <a:avLst/>
+            </a:prstGeom>
+          </p:spPr>
+          <p:style>
+            <a:lnRef idx="2">
+              <a:schemeClr val="dk1"/>
+            </a:lnRef>
+            <a:fillRef idx="1">
+              <a:schemeClr val="lt1"/>
+            </a:fillRef>
+            <a:effectRef idx="0">
+              <a:schemeClr val="dk1"/>
+            </a:effectRef>
+            <a:fontRef idx="minor">
+              <a:schemeClr val="dk1"/>
+            </a:fontRef>
+          </p:style>
+          <p:txBody>
+            <a:bodyPr rtlCol="0" anchor="ctr"/>
+            <a:lstStyle/>
+            <a:p>
+              <a:pPr algn="ctr"/>
+              <a:r>
+                <a:rPr lang="en-CA" dirty="0"/>
+                <a:t>n</a:t>
+              </a:r>
+            </a:p>
+          </p:txBody>
+        </p:sp>
+        <p:cxnSp>
+          <p:nvCxnSpPr>
+            <p:cNvPr id="110" name="Прямая соединительная линия 109">
+              <a:extLst>
+                <a:ext uri="{FF2B5EF4-FFF2-40B4-BE49-F238E27FC236}">
+                  <a16:creationId xmlns:a16="http://schemas.microsoft.com/office/drawing/2014/main" id="{47CB9E35-A9B6-4E9D-9DBC-C94E4705053D}"/>
+                </a:ext>
+              </a:extLst>
+            </p:cNvPr>
+            <p:cNvCxnSpPr>
+              <a:stCxn id="96" idx="4"/>
+              <a:endCxn id="99" idx="0"/>
+            </p:cNvCxnSpPr>
+            <p:nvPr/>
+          </p:nvCxnSpPr>
+          <p:spPr>
+            <a:xfrm>
+              <a:off x="493612" y="1179144"/>
+              <a:ext cx="0" cy="361406"/>
+            </a:xfrm>
+            <a:prstGeom prst="line">
+              <a:avLst/>
+            </a:prstGeom>
+            <a:ln w="76200"/>
+          </p:spPr>
+          <p:style>
+            <a:lnRef idx="3">
+              <a:schemeClr val="dk1"/>
+            </a:lnRef>
+            <a:fillRef idx="0">
+              <a:schemeClr val="dk1"/>
+            </a:fillRef>
+            <a:effectRef idx="2">
+              <a:schemeClr val="dk1"/>
+            </a:effectRef>
+            <a:fontRef idx="minor">
+              <a:schemeClr val="tx1"/>
+            </a:fontRef>
+          </p:style>
+        </p:cxnSp>
+        <p:cxnSp>
+          <p:nvCxnSpPr>
+            <p:cNvPr id="111" name="Прямая соединительная линия 110">
+              <a:extLst>
+                <a:ext uri="{FF2B5EF4-FFF2-40B4-BE49-F238E27FC236}">
+                  <a16:creationId xmlns:a16="http://schemas.microsoft.com/office/drawing/2014/main" id="{64DA490F-2259-4160-9788-437B8DBB3B7E}"/>
+                </a:ext>
+              </a:extLst>
+            </p:cNvPr>
+            <p:cNvCxnSpPr>
+              <a:stCxn id="99" idx="7"/>
+              <a:endCxn id="97" idx="3"/>
+            </p:cNvCxnSpPr>
+            <p:nvPr/>
+          </p:nvCxnSpPr>
+          <p:spPr>
+            <a:xfrm flipV="1">
+              <a:off x="662953" y="1109000"/>
+              <a:ext cx="562654" cy="501694"/>
+            </a:xfrm>
+            <a:prstGeom prst="line">
+              <a:avLst/>
+            </a:prstGeom>
+            <a:ln w="76200"/>
+          </p:spPr>
+          <p:style>
+            <a:lnRef idx="3">
+              <a:schemeClr val="dk1"/>
+            </a:lnRef>
+            <a:fillRef idx="0">
+              <a:schemeClr val="dk1"/>
+            </a:fillRef>
+            <a:effectRef idx="2">
+              <a:schemeClr val="dk1"/>
+            </a:effectRef>
+            <a:fontRef idx="minor">
+              <a:schemeClr val="tx1"/>
+            </a:fontRef>
+          </p:style>
+        </p:cxnSp>
+        <p:cxnSp>
+          <p:nvCxnSpPr>
+            <p:cNvPr id="112" name="Прямая соединительная линия 111">
+              <a:extLst>
+                <a:ext uri="{FF2B5EF4-FFF2-40B4-BE49-F238E27FC236}">
+                  <a16:creationId xmlns:a16="http://schemas.microsoft.com/office/drawing/2014/main" id="{974DAD22-0AD1-42E7-B295-698153C34CF8}"/>
+                </a:ext>
+              </a:extLst>
+            </p:cNvPr>
+            <p:cNvCxnSpPr>
+              <a:stCxn id="97" idx="4"/>
+              <a:endCxn id="100" idx="0"/>
+            </p:cNvCxnSpPr>
+            <p:nvPr/>
+          </p:nvCxnSpPr>
+          <p:spPr>
+            <a:xfrm flipH="1">
+              <a:off x="1394948" y="1179144"/>
+              <a:ext cx="1" cy="361406"/>
+            </a:xfrm>
+            <a:prstGeom prst="line">
+              <a:avLst/>
+            </a:prstGeom>
+            <a:ln w="76200"/>
+          </p:spPr>
+          <p:style>
+            <a:lnRef idx="3">
+              <a:schemeClr val="dk1"/>
+            </a:lnRef>
+            <a:fillRef idx="0">
+              <a:schemeClr val="dk1"/>
+            </a:fillRef>
+            <a:effectRef idx="2">
+              <a:schemeClr val="dk1"/>
+            </a:effectRef>
+            <a:fontRef idx="minor">
+              <a:schemeClr val="tx1"/>
+            </a:fontRef>
+          </p:style>
+        </p:cxnSp>
+        <p:cxnSp>
+          <p:nvCxnSpPr>
+            <p:cNvPr id="113" name="Прямая соединительная линия 112">
+              <a:extLst>
+                <a:ext uri="{FF2B5EF4-FFF2-40B4-BE49-F238E27FC236}">
+                  <a16:creationId xmlns:a16="http://schemas.microsoft.com/office/drawing/2014/main" id="{D08148BB-D7A5-4958-9CCA-F221BD216716}"/>
+                </a:ext>
+              </a:extLst>
+            </p:cNvPr>
+            <p:cNvCxnSpPr>
+              <a:stCxn id="100" idx="7"/>
+              <a:endCxn id="98" idx="3"/>
+            </p:cNvCxnSpPr>
+            <p:nvPr/>
+          </p:nvCxnSpPr>
+          <p:spPr>
+            <a:xfrm flipV="1">
+              <a:off x="1564289" y="1108999"/>
+              <a:ext cx="562655" cy="501695"/>
+            </a:xfrm>
+            <a:prstGeom prst="line">
+              <a:avLst/>
+            </a:prstGeom>
+            <a:ln w="76200"/>
+          </p:spPr>
+          <p:style>
+            <a:lnRef idx="3">
+              <a:schemeClr val="dk1"/>
+            </a:lnRef>
+            <a:fillRef idx="0">
+              <a:schemeClr val="dk1"/>
+            </a:fillRef>
+            <a:effectRef idx="2">
+              <a:schemeClr val="dk1"/>
+            </a:effectRef>
+            <a:fontRef idx="minor">
+              <a:schemeClr val="tx1"/>
+            </a:fontRef>
+          </p:style>
+        </p:cxnSp>
+        <p:cxnSp>
+          <p:nvCxnSpPr>
+            <p:cNvPr id="114" name="Прямая соединительная линия 113">
+              <a:extLst>
+                <a:ext uri="{FF2B5EF4-FFF2-40B4-BE49-F238E27FC236}">
+                  <a16:creationId xmlns:a16="http://schemas.microsoft.com/office/drawing/2014/main" id="{416DD40E-275E-44DC-B457-B2671D0547C4}"/>
+                </a:ext>
+              </a:extLst>
+            </p:cNvPr>
+            <p:cNvCxnSpPr>
+              <a:stCxn id="98" idx="4"/>
+              <a:endCxn id="101" idx="0"/>
+            </p:cNvCxnSpPr>
+            <p:nvPr/>
+          </p:nvCxnSpPr>
+          <p:spPr>
+            <a:xfrm flipH="1">
+              <a:off x="2296284" y="1179143"/>
+              <a:ext cx="2" cy="363585"/>
+            </a:xfrm>
+            <a:prstGeom prst="line">
+              <a:avLst/>
+            </a:prstGeom>
+            <a:ln w="76200"/>
+          </p:spPr>
+          <p:style>
+            <a:lnRef idx="3">
+              <a:schemeClr val="dk1"/>
+            </a:lnRef>
+            <a:fillRef idx="0">
+              <a:schemeClr val="dk1"/>
+            </a:fillRef>
+            <a:effectRef idx="2">
+              <a:schemeClr val="dk1"/>
+            </a:effectRef>
+            <a:fontRef idx="minor">
+              <a:schemeClr val="tx1"/>
+            </a:fontRef>
+          </p:style>
+        </p:cxnSp>
+        <p:cxnSp>
+          <p:nvCxnSpPr>
+            <p:cNvPr id="115" name="Прямая соединительная линия 114">
+              <a:extLst>
+                <a:ext uri="{FF2B5EF4-FFF2-40B4-BE49-F238E27FC236}">
+                  <a16:creationId xmlns:a16="http://schemas.microsoft.com/office/drawing/2014/main" id="{CB5B1D72-8787-4CF8-A1FE-054BD3DBFF25}"/>
+                </a:ext>
+              </a:extLst>
+            </p:cNvPr>
+            <p:cNvCxnSpPr>
+              <a:stCxn id="101" idx="7"/>
+              <a:endCxn id="102" idx="3"/>
+            </p:cNvCxnSpPr>
+            <p:nvPr/>
+          </p:nvCxnSpPr>
+          <p:spPr>
+            <a:xfrm flipV="1">
+              <a:off x="2465625" y="1108999"/>
+              <a:ext cx="557771" cy="503873"/>
+            </a:xfrm>
+            <a:prstGeom prst="line">
+              <a:avLst/>
+            </a:prstGeom>
+          </p:spPr>
+          <p:style>
+            <a:lnRef idx="1">
+              <a:schemeClr val="dk1"/>
+            </a:lnRef>
+            <a:fillRef idx="0">
+              <a:schemeClr val="dk1"/>
+            </a:fillRef>
+            <a:effectRef idx="0">
+              <a:schemeClr val="dk1"/>
+            </a:effectRef>
+            <a:fontRef idx="minor">
+              <a:schemeClr val="tx1"/>
+            </a:fontRef>
+          </p:style>
+        </p:cxnSp>
+        <p:cxnSp>
+          <p:nvCxnSpPr>
+            <p:cNvPr id="116" name="Соединитель: уступ 115">
+              <a:extLst>
+                <a:ext uri="{FF2B5EF4-FFF2-40B4-BE49-F238E27FC236}">
+                  <a16:creationId xmlns:a16="http://schemas.microsoft.com/office/drawing/2014/main" id="{3D00CB91-E807-4073-8009-6F34F6FFC1BB}"/>
+                </a:ext>
+              </a:extLst>
+            </p:cNvPr>
+            <p:cNvCxnSpPr>
+              <a:stCxn id="101" idx="4"/>
+              <a:endCxn id="106" idx="4"/>
+            </p:cNvCxnSpPr>
+            <p:nvPr/>
+          </p:nvCxnSpPr>
+          <p:spPr>
+            <a:xfrm rot="5400000" flipH="1" flipV="1">
+              <a:off x="3191647" y="1124157"/>
+              <a:ext cx="2179" cy="1792906"/>
+            </a:xfrm>
+            <a:prstGeom prst="bentConnector3">
+              <a:avLst>
+                <a:gd name="adj1" fmla="val -7413676"/>
+              </a:avLst>
+            </a:prstGeom>
+          </p:spPr>
+          <p:style>
+            <a:lnRef idx="1">
+              <a:schemeClr val="dk1"/>
+            </a:lnRef>
+            <a:fillRef idx="0">
+              <a:schemeClr val="dk1"/>
+            </a:fillRef>
+            <a:effectRef idx="0">
+              <a:schemeClr val="dk1"/>
+            </a:effectRef>
+            <a:fontRef idx="minor">
+              <a:schemeClr val="tx1"/>
+            </a:fontRef>
+          </p:style>
+        </p:cxnSp>
+        <p:cxnSp>
+          <p:nvCxnSpPr>
+            <p:cNvPr id="117" name="Прямая соединительная линия 116">
+              <a:extLst>
+                <a:ext uri="{FF2B5EF4-FFF2-40B4-BE49-F238E27FC236}">
+                  <a16:creationId xmlns:a16="http://schemas.microsoft.com/office/drawing/2014/main" id="{B66F1325-4E2F-40D2-A3BA-DFB83AA2AEF8}"/>
+                </a:ext>
+              </a:extLst>
+            </p:cNvPr>
+            <p:cNvCxnSpPr>
+              <a:stCxn id="102" idx="6"/>
+              <a:endCxn id="103" idx="2"/>
+            </p:cNvCxnSpPr>
+            <p:nvPr/>
+          </p:nvCxnSpPr>
+          <p:spPr>
+            <a:xfrm flipV="1">
+              <a:off x="3432223" y="939657"/>
+              <a:ext cx="417480" cy="1"/>
+            </a:xfrm>
+            <a:prstGeom prst="line">
+              <a:avLst/>
+            </a:prstGeom>
+          </p:spPr>
+          <p:style>
+            <a:lnRef idx="1">
+              <a:schemeClr val="dk1"/>
+            </a:lnRef>
+            <a:fillRef idx="0">
+              <a:schemeClr val="dk1"/>
+            </a:fillRef>
+            <a:effectRef idx="0">
+              <a:schemeClr val="dk1"/>
+            </a:effectRef>
+            <a:fontRef idx="minor">
+              <a:schemeClr val="tx1"/>
+            </a:fontRef>
+          </p:style>
+        </p:cxnSp>
+        <p:cxnSp>
+          <p:nvCxnSpPr>
+            <p:cNvPr id="118" name="Прямая соединительная линия 117">
+              <a:extLst>
+                <a:ext uri="{FF2B5EF4-FFF2-40B4-BE49-F238E27FC236}">
+                  <a16:creationId xmlns:a16="http://schemas.microsoft.com/office/drawing/2014/main" id="{CD6EAE94-DDCA-4506-8F98-480059BE0151}"/>
+                </a:ext>
+              </a:extLst>
+            </p:cNvPr>
+            <p:cNvCxnSpPr>
+              <a:stCxn id="105" idx="7"/>
+              <a:endCxn id="103" idx="3"/>
+            </p:cNvCxnSpPr>
+            <p:nvPr/>
+          </p:nvCxnSpPr>
+          <p:spPr>
+            <a:xfrm flipV="1">
+              <a:off x="3362078" y="1108998"/>
+              <a:ext cx="557769" cy="501695"/>
+            </a:xfrm>
+            <a:prstGeom prst="line">
+              <a:avLst/>
+            </a:prstGeom>
+          </p:spPr>
+          <p:style>
+            <a:lnRef idx="1">
+              <a:schemeClr val="dk1"/>
+            </a:lnRef>
+            <a:fillRef idx="0">
+              <a:schemeClr val="dk1"/>
+            </a:fillRef>
+            <a:effectRef idx="0">
+              <a:schemeClr val="dk1"/>
+            </a:effectRef>
+            <a:fontRef idx="minor">
+              <a:schemeClr val="tx1"/>
+            </a:fontRef>
+          </p:style>
+        </p:cxnSp>
+        <p:cxnSp>
+          <p:nvCxnSpPr>
+            <p:cNvPr id="119" name="Прямая соединительная линия 118">
+              <a:extLst>
+                <a:ext uri="{FF2B5EF4-FFF2-40B4-BE49-F238E27FC236}">
+                  <a16:creationId xmlns:a16="http://schemas.microsoft.com/office/drawing/2014/main" id="{6A8BCCAD-1EA5-4672-9C09-51C2B24903F3}"/>
+                </a:ext>
+              </a:extLst>
+            </p:cNvPr>
+            <p:cNvCxnSpPr>
+              <a:stCxn id="103" idx="4"/>
+              <a:endCxn id="106" idx="0"/>
+            </p:cNvCxnSpPr>
+            <p:nvPr/>
+          </p:nvCxnSpPr>
+          <p:spPr>
+            <a:xfrm>
+              <a:off x="4089189" y="1179142"/>
+              <a:ext cx="1" cy="361407"/>
+            </a:xfrm>
+            <a:prstGeom prst="line">
+              <a:avLst/>
+            </a:prstGeom>
+          </p:spPr>
+          <p:style>
+            <a:lnRef idx="1">
+              <a:schemeClr val="dk1"/>
+            </a:lnRef>
+            <a:fillRef idx="0">
+              <a:schemeClr val="dk1"/>
+            </a:fillRef>
+            <a:effectRef idx="0">
+              <a:schemeClr val="dk1"/>
+            </a:effectRef>
+            <a:fontRef idx="minor">
+              <a:schemeClr val="tx1"/>
+            </a:fontRef>
+          </p:style>
+        </p:cxnSp>
+        <p:cxnSp>
+          <p:nvCxnSpPr>
+            <p:cNvPr id="120" name="Прямая соединительная линия 119">
+              <a:extLst>
+                <a:ext uri="{FF2B5EF4-FFF2-40B4-BE49-F238E27FC236}">
+                  <a16:creationId xmlns:a16="http://schemas.microsoft.com/office/drawing/2014/main" id="{5A045723-35C6-4D30-8A76-D8EB7451836C}"/>
+                </a:ext>
+              </a:extLst>
+            </p:cNvPr>
+            <p:cNvCxnSpPr>
+              <a:stCxn id="106" idx="7"/>
+              <a:endCxn id="104" idx="3"/>
+            </p:cNvCxnSpPr>
+            <p:nvPr/>
+          </p:nvCxnSpPr>
+          <p:spPr>
+            <a:xfrm flipV="1">
+              <a:off x="4258531" y="1108997"/>
+              <a:ext cx="557767" cy="501696"/>
+            </a:xfrm>
+            <a:prstGeom prst="line">
+              <a:avLst/>
+            </a:prstGeom>
+          </p:spPr>
+          <p:style>
+            <a:lnRef idx="1">
+              <a:schemeClr val="dk1"/>
+            </a:lnRef>
+            <a:fillRef idx="0">
+              <a:schemeClr val="dk1"/>
+            </a:fillRef>
+            <a:effectRef idx="0">
+              <a:schemeClr val="dk1"/>
+            </a:effectRef>
+            <a:fontRef idx="minor">
+              <a:schemeClr val="tx1"/>
+            </a:fontRef>
+          </p:style>
+        </p:cxnSp>
+        <p:cxnSp>
+          <p:nvCxnSpPr>
+            <p:cNvPr id="121" name="Соединитель: уступ 120">
+              <a:extLst>
+                <a:ext uri="{FF2B5EF4-FFF2-40B4-BE49-F238E27FC236}">
+                  <a16:creationId xmlns:a16="http://schemas.microsoft.com/office/drawing/2014/main" id="{049EB3B2-8512-4414-9BA1-2DBF5BD783F4}"/>
+                </a:ext>
+              </a:extLst>
+            </p:cNvPr>
+            <p:cNvCxnSpPr>
+              <a:cxnSpLocks/>
+              <a:stCxn id="100" idx="4"/>
+              <a:endCxn id="107" idx="4"/>
+            </p:cNvCxnSpPr>
+            <p:nvPr/>
+          </p:nvCxnSpPr>
+          <p:spPr>
+            <a:xfrm rot="5400000" flipH="1" flipV="1">
+              <a:off x="3190293" y="224174"/>
+              <a:ext cx="2" cy="3590692"/>
+            </a:xfrm>
+            <a:prstGeom prst="bentConnector3">
+              <a:avLst>
+                <a:gd name="adj1" fmla="val -11430000000"/>
+              </a:avLst>
+            </a:prstGeom>
+          </p:spPr>
+          <p:style>
+            <a:lnRef idx="1">
+              <a:schemeClr val="dk1"/>
+            </a:lnRef>
+            <a:fillRef idx="0">
+              <a:schemeClr val="dk1"/>
+            </a:fillRef>
+            <a:effectRef idx="0">
+              <a:schemeClr val="dk1"/>
+            </a:effectRef>
+            <a:fontRef idx="minor">
+              <a:schemeClr val="tx1"/>
+            </a:fontRef>
+          </p:style>
+        </p:cxnSp>
+        <p:cxnSp>
+          <p:nvCxnSpPr>
+            <p:cNvPr id="122" name="Прямая соединительная линия 121">
+              <a:extLst>
+                <a:ext uri="{FF2B5EF4-FFF2-40B4-BE49-F238E27FC236}">
+                  <a16:creationId xmlns:a16="http://schemas.microsoft.com/office/drawing/2014/main" id="{ADEB50B9-8766-4C06-AC4B-DFFAA256545D}"/>
+                </a:ext>
+              </a:extLst>
+            </p:cNvPr>
+            <p:cNvCxnSpPr>
+              <a:stCxn id="104" idx="4"/>
+              <a:endCxn id="107" idx="0"/>
+            </p:cNvCxnSpPr>
+            <p:nvPr/>
+          </p:nvCxnSpPr>
+          <p:spPr>
+            <a:xfrm>
+              <a:off x="4985640" y="1179141"/>
+              <a:ext cx="0" cy="361407"/>
+            </a:xfrm>
+            <a:prstGeom prst="line">
+              <a:avLst/>
+            </a:prstGeom>
+          </p:spPr>
+          <p:style>
+            <a:lnRef idx="1">
+              <a:schemeClr val="dk1"/>
+            </a:lnRef>
+            <a:fillRef idx="0">
+              <a:schemeClr val="dk1"/>
+            </a:fillRef>
+            <a:effectRef idx="0">
+              <a:schemeClr val="dk1"/>
+            </a:effectRef>
+            <a:fontRef idx="minor">
+              <a:schemeClr val="tx1"/>
+            </a:fontRef>
+          </p:style>
+        </p:cxnSp>
+        <p:cxnSp>
+          <p:nvCxnSpPr>
+            <p:cNvPr id="123" name="Прямая соединительная линия 122">
+              <a:extLst>
+                <a:ext uri="{FF2B5EF4-FFF2-40B4-BE49-F238E27FC236}">
+                  <a16:creationId xmlns:a16="http://schemas.microsoft.com/office/drawing/2014/main" id="{C78D3B1B-1605-4E5A-9D5F-D0EFDDB7B983}"/>
+                </a:ext>
+              </a:extLst>
+            </p:cNvPr>
+            <p:cNvCxnSpPr>
+              <a:stCxn id="107" idx="7"/>
+              <a:endCxn id="108" idx="3"/>
+            </p:cNvCxnSpPr>
+            <p:nvPr/>
+          </p:nvCxnSpPr>
+          <p:spPr>
+            <a:xfrm flipV="1">
+              <a:off x="5154981" y="1108996"/>
+              <a:ext cx="557768" cy="501696"/>
+            </a:xfrm>
+            <a:prstGeom prst="line">
+              <a:avLst/>
+            </a:prstGeom>
+          </p:spPr>
+          <p:style>
+            <a:lnRef idx="1">
+              <a:schemeClr val="dk1"/>
+            </a:lnRef>
+            <a:fillRef idx="0">
+              <a:schemeClr val="dk1"/>
+            </a:fillRef>
+            <a:effectRef idx="0">
+              <a:schemeClr val="dk1"/>
+            </a:effectRef>
+            <a:fontRef idx="minor">
+              <a:schemeClr val="tx1"/>
+            </a:fontRef>
+          </p:style>
+        </p:cxnSp>
+        <p:cxnSp>
+          <p:nvCxnSpPr>
+            <p:cNvPr id="124" name="Соединитель: уступ 123">
+              <a:extLst>
+                <a:ext uri="{FF2B5EF4-FFF2-40B4-BE49-F238E27FC236}">
+                  <a16:creationId xmlns:a16="http://schemas.microsoft.com/office/drawing/2014/main" id="{678AB397-7CB1-4AA9-91C7-5B230EE25286}"/>
+                </a:ext>
+              </a:extLst>
+            </p:cNvPr>
+            <p:cNvCxnSpPr>
+              <a:cxnSpLocks/>
+              <a:stCxn id="97" idx="1"/>
+              <a:endCxn id="108" idx="0"/>
+            </p:cNvCxnSpPr>
+            <p:nvPr/>
+          </p:nvCxnSpPr>
+          <p:spPr>
+            <a:xfrm rot="5400000" flipH="1" flipV="1">
+              <a:off x="3518775" y="-1592999"/>
+              <a:ext cx="70148" cy="4656484"/>
+            </a:xfrm>
+            <a:prstGeom prst="bentConnector3">
+              <a:avLst>
+                <a:gd name="adj1" fmla="val 573616"/>
+              </a:avLst>
+            </a:prstGeom>
+          </p:spPr>
+          <p:style>
+            <a:lnRef idx="1">
+              <a:schemeClr val="dk1"/>
+            </a:lnRef>
+            <a:fillRef idx="0">
+              <a:schemeClr val="dk1"/>
+            </a:fillRef>
+            <a:effectRef idx="0">
+              <a:schemeClr val="dk1"/>
+            </a:effectRef>
+            <a:fontRef idx="minor">
+              <a:schemeClr val="tx1"/>
+            </a:fontRef>
+          </p:style>
+        </p:cxnSp>
+        <p:cxnSp>
+          <p:nvCxnSpPr>
+            <p:cNvPr id="125" name="Соединитель: уступ 124">
+              <a:extLst>
+                <a:ext uri="{FF2B5EF4-FFF2-40B4-BE49-F238E27FC236}">
+                  <a16:creationId xmlns:a16="http://schemas.microsoft.com/office/drawing/2014/main" id="{CCDB7A88-8CE7-4AC0-A2B1-45A8AD2D39C5}"/>
+                </a:ext>
+              </a:extLst>
+            </p:cNvPr>
+            <p:cNvCxnSpPr>
+              <a:stCxn id="98" idx="0"/>
+              <a:endCxn id="104" idx="0"/>
+            </p:cNvCxnSpPr>
+            <p:nvPr/>
+          </p:nvCxnSpPr>
+          <p:spPr>
+            <a:xfrm rot="5400000" flipH="1" flipV="1">
+              <a:off x="3640962" y="-644506"/>
+              <a:ext cx="2" cy="2689354"/>
+            </a:xfrm>
+            <a:prstGeom prst="bentConnector3">
+              <a:avLst>
+                <a:gd name="adj1" fmla="val 11430100000"/>
+              </a:avLst>
+            </a:prstGeom>
+          </p:spPr>
+          <p:style>
+            <a:lnRef idx="1">
+              <a:schemeClr val="dk1"/>
+            </a:lnRef>
+            <a:fillRef idx="0">
+              <a:schemeClr val="dk1"/>
+            </a:fillRef>
+            <a:effectRef idx="0">
+              <a:schemeClr val="dk1"/>
+            </a:effectRef>
+            <a:fontRef idx="minor">
+              <a:schemeClr val="tx1"/>
+            </a:fontRef>
+          </p:style>
+        </p:cxnSp>
+        <p:cxnSp>
+          <p:nvCxnSpPr>
+            <p:cNvPr id="126" name="Соединитель: уступ 125">
+              <a:extLst>
+                <a:ext uri="{FF2B5EF4-FFF2-40B4-BE49-F238E27FC236}">
+                  <a16:creationId xmlns:a16="http://schemas.microsoft.com/office/drawing/2014/main" id="{517A721B-AA8B-4545-9417-DCC5F8176855}"/>
+                </a:ext>
+              </a:extLst>
+            </p:cNvPr>
+            <p:cNvCxnSpPr>
+              <a:cxnSpLocks/>
+              <a:stCxn id="99" idx="3"/>
+              <a:endCxn id="109" idx="4"/>
+            </p:cNvCxnSpPr>
+            <p:nvPr/>
+          </p:nvCxnSpPr>
+          <p:spPr>
+            <a:xfrm rot="16200000" flipH="1">
+              <a:off x="3068110" y="-794464"/>
+              <a:ext cx="70141" cy="5557821"/>
+            </a:xfrm>
+            <a:prstGeom prst="bentConnector3">
+              <a:avLst>
+                <a:gd name="adj1" fmla="val 617123"/>
+              </a:avLst>
+            </a:prstGeom>
+          </p:spPr>
+          <p:style>
+            <a:lnRef idx="1">
+              <a:schemeClr val="dk1"/>
+            </a:lnRef>
+            <a:fillRef idx="0">
+              <a:schemeClr val="dk1"/>
+            </a:fillRef>
+            <a:effectRef idx="0">
+              <a:schemeClr val="dk1"/>
+            </a:effectRef>
+            <a:fontRef idx="minor">
+              <a:schemeClr val="tx1"/>
+            </a:fontRef>
+          </p:style>
+        </p:cxnSp>
+        <p:cxnSp>
+          <p:nvCxnSpPr>
+            <p:cNvPr id="127" name="Прямая соединительная линия 126">
+              <a:extLst>
+                <a:ext uri="{FF2B5EF4-FFF2-40B4-BE49-F238E27FC236}">
+                  <a16:creationId xmlns:a16="http://schemas.microsoft.com/office/drawing/2014/main" id="{D207EF6F-D20A-4124-A7B6-F5548EA256AE}"/>
+                </a:ext>
+              </a:extLst>
+            </p:cNvPr>
+            <p:cNvCxnSpPr>
+              <a:stCxn id="108" idx="4"/>
+              <a:endCxn id="109" idx="0"/>
+            </p:cNvCxnSpPr>
+            <p:nvPr/>
+          </p:nvCxnSpPr>
+          <p:spPr>
+            <a:xfrm>
+              <a:off x="5882091" y="1179140"/>
+              <a:ext cx="0" cy="361407"/>
+            </a:xfrm>
+            <a:prstGeom prst="line">
+              <a:avLst/>
+            </a:prstGeom>
+          </p:spPr>
+          <p:style>
+            <a:lnRef idx="1">
+              <a:schemeClr val="dk1"/>
+            </a:lnRef>
+            <a:fillRef idx="0">
+              <a:schemeClr val="dk1"/>
+            </a:fillRef>
+            <a:effectRef idx="0">
+              <a:schemeClr val="dk1"/>
+            </a:effectRef>
+            <a:fontRef idx="minor">
+              <a:schemeClr val="tx1"/>
+            </a:fontRef>
+          </p:style>
+        </p:cxnSp>
+        <p:sp>
+          <p:nvSpPr>
+            <p:cNvPr id="128" name="TextBox 127">
+              <a:extLst>
+                <a:ext uri="{FF2B5EF4-FFF2-40B4-BE49-F238E27FC236}">
+                  <a16:creationId xmlns:a16="http://schemas.microsoft.com/office/drawing/2014/main" id="{037F8104-5C99-4360-A9C4-37FB23D26E8C}"/>
+                </a:ext>
+              </a:extLst>
+            </p:cNvPr>
+            <p:cNvSpPr txBox="1"/>
+            <p:nvPr/>
+          </p:nvSpPr>
+          <p:spPr>
+            <a:xfrm>
+              <a:off x="0" y="506516"/>
+              <a:ext cx="297180" cy="369332"/>
+            </a:xfrm>
+            <a:prstGeom prst="rect">
+              <a:avLst/>
+            </a:prstGeom>
+            <a:noFill/>
+          </p:spPr>
+          <p:txBody>
+            <a:bodyPr wrap="square" rtlCol="0">
+              <a:spAutoFit/>
+            </a:bodyPr>
+            <a:lstStyle/>
+            <a:p>
+              <a:r>
+                <a:rPr lang="en-CA" dirty="0"/>
+                <a:t>A</a:t>
+              </a:r>
+            </a:p>
+          </p:txBody>
+        </p:sp>
+        <p:sp>
+          <p:nvSpPr>
+            <p:cNvPr id="129" name="TextBox 128">
+              <a:extLst>
+                <a:ext uri="{FF2B5EF4-FFF2-40B4-BE49-F238E27FC236}">
+                  <a16:creationId xmlns:a16="http://schemas.microsoft.com/office/drawing/2014/main" id="{9DCA88D6-EEC2-4F3C-9436-C68E4BCD544B}"/>
+                </a:ext>
+              </a:extLst>
+            </p:cNvPr>
+            <p:cNvSpPr txBox="1"/>
+            <p:nvPr/>
+          </p:nvSpPr>
+          <p:spPr>
+            <a:xfrm>
+              <a:off x="0" y="1764709"/>
+              <a:ext cx="297180" cy="369332"/>
+            </a:xfrm>
+            <a:prstGeom prst="rect">
+              <a:avLst/>
+            </a:prstGeom>
+            <a:noFill/>
+          </p:spPr>
+          <p:txBody>
+            <a:bodyPr wrap="square" rtlCol="0">
+              <a:spAutoFit/>
+            </a:bodyPr>
+            <a:lstStyle/>
+            <a:p>
+              <a:r>
+                <a:rPr lang="en-CA" dirty="0"/>
+                <a:t>B</a:t>
+              </a:r>
+            </a:p>
+          </p:txBody>
+        </p:sp>
+        <p:sp>
+          <p:nvSpPr>
+            <p:cNvPr id="130" name="TextBox 129">
+              <a:extLst>
+                <a:ext uri="{FF2B5EF4-FFF2-40B4-BE49-F238E27FC236}">
+                  <a16:creationId xmlns:a16="http://schemas.microsoft.com/office/drawing/2014/main" id="{2709C542-559A-450D-91AE-D33AA5F5EBD2}"/>
+                </a:ext>
+              </a:extLst>
+            </p:cNvPr>
+            <p:cNvSpPr txBox="1"/>
+            <p:nvPr/>
+          </p:nvSpPr>
+          <p:spPr>
+            <a:xfrm>
+              <a:off x="907323" y="506516"/>
+              <a:ext cx="297180" cy="369332"/>
+            </a:xfrm>
+            <a:prstGeom prst="rect">
+              <a:avLst/>
+            </a:prstGeom>
+            <a:noFill/>
+          </p:spPr>
+          <p:txBody>
+            <a:bodyPr wrap="square" rtlCol="0">
+              <a:spAutoFit/>
+            </a:bodyPr>
+            <a:lstStyle/>
+            <a:p>
+              <a:r>
+                <a:rPr lang="en-CA" dirty="0"/>
+                <a:t>C</a:t>
+              </a:r>
+            </a:p>
+          </p:txBody>
+        </p:sp>
+        <p:sp>
+          <p:nvSpPr>
+            <p:cNvPr id="131" name="TextBox 130">
+              <a:extLst>
+                <a:ext uri="{FF2B5EF4-FFF2-40B4-BE49-F238E27FC236}">
+                  <a16:creationId xmlns:a16="http://schemas.microsoft.com/office/drawing/2014/main" id="{5E292A44-3AE7-4EE8-85AE-7F1DE301B5E1}"/>
+                </a:ext>
+              </a:extLst>
+            </p:cNvPr>
+            <p:cNvSpPr txBox="1"/>
+            <p:nvPr/>
+          </p:nvSpPr>
+          <p:spPr>
+            <a:xfrm>
+              <a:off x="907323" y="1764709"/>
+              <a:ext cx="297180" cy="369332"/>
+            </a:xfrm>
+            <a:prstGeom prst="rect">
+              <a:avLst/>
+            </a:prstGeom>
+            <a:noFill/>
+          </p:spPr>
+          <p:txBody>
+            <a:bodyPr wrap="square" rtlCol="0">
+              <a:spAutoFit/>
+            </a:bodyPr>
+            <a:lstStyle/>
+            <a:p>
+              <a:r>
+                <a:rPr lang="en-CA" dirty="0"/>
+                <a:t>D</a:t>
+              </a:r>
+            </a:p>
+          </p:txBody>
+        </p:sp>
+        <p:sp>
+          <p:nvSpPr>
+            <p:cNvPr id="132" name="TextBox 131">
+              <a:extLst>
+                <a:ext uri="{FF2B5EF4-FFF2-40B4-BE49-F238E27FC236}">
+                  <a16:creationId xmlns:a16="http://schemas.microsoft.com/office/drawing/2014/main" id="{C8C0F634-F029-4E83-A44E-68BD22948E2E}"/>
+                </a:ext>
+              </a:extLst>
+            </p:cNvPr>
+            <p:cNvSpPr txBox="1"/>
+            <p:nvPr/>
+          </p:nvSpPr>
+          <p:spPr>
+            <a:xfrm>
+              <a:off x="1816822" y="506516"/>
+              <a:ext cx="297180" cy="369332"/>
+            </a:xfrm>
+            <a:prstGeom prst="rect">
+              <a:avLst/>
+            </a:prstGeom>
+            <a:noFill/>
+          </p:spPr>
+          <p:txBody>
+            <a:bodyPr wrap="square" rtlCol="0">
+              <a:spAutoFit/>
+            </a:bodyPr>
+            <a:lstStyle/>
+            <a:p>
+              <a:r>
+                <a:rPr lang="en-CA" dirty="0"/>
+                <a:t>E</a:t>
+              </a:r>
+            </a:p>
+          </p:txBody>
+        </p:sp>
+        <p:sp>
+          <p:nvSpPr>
+            <p:cNvPr id="133" name="TextBox 132">
+              <a:extLst>
+                <a:ext uri="{FF2B5EF4-FFF2-40B4-BE49-F238E27FC236}">
+                  <a16:creationId xmlns:a16="http://schemas.microsoft.com/office/drawing/2014/main" id="{8813C6F7-BCFB-44A3-A32E-6DB308B9DBBB}"/>
+                </a:ext>
+              </a:extLst>
+            </p:cNvPr>
+            <p:cNvSpPr txBox="1"/>
+            <p:nvPr/>
+          </p:nvSpPr>
+          <p:spPr>
+            <a:xfrm>
+              <a:off x="1808659" y="1773223"/>
+              <a:ext cx="297180" cy="369332"/>
+            </a:xfrm>
+            <a:prstGeom prst="rect">
+              <a:avLst/>
+            </a:prstGeom>
+            <a:noFill/>
+          </p:spPr>
+          <p:txBody>
+            <a:bodyPr wrap="square" rtlCol="0">
+              <a:spAutoFit/>
+            </a:bodyPr>
+            <a:lstStyle/>
+            <a:p>
+              <a:r>
+                <a:rPr lang="en-CA" dirty="0"/>
+                <a:t>F</a:t>
+              </a:r>
+            </a:p>
+          </p:txBody>
+        </p:sp>
+      </p:grpSp>
       <p:sp>
         <p:nvSpPr>
           <p:cNvPr id="134" name="Прямоугольник 133">
